--- a/backend/app/static/blank-16x9.pptx
+++ b/backend/app/static/blank-16x9.pptx
@@ -1,10 +1,13 @@
 
 <file path=ppt/presentation.xml><?xml version="1.0" encoding="utf-8"?>
-<p:presentation xmlns:a="http://schemas.openxmlformats.org/drawingml/2006/main" xmlns:r="http://schemas.openxmlformats.org/officeDocument/2006/relationships" xmlns:p="http://schemas.openxmlformats.org/presentationml/2006/main" saveSubsetFonts="1">
+<p:presentation xmlns:a="http://schemas.openxmlformats.org/drawingml/2006/main" xmlns:r="http://schemas.openxmlformats.org/officeDocument/2006/relationships" xmlns:p="http://schemas.openxmlformats.org/presentationml/2006/main" embedTrueTypeFonts="1" saveSubsetFonts="1">
   <p:sldMasterIdLst>
     <p:sldMasterId id="2147483648" r:id="rId1"/>
   </p:sldMasterIdLst>
-  <p:sldSz cx="12192000" cy="6858000"/>
+  <p:notesMasterIdLst>
+    <p:notesMasterId r:id="rId2"/>
+  </p:notesMasterIdLst>
+  <p:sldSz cx="18288000" cy="10287000"/>
   <p:notesSz cx="6858000" cy="9144000"/>
   <p:defaultTextStyle>
     <a:defPPr>
@@ -101,7 +104,2447 @@
       </a:defRPr>
     </a:lvl9pPr>
   </p:defaultTextStyle>
+  <p:extLst>
+    <p:ext uri="{EFAFB233-063F-42B5-8137-9DF3F51BA10A}">
+      <p15:sldGuideLst xmlns:p15="http://schemas.microsoft.com/office/powerpoint/2012/main">
+        <p15:guide id="1" orient="horz" pos="2160">
+          <p15:clr>
+            <a:srgbClr val="A4A3A4"/>
+          </p15:clr>
+        </p15:guide>
+        <p15:guide id="2" pos="2880">
+          <p15:clr>
+            <a:srgbClr val="A4A3A4"/>
+          </p15:clr>
+        </p15:guide>
+      </p15:sldGuideLst>
+    </p:ext>
+  </p:extLst>
 </p:presentation>
+</file>
+
+<file path=ppt/revisionInfo.xml><?xml version="1.0" encoding="utf-8"?>
+<p1510:revInfo xmlns:a="http://schemas.openxmlformats.org/drawingml/2006/main" xmlns:r="http://schemas.openxmlformats.org/officeDocument/2006/relationships" xmlns:p1510="http://schemas.microsoft.com/office/powerpoint/2015/10/main">
+  <p1510:revLst>
+    <p1510:client id="{B695F453-FC6B-4671-B98F-8232E7908B63}" v="27" dt="2025-08-30T02:04:48.365"/>
+  </p1510:revLst>
+</p1510:revInfo>
+</file>
+
+<file path=ppt/changesInfos/changesInfo1.xml><?xml version="1.0" encoding="utf-8"?>
+<pc:chgInfo xmlns:a="http://schemas.openxmlformats.org/drawingml/2006/main" xmlns:r="http://schemas.openxmlformats.org/officeDocument/2006/relationships" xmlns:ac="http://schemas.microsoft.com/office/drawing/2013/main/command" xmlns:pc="http://schemas.microsoft.com/office/powerpoint/2013/main/command">
+  <pc:docChgLst>
+    <pc:chgData name="Si Jun Lee" userId="1aa59fdf312da488" providerId="LiveId" clId="{A7AD7483-83AF-4683-99AC-B65AC63C9001}"/>
+    <pc:docChg chg="delSld">
+      <pc:chgData name="Si Jun Lee" userId="1aa59fdf312da488" providerId="LiveId" clId="{A7AD7483-83AF-4683-99AC-B65AC63C9001}" dt="2025-08-30T02:48:10.654" v="14" actId="47"/>
+      <pc:docMkLst>
+        <pc:docMk/>
+      </pc:docMkLst>
+      <pc:sldChg chg="del">
+        <pc:chgData name="Si Jun Lee" userId="1aa59fdf312da488" providerId="LiveId" clId="{A7AD7483-83AF-4683-99AC-B65AC63C9001}" dt="2025-08-30T02:48:08.550" v="0" actId="47"/>
+        <pc:sldMkLst>
+          <pc:docMk/>
+          <pc:sldMk cId="0" sldId="256"/>
+        </pc:sldMkLst>
+      </pc:sldChg>
+      <pc:sldChg chg="del">
+        <pc:chgData name="Si Jun Lee" userId="1aa59fdf312da488" providerId="LiveId" clId="{A7AD7483-83AF-4683-99AC-B65AC63C9001}" dt="2025-08-30T02:48:08.751" v="1" actId="47"/>
+        <pc:sldMkLst>
+          <pc:docMk/>
+          <pc:sldMk cId="0" sldId="257"/>
+        </pc:sldMkLst>
+      </pc:sldChg>
+      <pc:sldChg chg="del">
+        <pc:chgData name="Si Jun Lee" userId="1aa59fdf312da488" providerId="LiveId" clId="{A7AD7483-83AF-4683-99AC-B65AC63C9001}" dt="2025-08-30T02:48:08.907" v="2" actId="47"/>
+        <pc:sldMkLst>
+          <pc:docMk/>
+          <pc:sldMk cId="0" sldId="258"/>
+        </pc:sldMkLst>
+      </pc:sldChg>
+      <pc:sldChg chg="del">
+        <pc:chgData name="Si Jun Lee" userId="1aa59fdf312da488" providerId="LiveId" clId="{A7AD7483-83AF-4683-99AC-B65AC63C9001}" dt="2025-08-30T02:48:09.049" v="3" actId="47"/>
+        <pc:sldMkLst>
+          <pc:docMk/>
+          <pc:sldMk cId="0" sldId="259"/>
+        </pc:sldMkLst>
+      </pc:sldChg>
+      <pc:sldChg chg="del">
+        <pc:chgData name="Si Jun Lee" userId="1aa59fdf312da488" providerId="LiveId" clId="{A7AD7483-83AF-4683-99AC-B65AC63C9001}" dt="2025-08-30T02:48:09.158" v="4" actId="47"/>
+        <pc:sldMkLst>
+          <pc:docMk/>
+          <pc:sldMk cId="0" sldId="260"/>
+        </pc:sldMkLst>
+      </pc:sldChg>
+      <pc:sldChg chg="del">
+        <pc:chgData name="Si Jun Lee" userId="1aa59fdf312da488" providerId="LiveId" clId="{A7AD7483-83AF-4683-99AC-B65AC63C9001}" dt="2025-08-30T02:48:09.742" v="7" actId="47"/>
+        <pc:sldMkLst>
+          <pc:docMk/>
+          <pc:sldMk cId="0" sldId="262"/>
+        </pc:sldMkLst>
+      </pc:sldChg>
+      <pc:sldChg chg="del">
+        <pc:chgData name="Si Jun Lee" userId="1aa59fdf312da488" providerId="LiveId" clId="{A7AD7483-83AF-4683-99AC-B65AC63C9001}" dt="2025-08-30T02:48:09.767" v="8" actId="47"/>
+        <pc:sldMkLst>
+          <pc:docMk/>
+          <pc:sldMk cId="0" sldId="264"/>
+        </pc:sldMkLst>
+      </pc:sldChg>
+      <pc:sldChg chg="del">
+        <pc:chgData name="Si Jun Lee" userId="1aa59fdf312da488" providerId="LiveId" clId="{A7AD7483-83AF-4683-99AC-B65AC63C9001}" dt="2025-08-30T02:48:09.830" v="10" actId="47"/>
+        <pc:sldMkLst>
+          <pc:docMk/>
+          <pc:sldMk cId="0" sldId="266"/>
+        </pc:sldMkLst>
+      </pc:sldChg>
+      <pc:sldChg chg="del">
+        <pc:chgData name="Si Jun Lee" userId="1aa59fdf312da488" providerId="LiveId" clId="{A7AD7483-83AF-4683-99AC-B65AC63C9001}" dt="2025-08-30T02:48:09.891" v="11" actId="47"/>
+        <pc:sldMkLst>
+          <pc:docMk/>
+          <pc:sldMk cId="0" sldId="268"/>
+        </pc:sldMkLst>
+      </pc:sldChg>
+      <pc:sldChg chg="del">
+        <pc:chgData name="Si Jun Lee" userId="1aa59fdf312da488" providerId="LiveId" clId="{A7AD7483-83AF-4683-99AC-B65AC63C9001}" dt="2025-08-30T02:48:10.121" v="12" actId="47"/>
+        <pc:sldMkLst>
+          <pc:docMk/>
+          <pc:sldMk cId="0" sldId="269"/>
+        </pc:sldMkLst>
+      </pc:sldChg>
+      <pc:sldChg chg="del">
+        <pc:chgData name="Si Jun Lee" userId="1aa59fdf312da488" providerId="LiveId" clId="{A7AD7483-83AF-4683-99AC-B65AC63C9001}" dt="2025-08-30T02:48:10.261" v="13" actId="47"/>
+        <pc:sldMkLst>
+          <pc:docMk/>
+          <pc:sldMk cId="0" sldId="270"/>
+        </pc:sldMkLst>
+      </pc:sldChg>
+      <pc:sldChg chg="del">
+        <pc:chgData name="Si Jun Lee" userId="1aa59fdf312da488" providerId="LiveId" clId="{A7AD7483-83AF-4683-99AC-B65AC63C9001}" dt="2025-08-30T02:48:09.707" v="6" actId="47"/>
+        <pc:sldMkLst>
+          <pc:docMk/>
+          <pc:sldMk cId="1332524428" sldId="272"/>
+        </pc:sldMkLst>
+      </pc:sldChg>
+      <pc:sldChg chg="del">
+        <pc:chgData name="Si Jun Lee" userId="1aa59fdf312da488" providerId="LiveId" clId="{A7AD7483-83AF-4683-99AC-B65AC63C9001}" dt="2025-08-30T02:48:09.660" v="5" actId="47"/>
+        <pc:sldMkLst>
+          <pc:docMk/>
+          <pc:sldMk cId="396686531" sldId="273"/>
+        </pc:sldMkLst>
+      </pc:sldChg>
+      <pc:sldChg chg="del">
+        <pc:chgData name="Si Jun Lee" userId="1aa59fdf312da488" providerId="LiveId" clId="{A7AD7483-83AF-4683-99AC-B65AC63C9001}" dt="2025-08-30T02:48:09.804" v="9" actId="47"/>
+        <pc:sldMkLst>
+          <pc:docMk/>
+          <pc:sldMk cId="2232611136" sldId="274"/>
+        </pc:sldMkLst>
+      </pc:sldChg>
+      <pc:sldChg chg="del">
+        <pc:chgData name="Si Jun Lee" userId="1aa59fdf312da488" providerId="LiveId" clId="{A7AD7483-83AF-4683-99AC-B65AC63C9001}" dt="2025-08-30T02:48:10.654" v="14" actId="47"/>
+        <pc:sldMkLst>
+          <pc:docMk/>
+          <pc:sldMk cId="2770134547" sldId="276"/>
+        </pc:sldMkLst>
+      </pc:sldChg>
+    </pc:docChg>
+  </pc:docChgLst>
+  <pc:docChgLst>
+    <pc:chgData name="Si Jun Lee" userId="1aa59fdf312da488" providerId="LiveId" clId="{B695F453-FC6B-4671-B98F-8232E7908B63}"/>
+    <pc:docChg chg="undo custSel addSld delSld modSld">
+      <pc:chgData name="Si Jun Lee" userId="1aa59fdf312da488" providerId="LiveId" clId="{B695F453-FC6B-4671-B98F-8232E7908B63}" dt="2025-08-30T02:04:48.365" v="581"/>
+      <pc:docMkLst>
+        <pc:docMk/>
+      </pc:docMkLst>
+      <pc:sldChg chg="add del">
+        <pc:chgData name="Si Jun Lee" userId="1aa59fdf312da488" providerId="LiveId" clId="{B695F453-FC6B-4671-B98F-8232E7908B63}" dt="2025-08-30T01:15:55.405" v="2" actId="47"/>
+        <pc:sldMkLst>
+          <pc:docMk/>
+          <pc:sldMk cId="0" sldId="263"/>
+        </pc:sldMkLst>
+      </pc:sldChg>
+      <pc:sldChg chg="del">
+        <pc:chgData name="Si Jun Lee" userId="1aa59fdf312da488" providerId="LiveId" clId="{B695F453-FC6B-4671-B98F-8232E7908B63}" dt="2025-08-30T01:15:58.065" v="3" actId="47"/>
+        <pc:sldMkLst>
+          <pc:docMk/>
+          <pc:sldMk cId="0" sldId="265"/>
+        </pc:sldMkLst>
+      </pc:sldChg>
+      <pc:sldChg chg="addSp delSp modSp del mod">
+        <pc:chgData name="Si Jun Lee" userId="1aa59fdf312da488" providerId="LiveId" clId="{B695F453-FC6B-4671-B98F-8232E7908B63}" dt="2025-08-30T02:02:57.110" v="566" actId="47"/>
+        <pc:sldMkLst>
+          <pc:docMk/>
+          <pc:sldMk cId="0" sldId="271"/>
+        </pc:sldMkLst>
+        <pc:spChg chg="del">
+          <ac:chgData name="Si Jun Lee" userId="1aa59fdf312da488" providerId="LiveId" clId="{B695F453-FC6B-4671-B98F-8232E7908B63}" dt="2025-08-30T01:35:23.367" v="244" actId="478"/>
+          <ac:spMkLst>
+            <pc:docMk/>
+            <pc:sldMk cId="0" sldId="271"/>
+            <ac:spMk id="2" creationId="{00000000-0000-0000-0000-000000000000}"/>
+          </ac:spMkLst>
+        </pc:spChg>
+        <pc:grpChg chg="del mod">
+          <ac:chgData name="Si Jun Lee" userId="1aa59fdf312da488" providerId="LiveId" clId="{B695F453-FC6B-4671-B98F-8232E7908B63}" dt="2025-08-30T01:24:15.993" v="8" actId="478"/>
+          <ac:grpSpMkLst>
+            <pc:docMk/>
+            <pc:sldMk cId="0" sldId="271"/>
+            <ac:grpSpMk id="3" creationId="{00000000-0000-0000-0000-000000000000}"/>
+          </ac:grpSpMkLst>
+        </pc:grpChg>
+        <pc:grpChg chg="del">
+          <ac:chgData name="Si Jun Lee" userId="1aa59fdf312da488" providerId="LiveId" clId="{B695F453-FC6B-4671-B98F-8232E7908B63}" dt="2025-08-30T01:24:16.445" v="9" actId="478"/>
+          <ac:grpSpMkLst>
+            <pc:docMk/>
+            <pc:sldMk cId="0" sldId="271"/>
+            <ac:grpSpMk id="20" creationId="{00000000-0000-0000-0000-000000000000}"/>
+          </ac:grpSpMkLst>
+        </pc:grpChg>
+        <pc:grpChg chg="del">
+          <ac:chgData name="Si Jun Lee" userId="1aa59fdf312da488" providerId="LiveId" clId="{B695F453-FC6B-4671-B98F-8232E7908B63}" dt="2025-08-30T01:24:14.790" v="6" actId="478"/>
+          <ac:grpSpMkLst>
+            <pc:docMk/>
+            <pc:sldMk cId="0" sldId="271"/>
+            <ac:grpSpMk id="37" creationId="{00000000-0000-0000-0000-000000000000}"/>
+          </ac:grpSpMkLst>
+        </pc:grpChg>
+        <pc:grpChg chg="del mod">
+          <ac:chgData name="Si Jun Lee" userId="1aa59fdf312da488" providerId="LiveId" clId="{B695F453-FC6B-4671-B98F-8232E7908B63}" dt="2025-08-30T01:24:13.982" v="5" actId="478"/>
+          <ac:grpSpMkLst>
+            <pc:docMk/>
+            <pc:sldMk cId="0" sldId="271"/>
+            <ac:grpSpMk id="54" creationId="{00000000-0000-0000-0000-000000000000}"/>
+          </ac:grpSpMkLst>
+        </pc:grpChg>
+        <pc:picChg chg="mod">
+          <ac:chgData name="Si Jun Lee" userId="1aa59fdf312da488" providerId="LiveId" clId="{B695F453-FC6B-4671-B98F-8232E7908B63}" dt="2025-08-30T01:35:17.932" v="225" actId="14100"/>
+          <ac:picMkLst>
+            <pc:docMk/>
+            <pc:sldMk cId="0" sldId="271"/>
+            <ac:picMk id="72" creationId="{F1636A81-F093-2912-6CC4-6F3FF3C2AFA4}"/>
+          </ac:picMkLst>
+        </pc:picChg>
+        <pc:picChg chg="del mod">
+          <ac:chgData name="Si Jun Lee" userId="1aa59fdf312da488" providerId="LiveId" clId="{B695F453-FC6B-4671-B98F-8232E7908B63}" dt="2025-08-30T01:35:23.367" v="244" actId="478"/>
+          <ac:picMkLst>
+            <pc:docMk/>
+            <pc:sldMk cId="0" sldId="271"/>
+            <ac:picMk id="74" creationId="{272123A8-58FA-8134-D94C-BA587F2C1C23}"/>
+          </ac:picMkLst>
+        </pc:picChg>
+        <pc:picChg chg="mod">
+          <ac:chgData name="Si Jun Lee" userId="1aa59fdf312da488" providerId="LiveId" clId="{B695F453-FC6B-4671-B98F-8232E7908B63}" dt="2025-08-30T01:35:18.758" v="228" actId="1076"/>
+          <ac:picMkLst>
+            <pc:docMk/>
+            <pc:sldMk cId="0" sldId="271"/>
+            <ac:picMk id="76" creationId="{FC0D50FA-3F8F-C3D5-A01A-DBD0E6E282B3}"/>
+          </ac:picMkLst>
+        </pc:picChg>
+        <pc:picChg chg="mod">
+          <ac:chgData name="Si Jun Lee" userId="1aa59fdf312da488" providerId="LiveId" clId="{B695F453-FC6B-4671-B98F-8232E7908B63}" dt="2025-08-30T01:35:18.787" v="229" actId="1076"/>
+          <ac:picMkLst>
+            <pc:docMk/>
+            <pc:sldMk cId="0" sldId="271"/>
+            <ac:picMk id="78" creationId="{33373310-4934-1CDE-4F43-DFA7D524DA09}"/>
+          </ac:picMkLst>
+        </pc:picChg>
+        <pc:picChg chg="del mod">
+          <ac:chgData name="Si Jun Lee" userId="1aa59fdf312da488" providerId="LiveId" clId="{B695F453-FC6B-4671-B98F-8232E7908B63}" dt="2025-08-30T01:35:23.367" v="244" actId="478"/>
+          <ac:picMkLst>
+            <pc:docMk/>
+            <pc:sldMk cId="0" sldId="271"/>
+            <ac:picMk id="80" creationId="{A62D9A7D-5283-3DE6-BF90-701DC5677336}"/>
+          </ac:picMkLst>
+        </pc:picChg>
+        <pc:picChg chg="mod">
+          <ac:chgData name="Si Jun Lee" userId="1aa59fdf312da488" providerId="LiveId" clId="{B695F453-FC6B-4671-B98F-8232E7908B63}" dt="2025-08-30T01:35:18.926" v="233" actId="14100"/>
+          <ac:picMkLst>
+            <pc:docMk/>
+            <pc:sldMk cId="0" sldId="271"/>
+            <ac:picMk id="82" creationId="{51F48A6E-1CDC-15C1-EC6C-B9FF205B8E24}"/>
+          </ac:picMkLst>
+        </pc:picChg>
+        <pc:picChg chg="add mod">
+          <ac:chgData name="Si Jun Lee" userId="1aa59fdf312da488" providerId="LiveId" clId="{B695F453-FC6B-4671-B98F-8232E7908B63}" dt="2025-08-30T01:35:18.990" v="235" actId="14100"/>
+          <ac:picMkLst>
+            <pc:docMk/>
+            <pc:sldMk cId="0" sldId="271"/>
+            <ac:picMk id="84" creationId="{18A664E7-7BCB-2109-EA8C-F2F278FA7B2D}"/>
+          </ac:picMkLst>
+        </pc:picChg>
+        <pc:picChg chg="mod">
+          <ac:chgData name="Si Jun Lee" userId="1aa59fdf312da488" providerId="LiveId" clId="{B695F453-FC6B-4671-B98F-8232E7908B63}" dt="2025-08-30T01:35:19.083" v="238" actId="1076"/>
+          <ac:picMkLst>
+            <pc:docMk/>
+            <pc:sldMk cId="0" sldId="271"/>
+            <ac:picMk id="86" creationId="{F8529E2C-C245-B699-DF0E-E2E5B1E2AD32}"/>
+          </ac:picMkLst>
+        </pc:picChg>
+        <pc:picChg chg="add mod">
+          <ac:chgData name="Si Jun Lee" userId="1aa59fdf312da488" providerId="LiveId" clId="{B695F453-FC6B-4671-B98F-8232E7908B63}" dt="2025-08-30T01:35:19.144" v="240" actId="14100"/>
+          <ac:picMkLst>
+            <pc:docMk/>
+            <pc:sldMk cId="0" sldId="271"/>
+            <ac:picMk id="88" creationId="{3B334B9C-4E0F-65AF-D24C-3D5AB2EA991E}"/>
+          </ac:picMkLst>
+        </pc:picChg>
+        <pc:picChg chg="mod">
+          <ac:chgData name="Si Jun Lee" userId="1aa59fdf312da488" providerId="LiveId" clId="{B695F453-FC6B-4671-B98F-8232E7908B63}" dt="2025-08-30T01:35:19.223" v="242" actId="14100"/>
+          <ac:picMkLst>
+            <pc:docMk/>
+            <pc:sldMk cId="0" sldId="271"/>
+            <ac:picMk id="90" creationId="{E4EB584C-49B7-C5FD-C70D-25BF4941EA18}"/>
+          </ac:picMkLst>
+        </pc:picChg>
+        <pc:picChg chg="del mod">
+          <ac:chgData name="Si Jun Lee" userId="1aa59fdf312da488" providerId="LiveId" clId="{B695F453-FC6B-4671-B98F-8232E7908B63}" dt="2025-08-30T01:35:23.367" v="244" actId="478"/>
+          <ac:picMkLst>
+            <pc:docMk/>
+            <pc:sldMk cId="0" sldId="271"/>
+            <ac:picMk id="92" creationId="{B0CE6846-57D2-FE15-B9CE-2DF894A7D05E}"/>
+          </ac:picMkLst>
+        </pc:picChg>
+        <pc:picChg chg="mod">
+          <ac:chgData name="Si Jun Lee" userId="1aa59fdf312da488" providerId="LiveId" clId="{B695F453-FC6B-4671-B98F-8232E7908B63}" dt="2025-08-30T01:27:56.885" v="202" actId="1076"/>
+          <ac:picMkLst>
+            <pc:docMk/>
+            <pc:sldMk cId="0" sldId="271"/>
+            <ac:picMk id="94" creationId="{8331ED87-C076-BC3D-1BA0-0E8359E32117}"/>
+          </ac:picMkLst>
+        </pc:picChg>
+        <pc:picChg chg="mod">
+          <ac:chgData name="Si Jun Lee" userId="1aa59fdf312da488" providerId="LiveId" clId="{B695F453-FC6B-4671-B98F-8232E7908B63}" dt="2025-08-30T01:27:53.465" v="200" actId="1076"/>
+          <ac:picMkLst>
+            <pc:docMk/>
+            <pc:sldMk cId="0" sldId="271"/>
+            <ac:picMk id="96" creationId="{2708556B-2D29-8478-0FEE-9859C94BA5B4}"/>
+          </ac:picMkLst>
+        </pc:picChg>
+        <pc:picChg chg="mod">
+          <ac:chgData name="Si Jun Lee" userId="1aa59fdf312da488" providerId="LiveId" clId="{B695F453-FC6B-4671-B98F-8232E7908B63}" dt="2025-08-30T01:27:49.603" v="198" actId="1076"/>
+          <ac:picMkLst>
+            <pc:docMk/>
+            <pc:sldMk cId="0" sldId="271"/>
+            <ac:picMk id="98" creationId="{47595751-59F2-90D2-E03F-4BE457902FCD}"/>
+          </ac:picMkLst>
+        </pc:picChg>
+        <pc:picChg chg="mod">
+          <ac:chgData name="Si Jun Lee" userId="1aa59fdf312da488" providerId="LiveId" clId="{B695F453-FC6B-4671-B98F-8232E7908B63}" dt="2025-08-30T01:27:45.878" v="195" actId="1076"/>
+          <ac:picMkLst>
+            <pc:docMk/>
+            <pc:sldMk cId="0" sldId="271"/>
+            <ac:picMk id="100" creationId="{019EC6A0-CE37-6319-61D5-07E1B3681016}"/>
+          </ac:picMkLst>
+        </pc:picChg>
+        <pc:picChg chg="mod">
+          <ac:chgData name="Si Jun Lee" userId="1aa59fdf312da488" providerId="LiveId" clId="{B695F453-FC6B-4671-B98F-8232E7908B63}" dt="2025-08-30T01:27:41.059" v="191" actId="1076"/>
+          <ac:picMkLst>
+            <pc:docMk/>
+            <pc:sldMk cId="0" sldId="271"/>
+            <ac:picMk id="102" creationId="{E88340DD-1D61-B081-2F22-49FE2B4209DF}"/>
+          </ac:picMkLst>
+        </pc:picChg>
+        <pc:picChg chg="mod">
+          <ac:chgData name="Si Jun Lee" userId="1aa59fdf312da488" providerId="LiveId" clId="{B695F453-FC6B-4671-B98F-8232E7908B63}" dt="2025-08-30T01:27:37.515" v="189" actId="1076"/>
+          <ac:picMkLst>
+            <pc:docMk/>
+            <pc:sldMk cId="0" sldId="271"/>
+            <ac:picMk id="104" creationId="{959A6913-44EF-02E6-349D-20A4D39D7B3C}"/>
+          </ac:picMkLst>
+        </pc:picChg>
+        <pc:picChg chg="mod">
+          <ac:chgData name="Si Jun Lee" userId="1aa59fdf312da488" providerId="LiveId" clId="{B695F453-FC6B-4671-B98F-8232E7908B63}" dt="2025-08-30T01:27:33.570" v="187" actId="1076"/>
+          <ac:picMkLst>
+            <pc:docMk/>
+            <pc:sldMk cId="0" sldId="271"/>
+            <ac:picMk id="106" creationId="{26706875-CF49-F911-4F29-377338B6F2C4}"/>
+          </ac:picMkLst>
+        </pc:picChg>
+        <pc:picChg chg="del mod">
+          <ac:chgData name="Si Jun Lee" userId="1aa59fdf312da488" providerId="LiveId" clId="{B695F453-FC6B-4671-B98F-8232E7908B63}" dt="2025-08-30T01:35:23.367" v="244" actId="478"/>
+          <ac:picMkLst>
+            <pc:docMk/>
+            <pc:sldMk cId="0" sldId="271"/>
+            <ac:picMk id="108" creationId="{08C3CFB7-9E9F-F3F1-69A6-64B5CD12FB65}"/>
+          </ac:picMkLst>
+        </pc:picChg>
+        <pc:picChg chg="mod">
+          <ac:chgData name="Si Jun Lee" userId="1aa59fdf312da488" providerId="LiveId" clId="{B695F453-FC6B-4671-B98F-8232E7908B63}" dt="2025-08-30T01:27:16.401" v="182" actId="1076"/>
+          <ac:picMkLst>
+            <pc:docMk/>
+            <pc:sldMk cId="0" sldId="271"/>
+            <ac:picMk id="110" creationId="{CDEDCD46-1317-A33D-EA95-2E5F99FA2FFA}"/>
+          </ac:picMkLst>
+        </pc:picChg>
+        <pc:picChg chg="mod">
+          <ac:chgData name="Si Jun Lee" userId="1aa59fdf312da488" providerId="LiveId" clId="{B695F453-FC6B-4671-B98F-8232E7908B63}" dt="2025-08-30T01:27:12.252" v="180" actId="1076"/>
+          <ac:picMkLst>
+            <pc:docMk/>
+            <pc:sldMk cId="0" sldId="271"/>
+            <ac:picMk id="112" creationId="{94E3D40E-FE79-1902-10BC-E1BA0ED94309}"/>
+          </ac:picMkLst>
+        </pc:picChg>
+        <pc:picChg chg="del mod">
+          <ac:chgData name="Si Jun Lee" userId="1aa59fdf312da488" providerId="LiveId" clId="{B695F453-FC6B-4671-B98F-8232E7908B63}" dt="2025-08-30T01:35:25.918" v="245" actId="478"/>
+          <ac:picMkLst>
+            <pc:docMk/>
+            <pc:sldMk cId="0" sldId="271"/>
+            <ac:picMk id="114" creationId="{CD5BF736-CF63-DB6A-FA8E-63A01C6310D5}"/>
+          </ac:picMkLst>
+        </pc:picChg>
+        <pc:picChg chg="mod">
+          <ac:chgData name="Si Jun Lee" userId="1aa59fdf312da488" providerId="LiveId" clId="{B695F453-FC6B-4671-B98F-8232E7908B63}" dt="2025-08-30T01:27:06.955" v="177" actId="1076"/>
+          <ac:picMkLst>
+            <pc:docMk/>
+            <pc:sldMk cId="0" sldId="271"/>
+            <ac:picMk id="116" creationId="{9DCF38B1-6530-1812-15E6-0D77404DA82F}"/>
+          </ac:picMkLst>
+        </pc:picChg>
+        <pc:picChg chg="del mod">
+          <ac:chgData name="Si Jun Lee" userId="1aa59fdf312da488" providerId="LiveId" clId="{B695F453-FC6B-4671-B98F-8232E7908B63}" dt="2025-08-30T01:35:25.918" v="245" actId="478"/>
+          <ac:picMkLst>
+            <pc:docMk/>
+            <pc:sldMk cId="0" sldId="271"/>
+            <ac:picMk id="118" creationId="{DEDE1981-E4C5-0667-1EA8-52C8BC9F50AA}"/>
+          </ac:picMkLst>
+        </pc:picChg>
+        <pc:picChg chg="mod">
+          <ac:chgData name="Si Jun Lee" userId="1aa59fdf312da488" providerId="LiveId" clId="{B695F453-FC6B-4671-B98F-8232E7908B63}" dt="2025-08-30T01:26:56.137" v="171" actId="1076"/>
+          <ac:picMkLst>
+            <pc:docMk/>
+            <pc:sldMk cId="0" sldId="271"/>
+            <ac:picMk id="120" creationId="{26230795-BFE2-48A5-A850-4BF39FAAC061}"/>
+          </ac:picMkLst>
+        </pc:picChg>
+        <pc:picChg chg="mod">
+          <ac:chgData name="Si Jun Lee" userId="1aa59fdf312da488" providerId="LiveId" clId="{B695F453-FC6B-4671-B98F-8232E7908B63}" dt="2025-08-30T01:26:52.187" v="169" actId="1076"/>
+          <ac:picMkLst>
+            <pc:docMk/>
+            <pc:sldMk cId="0" sldId="271"/>
+            <ac:picMk id="122" creationId="{5A337CA8-77F4-E1F0-B1A8-788E6C14E122}"/>
+          </ac:picMkLst>
+        </pc:picChg>
+        <pc:picChg chg="mod">
+          <ac:chgData name="Si Jun Lee" userId="1aa59fdf312da488" providerId="LiveId" clId="{B695F453-FC6B-4671-B98F-8232E7908B63}" dt="2025-08-30T01:26:48.411" v="167" actId="1076"/>
+          <ac:picMkLst>
+            <pc:docMk/>
+            <pc:sldMk cId="0" sldId="271"/>
+            <ac:picMk id="124" creationId="{E1572840-38CE-4F92-D8D3-CE38D89B0C21}"/>
+          </ac:picMkLst>
+        </pc:picChg>
+        <pc:picChg chg="del mod">
+          <ac:chgData name="Si Jun Lee" userId="1aa59fdf312da488" providerId="LiveId" clId="{B695F453-FC6B-4671-B98F-8232E7908B63}" dt="2025-08-30T01:35:23.367" v="244" actId="478"/>
+          <ac:picMkLst>
+            <pc:docMk/>
+            <pc:sldMk cId="0" sldId="271"/>
+            <ac:picMk id="126" creationId="{68E09E78-F8A7-7F7C-118A-1496B6E3D89F}"/>
+          </ac:picMkLst>
+        </pc:picChg>
+        <pc:picChg chg="mod">
+          <ac:chgData name="Si Jun Lee" userId="1aa59fdf312da488" providerId="LiveId" clId="{B695F453-FC6B-4671-B98F-8232E7908B63}" dt="2025-08-30T01:26:40.665" v="163" actId="1076"/>
+          <ac:picMkLst>
+            <pc:docMk/>
+            <pc:sldMk cId="0" sldId="271"/>
+            <ac:picMk id="128" creationId="{918C450A-C8A4-88DF-89E4-9ED49ADF24B9}"/>
+          </ac:picMkLst>
+        </pc:picChg>
+        <pc:picChg chg="mod">
+          <ac:chgData name="Si Jun Lee" userId="1aa59fdf312da488" providerId="LiveId" clId="{B695F453-FC6B-4671-B98F-8232E7908B63}" dt="2025-08-30T01:26:35.821" v="159" actId="1076"/>
+          <ac:picMkLst>
+            <pc:docMk/>
+            <pc:sldMk cId="0" sldId="271"/>
+            <ac:picMk id="130" creationId="{A67A48AF-68AD-D307-5255-32569E601015}"/>
+          </ac:picMkLst>
+        </pc:picChg>
+        <pc:picChg chg="add mod">
+          <ac:chgData name="Si Jun Lee" userId="1aa59fdf312da488" providerId="LiveId" clId="{B695F453-FC6B-4671-B98F-8232E7908B63}" dt="2025-08-30T01:26:34.451" v="158" actId="1076"/>
+          <ac:picMkLst>
+            <pc:docMk/>
+            <pc:sldMk cId="0" sldId="271"/>
+            <ac:picMk id="132" creationId="{0A06D15D-023A-6CD9-81B7-C9977339206A}"/>
+          </ac:picMkLst>
+        </pc:picChg>
+        <pc:picChg chg="mod">
+          <ac:chgData name="Si Jun Lee" userId="1aa59fdf312da488" providerId="LiveId" clId="{B695F453-FC6B-4671-B98F-8232E7908B63}" dt="2025-08-30T01:26:30.639" v="156" actId="1076"/>
+          <ac:picMkLst>
+            <pc:docMk/>
+            <pc:sldMk cId="0" sldId="271"/>
+            <ac:picMk id="134" creationId="{10175C86-1A27-3D4A-C2D0-E1675A3FFE31}"/>
+          </ac:picMkLst>
+        </pc:picChg>
+        <pc:picChg chg="del mod">
+          <ac:chgData name="Si Jun Lee" userId="1aa59fdf312da488" providerId="LiveId" clId="{B695F453-FC6B-4671-B98F-8232E7908B63}" dt="2025-08-30T01:35:25.918" v="245" actId="478"/>
+          <ac:picMkLst>
+            <pc:docMk/>
+            <pc:sldMk cId="0" sldId="271"/>
+            <ac:picMk id="136" creationId="{A1152080-A185-4F35-FDDF-B1FBFFC7D0F3}"/>
+          </ac:picMkLst>
+        </pc:picChg>
+        <pc:picChg chg="mod">
+          <ac:chgData name="Si Jun Lee" userId="1aa59fdf312da488" providerId="LiveId" clId="{B695F453-FC6B-4671-B98F-8232E7908B63}" dt="2025-08-30T01:26:27.488" v="154" actId="1076"/>
+          <ac:picMkLst>
+            <pc:docMk/>
+            <pc:sldMk cId="0" sldId="271"/>
+            <ac:picMk id="138" creationId="{5B6791A7-44A2-3103-597D-CDF6B08FA0B7}"/>
+          </ac:picMkLst>
+        </pc:picChg>
+        <pc:picChg chg="mod">
+          <ac:chgData name="Si Jun Lee" userId="1aa59fdf312da488" providerId="LiveId" clId="{B695F453-FC6B-4671-B98F-8232E7908B63}" dt="2025-08-30T01:26:17.718" v="149" actId="1076"/>
+          <ac:picMkLst>
+            <pc:docMk/>
+            <pc:sldMk cId="0" sldId="271"/>
+            <ac:picMk id="140" creationId="{9476D7AD-6FF0-7233-F33C-082869DCED2A}"/>
+          </ac:picMkLst>
+        </pc:picChg>
+        <pc:picChg chg="del mod">
+          <ac:chgData name="Si Jun Lee" userId="1aa59fdf312da488" providerId="LiveId" clId="{B695F453-FC6B-4671-B98F-8232E7908B63}" dt="2025-08-30T01:35:23.367" v="244" actId="478"/>
+          <ac:picMkLst>
+            <pc:docMk/>
+            <pc:sldMk cId="0" sldId="271"/>
+            <ac:picMk id="142" creationId="{DF6E9FC3-9463-4F7F-7B66-7C070EBD3C66}"/>
+          </ac:picMkLst>
+        </pc:picChg>
+        <pc:picChg chg="add del mod">
+          <ac:chgData name="Si Jun Lee" userId="1aa59fdf312da488" providerId="LiveId" clId="{B695F453-FC6B-4671-B98F-8232E7908B63}" dt="2025-08-30T01:35:23.367" v="244" actId="478"/>
+          <ac:picMkLst>
+            <pc:docMk/>
+            <pc:sldMk cId="0" sldId="271"/>
+            <ac:picMk id="144" creationId="{87229D2E-32D0-371A-10A3-66978F9A7ADA}"/>
+          </ac:picMkLst>
+        </pc:picChg>
+        <pc:picChg chg="add mod">
+          <ac:chgData name="Si Jun Lee" userId="1aa59fdf312da488" providerId="LiveId" clId="{B695F453-FC6B-4671-B98F-8232E7908B63}" dt="2025-08-30T01:26:04.950" v="142" actId="1076"/>
+          <ac:picMkLst>
+            <pc:docMk/>
+            <pc:sldMk cId="0" sldId="271"/>
+            <ac:picMk id="146" creationId="{B9212C36-52E0-49DB-D42C-47D26DEB9DC1}"/>
+          </ac:picMkLst>
+        </pc:picChg>
+        <pc:picChg chg="mod">
+          <ac:chgData name="Si Jun Lee" userId="1aa59fdf312da488" providerId="LiveId" clId="{B695F453-FC6B-4671-B98F-8232E7908B63}" dt="2025-08-30T01:25:59.239" v="139" actId="1076"/>
+          <ac:picMkLst>
+            <pc:docMk/>
+            <pc:sldMk cId="0" sldId="271"/>
+            <ac:picMk id="148" creationId="{21717311-CCA6-3A6B-B8A2-249CD1EC9E6F}"/>
+          </ac:picMkLst>
+        </pc:picChg>
+        <pc:picChg chg="del mod">
+          <ac:chgData name="Si Jun Lee" userId="1aa59fdf312da488" providerId="LiveId" clId="{B695F453-FC6B-4671-B98F-8232E7908B63}" dt="2025-08-30T01:35:23.367" v="244" actId="478"/>
+          <ac:picMkLst>
+            <pc:docMk/>
+            <pc:sldMk cId="0" sldId="271"/>
+            <ac:picMk id="150" creationId="{D131473C-62E4-B3EC-2D20-113C315EAAEE}"/>
+          </ac:picMkLst>
+        </pc:picChg>
+        <pc:picChg chg="mod">
+          <ac:chgData name="Si Jun Lee" userId="1aa59fdf312da488" providerId="LiveId" clId="{B695F453-FC6B-4671-B98F-8232E7908B63}" dt="2025-08-30T01:25:45.470" v="132" actId="1076"/>
+          <ac:picMkLst>
+            <pc:docMk/>
+            <pc:sldMk cId="0" sldId="271"/>
+            <ac:picMk id="152" creationId="{5FA237F5-8CE1-E6C8-9C6D-808ED36C6A58}"/>
+          </ac:picMkLst>
+        </pc:picChg>
+        <pc:picChg chg="add del mod">
+          <ac:chgData name="Si Jun Lee" userId="1aa59fdf312da488" providerId="LiveId" clId="{B695F453-FC6B-4671-B98F-8232E7908B63}" dt="2025-08-30T01:35:25.918" v="245" actId="478"/>
+          <ac:picMkLst>
+            <pc:docMk/>
+            <pc:sldMk cId="0" sldId="271"/>
+            <ac:picMk id="154" creationId="{29214F87-4732-527D-580E-3720AF8F2938}"/>
+          </ac:picMkLst>
+        </pc:picChg>
+        <pc:picChg chg="mod">
+          <ac:chgData name="Si Jun Lee" userId="1aa59fdf312da488" providerId="LiveId" clId="{B695F453-FC6B-4671-B98F-8232E7908B63}" dt="2025-08-30T01:25:38.702" v="129" actId="1076"/>
+          <ac:picMkLst>
+            <pc:docMk/>
+            <pc:sldMk cId="0" sldId="271"/>
+            <ac:picMk id="156" creationId="{6FDB749D-1454-DC92-9A8D-5BF2F304C851}"/>
+          </ac:picMkLst>
+        </pc:picChg>
+        <pc:picChg chg="mod">
+          <ac:chgData name="Si Jun Lee" userId="1aa59fdf312da488" providerId="LiveId" clId="{B695F453-FC6B-4671-B98F-8232E7908B63}" dt="2025-08-30T01:26:05.697" v="143" actId="1076"/>
+          <ac:picMkLst>
+            <pc:docMk/>
+            <pc:sldMk cId="0" sldId="271"/>
+            <ac:picMk id="158" creationId="{881C9AF4-F7A8-F37C-AE9D-5F9DC94D1C44}"/>
+          </ac:picMkLst>
+        </pc:picChg>
+        <pc:picChg chg="add mod">
+          <ac:chgData name="Si Jun Lee" userId="1aa59fdf312da488" providerId="LiveId" clId="{B695F453-FC6B-4671-B98F-8232E7908B63}" dt="2025-08-30T01:25:28.043" v="124" actId="1076"/>
+          <ac:picMkLst>
+            <pc:docMk/>
+            <pc:sldMk cId="0" sldId="271"/>
+            <ac:picMk id="160" creationId="{128A56A9-ADB8-18BB-3AA3-3D1A8E2A531A}"/>
+          </ac:picMkLst>
+        </pc:picChg>
+        <pc:picChg chg="add mod">
+          <ac:chgData name="Si Jun Lee" userId="1aa59fdf312da488" providerId="LiveId" clId="{B695F453-FC6B-4671-B98F-8232E7908B63}" dt="2025-08-30T01:25:08.982" v="118" actId="1076"/>
+          <ac:picMkLst>
+            <pc:docMk/>
+            <pc:sldMk cId="0" sldId="271"/>
+            <ac:picMk id="162" creationId="{A35F270A-FE02-0CC7-CD47-B467857AB452}"/>
+          </ac:picMkLst>
+        </pc:picChg>
+        <pc:picChg chg="mod">
+          <ac:chgData name="Si Jun Lee" userId="1aa59fdf312da488" providerId="LiveId" clId="{B695F453-FC6B-4671-B98F-8232E7908B63}" dt="2025-08-30T01:25:00.431" v="115" actId="1076"/>
+          <ac:picMkLst>
+            <pc:docMk/>
+            <pc:sldMk cId="0" sldId="271"/>
+            <ac:picMk id="164" creationId="{5EAA0FD5-72FD-2FF3-9BAD-63803A8DC88F}"/>
+          </ac:picMkLst>
+        </pc:picChg>
+        <pc:picChg chg="add del mod">
+          <ac:chgData name="Si Jun Lee" userId="1aa59fdf312da488" providerId="LiveId" clId="{B695F453-FC6B-4671-B98F-8232E7908B63}" dt="2025-08-30T01:35:23.367" v="244" actId="478"/>
+          <ac:picMkLst>
+            <pc:docMk/>
+            <pc:sldMk cId="0" sldId="271"/>
+            <ac:picMk id="166" creationId="{31E3A1FE-C84F-CAAE-85DF-366986A04F39}"/>
+          </ac:picMkLst>
+        </pc:picChg>
+        <pc:picChg chg="add mod">
+          <ac:chgData name="Si Jun Lee" userId="1aa59fdf312da488" providerId="LiveId" clId="{B695F453-FC6B-4671-B98F-8232E7908B63}" dt="2025-08-30T01:24:55.054" v="113" actId="1076"/>
+          <ac:picMkLst>
+            <pc:docMk/>
+            <pc:sldMk cId="0" sldId="271"/>
+            <ac:picMk id="168" creationId="{4115C61B-2829-68EC-5DA9-DC0F1E253A89}"/>
+          </ac:picMkLst>
+        </pc:picChg>
+      </pc:sldChg>
+      <pc:sldChg chg="addSp delSp modSp add del mod">
+        <pc:chgData name="Si Jun Lee" userId="1aa59fdf312da488" providerId="LiveId" clId="{B695F453-FC6B-4671-B98F-8232E7908B63}" dt="2025-08-30T02:04:37.402" v="577" actId="47"/>
+        <pc:sldMkLst>
+          <pc:docMk/>
+          <pc:sldMk cId="841435471" sldId="275"/>
+        </pc:sldMkLst>
+        <pc:spChg chg="add del">
+          <ac:chgData name="Si Jun Lee" userId="1aa59fdf312da488" providerId="LiveId" clId="{B695F453-FC6B-4671-B98F-8232E7908B63}" dt="2025-08-30T02:04:31.997" v="575" actId="478"/>
+          <ac:spMkLst>
+            <pc:docMk/>
+            <pc:sldMk cId="841435471" sldId="275"/>
+            <ac:spMk id="2" creationId="{BC7BAF0D-57C2-659E-CB7C-8AD2BAD87F5E}"/>
+          </ac:spMkLst>
+        </pc:spChg>
+        <pc:spChg chg="del mod">
+          <ac:chgData name="Si Jun Lee" userId="1aa59fdf312da488" providerId="LiveId" clId="{B695F453-FC6B-4671-B98F-8232E7908B63}" dt="2025-08-30T02:03:23.460" v="574"/>
+          <ac:spMkLst>
+            <pc:docMk/>
+            <pc:sldMk cId="841435471" sldId="275"/>
+            <ac:spMk id="3" creationId="{31029DEF-573C-05FE-EDB2-61C7B18F7A91}"/>
+          </ac:spMkLst>
+        </pc:spChg>
+        <pc:grpChg chg="del">
+          <ac:chgData name="Si Jun Lee" userId="1aa59fdf312da488" providerId="LiveId" clId="{B695F453-FC6B-4671-B98F-8232E7908B63}" dt="2025-08-30T02:04:31.997" v="575" actId="478"/>
+          <ac:grpSpMkLst>
+            <pc:docMk/>
+            <pc:sldMk cId="841435471" sldId="275"/>
+            <ac:grpSpMk id="14" creationId="{00000000-0000-0000-0000-000000000000}"/>
+          </ac:grpSpMkLst>
+        </pc:grpChg>
+        <pc:grpChg chg="del">
+          <ac:chgData name="Si Jun Lee" userId="1aa59fdf312da488" providerId="LiveId" clId="{B695F453-FC6B-4671-B98F-8232E7908B63}" dt="2025-08-30T02:04:31.997" v="575" actId="478"/>
+          <ac:grpSpMkLst>
+            <pc:docMk/>
+            <pc:sldMk cId="841435471" sldId="275"/>
+            <ac:grpSpMk id="32" creationId="{00000000-0000-0000-0000-000000000000}"/>
+          </ac:grpSpMkLst>
+        </pc:grpChg>
+        <pc:grpChg chg="del">
+          <ac:chgData name="Si Jun Lee" userId="1aa59fdf312da488" providerId="LiveId" clId="{B695F453-FC6B-4671-B98F-8232E7908B63}" dt="2025-08-30T02:04:31.997" v="575" actId="478"/>
+          <ac:grpSpMkLst>
+            <pc:docMk/>
+            <pc:sldMk cId="841435471" sldId="275"/>
+            <ac:grpSpMk id="34" creationId="{00000000-0000-0000-0000-000000000000}"/>
+          </ac:grpSpMkLst>
+        </pc:grpChg>
+        <pc:grpChg chg="del">
+          <ac:chgData name="Si Jun Lee" userId="1aa59fdf312da488" providerId="LiveId" clId="{B695F453-FC6B-4671-B98F-8232E7908B63}" dt="2025-08-30T02:04:31.997" v="575" actId="478"/>
+          <ac:grpSpMkLst>
+            <pc:docMk/>
+            <pc:sldMk cId="841435471" sldId="275"/>
+            <ac:grpSpMk id="40" creationId="{00000000-0000-0000-0000-000000000000}"/>
+          </ac:grpSpMkLst>
+        </pc:grpChg>
+        <pc:grpChg chg="del">
+          <ac:chgData name="Si Jun Lee" userId="1aa59fdf312da488" providerId="LiveId" clId="{B695F453-FC6B-4671-B98F-8232E7908B63}" dt="2025-08-30T02:04:31.997" v="575" actId="478"/>
+          <ac:grpSpMkLst>
+            <pc:docMk/>
+            <pc:sldMk cId="841435471" sldId="275"/>
+            <ac:grpSpMk id="44" creationId="{00000000-0000-0000-0000-000000000000}"/>
+          </ac:grpSpMkLst>
+        </pc:grpChg>
+        <pc:grpChg chg="del">
+          <ac:chgData name="Si Jun Lee" userId="1aa59fdf312da488" providerId="LiveId" clId="{B695F453-FC6B-4671-B98F-8232E7908B63}" dt="2025-08-30T02:04:31.997" v="575" actId="478"/>
+          <ac:grpSpMkLst>
+            <pc:docMk/>
+            <pc:sldMk cId="841435471" sldId="275"/>
+            <ac:grpSpMk id="54" creationId="{00000000-0000-0000-0000-000000000000}"/>
+          </ac:grpSpMkLst>
+        </pc:grpChg>
+        <pc:grpChg chg="del">
+          <ac:chgData name="Si Jun Lee" userId="1aa59fdf312da488" providerId="LiveId" clId="{B695F453-FC6B-4671-B98F-8232E7908B63}" dt="2025-08-30T02:04:31.997" v="575" actId="478"/>
+          <ac:grpSpMkLst>
+            <pc:docMk/>
+            <pc:sldMk cId="841435471" sldId="275"/>
+            <ac:grpSpMk id="60" creationId="{00000000-0000-0000-0000-000000000000}"/>
+          </ac:grpSpMkLst>
+        </pc:grpChg>
+        <pc:grpChg chg="del">
+          <ac:chgData name="Si Jun Lee" userId="1aa59fdf312da488" providerId="LiveId" clId="{B695F453-FC6B-4671-B98F-8232E7908B63}" dt="2025-08-30T02:04:31.997" v="575" actId="478"/>
+          <ac:grpSpMkLst>
+            <pc:docMk/>
+            <pc:sldMk cId="841435471" sldId="275"/>
+            <ac:grpSpMk id="82" creationId="{00000000-0000-0000-0000-000000000000}"/>
+          </ac:grpSpMkLst>
+        </pc:grpChg>
+        <pc:grpChg chg="del">
+          <ac:chgData name="Si Jun Lee" userId="1aa59fdf312da488" providerId="LiveId" clId="{B695F453-FC6B-4671-B98F-8232E7908B63}" dt="2025-08-30T02:04:31.997" v="575" actId="478"/>
+          <ac:grpSpMkLst>
+            <pc:docMk/>
+            <pc:sldMk cId="841435471" sldId="275"/>
+            <ac:grpSpMk id="86" creationId="{00000000-0000-0000-0000-000000000000}"/>
+          </ac:grpSpMkLst>
+        </pc:grpChg>
+        <pc:picChg chg="mod">
+          <ac:chgData name="Si Jun Lee" userId="1aa59fdf312da488" providerId="LiveId" clId="{B695F453-FC6B-4671-B98F-8232E7908B63}" dt="2025-08-30T02:03:22.665" v="572"/>
+          <ac:picMkLst>
+            <pc:docMk/>
+            <pc:sldMk cId="841435471" sldId="275"/>
+            <ac:picMk id="5" creationId="{00000000-0000-0000-0000-000000000000}"/>
+          </ac:picMkLst>
+        </pc:picChg>
+        <pc:picChg chg="mod">
+          <ac:chgData name="Si Jun Lee" userId="1aa59fdf312da488" providerId="LiveId" clId="{B695F453-FC6B-4671-B98F-8232E7908B63}" dt="2025-08-30T02:03:22.665" v="572"/>
+          <ac:picMkLst>
+            <pc:docMk/>
+            <pc:sldMk cId="841435471" sldId="275"/>
+            <ac:picMk id="9" creationId="{00000000-0000-0000-0000-000000000000}"/>
+          </ac:picMkLst>
+        </pc:picChg>
+        <pc:picChg chg="mod">
+          <ac:chgData name="Si Jun Lee" userId="1aa59fdf312da488" providerId="LiveId" clId="{B695F453-FC6B-4671-B98F-8232E7908B63}" dt="2025-08-30T02:03:22.665" v="572"/>
+          <ac:picMkLst>
+            <pc:docMk/>
+            <pc:sldMk cId="841435471" sldId="275"/>
+            <ac:picMk id="37" creationId="{00000000-0000-0000-0000-000000000000}"/>
+          </ac:picMkLst>
+        </pc:picChg>
+        <pc:picChg chg="mod">
+          <ac:chgData name="Si Jun Lee" userId="1aa59fdf312da488" providerId="LiveId" clId="{B695F453-FC6B-4671-B98F-8232E7908B63}" dt="2025-08-30T02:03:22.665" v="572"/>
+          <ac:picMkLst>
+            <pc:docMk/>
+            <pc:sldMk cId="841435471" sldId="275"/>
+            <ac:picMk id="39" creationId="{00000000-0000-0000-0000-000000000000}"/>
+          </ac:picMkLst>
+        </pc:picChg>
+        <pc:picChg chg="mod">
+          <ac:chgData name="Si Jun Lee" userId="1aa59fdf312da488" providerId="LiveId" clId="{B695F453-FC6B-4671-B98F-8232E7908B63}" dt="2025-08-30T02:03:22.665" v="572"/>
+          <ac:picMkLst>
+            <pc:docMk/>
+            <pc:sldMk cId="841435471" sldId="275"/>
+            <ac:picMk id="41" creationId="{00000000-0000-0000-0000-000000000000}"/>
+          </ac:picMkLst>
+        </pc:picChg>
+        <pc:picChg chg="mod">
+          <ac:chgData name="Si Jun Lee" userId="1aa59fdf312da488" providerId="LiveId" clId="{B695F453-FC6B-4671-B98F-8232E7908B63}" dt="2025-08-30T02:03:22.665" v="572"/>
+          <ac:picMkLst>
+            <pc:docMk/>
+            <pc:sldMk cId="841435471" sldId="275"/>
+            <ac:picMk id="43" creationId="{00000000-0000-0000-0000-000000000000}"/>
+          </ac:picMkLst>
+        </pc:picChg>
+        <pc:picChg chg="mod">
+          <ac:chgData name="Si Jun Lee" userId="1aa59fdf312da488" providerId="LiveId" clId="{B695F453-FC6B-4671-B98F-8232E7908B63}" dt="2025-08-30T02:03:22.665" v="572"/>
+          <ac:picMkLst>
+            <pc:docMk/>
+            <pc:sldMk cId="841435471" sldId="275"/>
+            <ac:picMk id="45" creationId="{00000000-0000-0000-0000-000000000000}"/>
+          </ac:picMkLst>
+        </pc:picChg>
+        <pc:picChg chg="mod">
+          <ac:chgData name="Si Jun Lee" userId="1aa59fdf312da488" providerId="LiveId" clId="{B695F453-FC6B-4671-B98F-8232E7908B63}" dt="2025-08-30T02:03:22.665" v="572"/>
+          <ac:picMkLst>
+            <pc:docMk/>
+            <pc:sldMk cId="841435471" sldId="275"/>
+            <ac:picMk id="47" creationId="{00000000-0000-0000-0000-000000000000}"/>
+          </ac:picMkLst>
+        </pc:picChg>
+        <pc:picChg chg="mod">
+          <ac:chgData name="Si Jun Lee" userId="1aa59fdf312da488" providerId="LiveId" clId="{B695F453-FC6B-4671-B98F-8232E7908B63}" dt="2025-08-30T02:03:22.665" v="572"/>
+          <ac:picMkLst>
+            <pc:docMk/>
+            <pc:sldMk cId="841435471" sldId="275"/>
+            <ac:picMk id="55" creationId="{00000000-0000-0000-0000-000000000000}"/>
+          </ac:picMkLst>
+        </pc:picChg>
+        <pc:picChg chg="mod">
+          <ac:chgData name="Si Jun Lee" userId="1aa59fdf312da488" providerId="LiveId" clId="{B695F453-FC6B-4671-B98F-8232E7908B63}" dt="2025-08-30T02:03:22.665" v="572"/>
+          <ac:picMkLst>
+            <pc:docMk/>
+            <pc:sldMk cId="841435471" sldId="275"/>
+            <ac:picMk id="63" creationId="{00000000-0000-0000-0000-000000000000}"/>
+          </ac:picMkLst>
+        </pc:picChg>
+      </pc:sldChg>
+      <pc:sldChg chg="addSp delSp modSp add del mod">
+        <pc:chgData name="Si Jun Lee" userId="1aa59fdf312da488" providerId="LiveId" clId="{B695F453-FC6B-4671-B98F-8232E7908B63}" dt="2025-08-30T02:02:55.914" v="565" actId="47"/>
+        <pc:sldMkLst>
+          <pc:docMk/>
+          <pc:sldMk cId="2563024566" sldId="275"/>
+        </pc:sldMkLst>
+        <pc:spChg chg="add del mod">
+          <ac:chgData name="Si Jun Lee" userId="1aa59fdf312da488" providerId="LiveId" clId="{B695F453-FC6B-4671-B98F-8232E7908B63}" dt="2025-08-30T01:38:08.624" v="356" actId="478"/>
+          <ac:spMkLst>
+            <pc:docMk/>
+            <pc:sldMk cId="2563024566" sldId="275"/>
+            <ac:spMk id="2" creationId="{5DC3E824-574E-6054-D70D-81D57667AEF9}"/>
+          </ac:spMkLst>
+        </pc:spChg>
+        <pc:spChg chg="del mod">
+          <ac:chgData name="Si Jun Lee" userId="1aa59fdf312da488" providerId="LiveId" clId="{B695F453-FC6B-4671-B98F-8232E7908B63}" dt="2025-08-30T01:35:35.531" v="249"/>
+          <ac:spMkLst>
+            <pc:docMk/>
+            <pc:sldMk cId="2563024566" sldId="275"/>
+            <ac:spMk id="3" creationId="{B9CAA461-B8ED-82A6-658C-6A52FD1B203F}"/>
+          </ac:spMkLst>
+        </pc:spChg>
+        <pc:graphicFrameChg chg="add del mod">
+          <ac:chgData name="Si Jun Lee" userId="1aa59fdf312da488" providerId="LiveId" clId="{B695F453-FC6B-4671-B98F-8232E7908B63}" dt="2025-08-30T01:38:03.210" v="352" actId="478"/>
+          <ac:graphicFrameMkLst>
+            <pc:docMk/>
+            <pc:sldMk cId="2563024566" sldId="275"/>
+            <ac:graphicFrameMk id="102" creationId="{B9266F77-1889-1FD2-5DF8-472672EA887B}"/>
+          </ac:graphicFrameMkLst>
+        </pc:graphicFrameChg>
+        <pc:graphicFrameChg chg="mod">
+          <ac:chgData name="Si Jun Lee" userId="1aa59fdf312da488" providerId="LiveId" clId="{B695F453-FC6B-4671-B98F-8232E7908B63}" dt="2025-08-30T01:40:05.115" v="461" actId="478"/>
+          <ac:graphicFrameMkLst>
+            <pc:docMk/>
+            <pc:sldMk cId="2563024566" sldId="275"/>
+            <ac:graphicFrameMk id="201" creationId="{5029C1C3-8F21-4320-7F58-EEBF310F586B}"/>
+          </ac:graphicFrameMkLst>
+        </pc:graphicFrameChg>
+        <pc:picChg chg="add mod">
+          <ac:chgData name="Si Jun Lee" userId="1aa59fdf312da488" providerId="LiveId" clId="{B695F453-FC6B-4671-B98F-8232E7908B63}" dt="2025-08-30T01:38:07.262" v="355"/>
+          <ac:picMkLst>
+            <pc:docMk/>
+            <pc:sldMk cId="2563024566" sldId="275"/>
+            <ac:picMk id="5" creationId="{4A9EF024-22E5-A6B0-FE56-80C6EA7692D7}"/>
+          </ac:picMkLst>
+        </pc:picChg>
+        <pc:picChg chg="add del mod">
+          <ac:chgData name="Si Jun Lee" userId="1aa59fdf312da488" providerId="LiveId" clId="{B695F453-FC6B-4671-B98F-8232E7908B63}" dt="2025-08-30T01:37:57.988" v="349" actId="12084"/>
+          <ac:picMkLst>
+            <pc:docMk/>
+            <pc:sldMk cId="2563024566" sldId="275"/>
+            <ac:picMk id="7" creationId="{17DF6CCA-29B0-1F91-81D6-E09BCFB44024}"/>
+          </ac:picMkLst>
+        </pc:picChg>
+        <pc:picChg chg="mod">
+          <ac:chgData name="Si Jun Lee" userId="1aa59fdf312da488" providerId="LiveId" clId="{B695F453-FC6B-4671-B98F-8232E7908B63}" dt="2025-08-30T01:35:49.903" v="265" actId="27614"/>
+          <ac:picMkLst>
+            <pc:docMk/>
+            <pc:sldMk cId="2563024566" sldId="275"/>
+            <ac:picMk id="9" creationId="{87E2A34B-A43D-C74C-79CB-F44502D071F7}"/>
+          </ac:picMkLst>
+        </pc:picChg>
+        <pc:picChg chg="mod">
+          <ac:chgData name="Si Jun Lee" userId="1aa59fdf312da488" providerId="LiveId" clId="{B695F453-FC6B-4671-B98F-8232E7908B63}" dt="2025-08-30T01:35:49.907" v="267" actId="27614"/>
+          <ac:picMkLst>
+            <pc:docMk/>
+            <pc:sldMk cId="2563024566" sldId="275"/>
+            <ac:picMk id="11" creationId="{0C9BA4F3-127E-2FF9-29A6-907D8B556C4D}"/>
+          </ac:picMkLst>
+        </pc:picChg>
+        <pc:picChg chg="mod">
+          <ac:chgData name="Si Jun Lee" userId="1aa59fdf312da488" providerId="LiveId" clId="{B695F453-FC6B-4671-B98F-8232E7908B63}" dt="2025-08-30T01:35:49.912" v="269" actId="27614"/>
+          <ac:picMkLst>
+            <pc:docMk/>
+            <pc:sldMk cId="2563024566" sldId="275"/>
+            <ac:picMk id="13" creationId="{9978D92D-EEB0-B756-64DA-1A9BE2122DB6}"/>
+          </ac:picMkLst>
+        </pc:picChg>
+        <pc:picChg chg="mod">
+          <ac:chgData name="Si Jun Lee" userId="1aa59fdf312da488" providerId="LiveId" clId="{B695F453-FC6B-4671-B98F-8232E7908B63}" dt="2025-08-30T01:35:49.798" v="253" actId="27614"/>
+          <ac:picMkLst>
+            <pc:docMk/>
+            <pc:sldMk cId="2563024566" sldId="275"/>
+            <ac:picMk id="15" creationId="{16E88CA1-AF56-3628-FEF7-429BC3FF5561}"/>
+          </ac:picMkLst>
+        </pc:picChg>
+        <pc:picChg chg="mod">
+          <ac:chgData name="Si Jun Lee" userId="1aa59fdf312da488" providerId="LiveId" clId="{B695F453-FC6B-4671-B98F-8232E7908B63}" dt="2025-08-30T01:35:50.024" v="307" actId="27614"/>
+          <ac:picMkLst>
+            <pc:docMk/>
+            <pc:sldMk cId="2563024566" sldId="275"/>
+            <ac:picMk id="17" creationId="{98AD4208-7945-2843-82FE-9EDF786DE537}"/>
+          </ac:picMkLst>
+        </pc:picChg>
+        <pc:picChg chg="add mod">
+          <ac:chgData name="Si Jun Lee" userId="1aa59fdf312da488" providerId="LiveId" clId="{B695F453-FC6B-4671-B98F-8232E7908B63}" dt="2025-08-30T01:38:07.262" v="355"/>
+          <ac:picMkLst>
+            <pc:docMk/>
+            <pc:sldMk cId="2563024566" sldId="275"/>
+            <ac:picMk id="19" creationId="{7F9C2308-F4B2-5F58-305D-54E12D931824}"/>
+          </ac:picMkLst>
+        </pc:picChg>
+        <pc:picChg chg="mod">
+          <ac:chgData name="Si Jun Lee" userId="1aa59fdf312da488" providerId="LiveId" clId="{B695F453-FC6B-4671-B98F-8232E7908B63}" dt="2025-08-30T01:35:49.889" v="261" actId="27614"/>
+          <ac:picMkLst>
+            <pc:docMk/>
+            <pc:sldMk cId="2563024566" sldId="275"/>
+            <ac:picMk id="21" creationId="{111ABDFD-224B-EC12-6788-81640E53F5E6}"/>
+          </ac:picMkLst>
+        </pc:picChg>
+        <pc:picChg chg="mod">
+          <ac:chgData name="Si Jun Lee" userId="1aa59fdf312da488" providerId="LiveId" clId="{B695F453-FC6B-4671-B98F-8232E7908B63}" dt="2025-08-30T01:35:49.917" v="271" actId="27614"/>
+          <ac:picMkLst>
+            <pc:docMk/>
+            <pc:sldMk cId="2563024566" sldId="275"/>
+            <ac:picMk id="23" creationId="{839B3D31-342A-5E0F-A3EE-2AD6B4D07C0F}"/>
+          </ac:picMkLst>
+        </pc:picChg>
+        <pc:picChg chg="mod">
+          <ac:chgData name="Si Jun Lee" userId="1aa59fdf312da488" providerId="LiveId" clId="{B695F453-FC6B-4671-B98F-8232E7908B63}" dt="2025-08-30T01:35:49.922" v="273" actId="27614"/>
+          <ac:picMkLst>
+            <pc:docMk/>
+            <pc:sldMk cId="2563024566" sldId="275"/>
+            <ac:picMk id="25" creationId="{478E4587-A1C0-AC9C-3570-AC01F6C818D4}"/>
+          </ac:picMkLst>
+        </pc:picChg>
+        <pc:picChg chg="mod">
+          <ac:chgData name="Si Jun Lee" userId="1aa59fdf312da488" providerId="LiveId" clId="{B695F453-FC6B-4671-B98F-8232E7908B63}" dt="2025-08-30T01:35:49.927" v="275" actId="27614"/>
+          <ac:picMkLst>
+            <pc:docMk/>
+            <pc:sldMk cId="2563024566" sldId="275"/>
+            <ac:picMk id="27" creationId="{135530FB-3FC4-7BF8-5C0B-94C4DB074903}"/>
+          </ac:picMkLst>
+        </pc:picChg>
+        <pc:picChg chg="add mod">
+          <ac:chgData name="Si Jun Lee" userId="1aa59fdf312da488" providerId="LiveId" clId="{B695F453-FC6B-4671-B98F-8232E7908B63}" dt="2025-08-30T01:38:07.262" v="355"/>
+          <ac:picMkLst>
+            <pc:docMk/>
+            <pc:sldMk cId="2563024566" sldId="275"/>
+            <ac:picMk id="29" creationId="{987480D0-A632-E441-DD12-62A2AC9BD4A6}"/>
+          </ac:picMkLst>
+        </pc:picChg>
+        <pc:picChg chg="add mod">
+          <ac:chgData name="Si Jun Lee" userId="1aa59fdf312da488" providerId="LiveId" clId="{B695F453-FC6B-4671-B98F-8232E7908B63}" dt="2025-08-30T01:35:49.937" v="279" actId="27614"/>
+          <ac:picMkLst>
+            <pc:docMk/>
+            <pc:sldMk cId="2563024566" sldId="275"/>
+            <ac:picMk id="31" creationId="{9691430F-6370-23E9-0B58-6BE84EC1E147}"/>
+          </ac:picMkLst>
+        </pc:picChg>
+        <pc:picChg chg="mod">
+          <ac:chgData name="Si Jun Lee" userId="1aa59fdf312da488" providerId="LiveId" clId="{B695F453-FC6B-4671-B98F-8232E7908B63}" dt="2025-08-30T01:35:49.815" v="257" actId="27614"/>
+          <ac:picMkLst>
+            <pc:docMk/>
+            <pc:sldMk cId="2563024566" sldId="275"/>
+            <ac:picMk id="33" creationId="{E4135416-56AD-0269-F065-B48C9B6C1E4A}"/>
+          </ac:picMkLst>
+        </pc:picChg>
+        <pc:picChg chg="mod">
+          <ac:chgData name="Si Jun Lee" userId="1aa59fdf312da488" providerId="LiveId" clId="{B695F453-FC6B-4671-B98F-8232E7908B63}" dt="2025-08-30T01:35:50.031" v="309" actId="27614"/>
+          <ac:picMkLst>
+            <pc:docMk/>
+            <pc:sldMk cId="2563024566" sldId="275"/>
+            <ac:picMk id="35" creationId="{FFA4E00B-C134-1FCE-640C-814744C3837E}"/>
+          </ac:picMkLst>
+        </pc:picChg>
+        <pc:picChg chg="mod">
+          <ac:chgData name="Si Jun Lee" userId="1aa59fdf312da488" providerId="LiveId" clId="{B695F453-FC6B-4671-B98F-8232E7908B63}" dt="2025-08-30T01:35:49.941" v="281" actId="27614"/>
+          <ac:picMkLst>
+            <pc:docMk/>
+            <pc:sldMk cId="2563024566" sldId="275"/>
+            <ac:picMk id="37" creationId="{713D94FA-44F2-30DA-2AF0-2A56BE7189C9}"/>
+          </ac:picMkLst>
+        </pc:picChg>
+        <pc:picChg chg="add mod">
+          <ac:chgData name="Si Jun Lee" userId="1aa59fdf312da488" providerId="LiveId" clId="{B695F453-FC6B-4671-B98F-8232E7908B63}" dt="2025-08-30T01:38:07.262" v="355"/>
+          <ac:picMkLst>
+            <pc:docMk/>
+            <pc:sldMk cId="2563024566" sldId="275"/>
+            <ac:picMk id="39" creationId="{81BF1E29-FBB0-6727-B1A2-DFBCF909584E}"/>
+          </ac:picMkLst>
+        </pc:picChg>
+        <pc:picChg chg="add del mod">
+          <ac:chgData name="Si Jun Lee" userId="1aa59fdf312da488" providerId="LiveId" clId="{B695F453-FC6B-4671-B98F-8232E7908B63}" dt="2025-08-30T01:37:57.988" v="349" actId="12084"/>
+          <ac:picMkLst>
+            <pc:docMk/>
+            <pc:sldMk cId="2563024566" sldId="275"/>
+            <ac:picMk id="41" creationId="{0713EE16-7FF6-427D-5688-7218A4D40757}"/>
+          </ac:picMkLst>
+        </pc:picChg>
+        <pc:picChg chg="mod">
+          <ac:chgData name="Si Jun Lee" userId="1aa59fdf312da488" providerId="LiveId" clId="{B695F453-FC6B-4671-B98F-8232E7908B63}" dt="2025-08-30T01:35:49.952" v="285" actId="27614"/>
+          <ac:picMkLst>
+            <pc:docMk/>
+            <pc:sldMk cId="2563024566" sldId="275"/>
+            <ac:picMk id="43" creationId="{45EE197A-192B-A39D-2560-3B86DDD02A9C}"/>
+          </ac:picMkLst>
+        </pc:picChg>
+        <pc:picChg chg="add del mod">
+          <ac:chgData name="Si Jun Lee" userId="1aa59fdf312da488" providerId="LiveId" clId="{B695F453-FC6B-4671-B98F-8232E7908B63}" dt="2025-08-30T01:37:57.988" v="349" actId="12084"/>
+          <ac:picMkLst>
+            <pc:docMk/>
+            <pc:sldMk cId="2563024566" sldId="275"/>
+            <ac:picMk id="45" creationId="{6F70D4BF-BA6D-45A9-B9BA-5545680F1F13}"/>
+          </ac:picMkLst>
+        </pc:picChg>
+        <pc:picChg chg="add del mod">
+          <ac:chgData name="Si Jun Lee" userId="1aa59fdf312da488" providerId="LiveId" clId="{B695F453-FC6B-4671-B98F-8232E7908B63}" dt="2025-08-30T01:37:57.988" v="349" actId="12084"/>
+          <ac:picMkLst>
+            <pc:docMk/>
+            <pc:sldMk cId="2563024566" sldId="275"/>
+            <ac:picMk id="47" creationId="{4890414C-DB4A-9383-C4CD-0FC961E1A1D9}"/>
+          </ac:picMkLst>
+        </pc:picChg>
+        <pc:picChg chg="mod">
+          <ac:chgData name="Si Jun Lee" userId="1aa59fdf312da488" providerId="LiveId" clId="{B695F453-FC6B-4671-B98F-8232E7908B63}" dt="2025-08-30T01:35:49.961" v="289" actId="27614"/>
+          <ac:picMkLst>
+            <pc:docMk/>
+            <pc:sldMk cId="2563024566" sldId="275"/>
+            <ac:picMk id="49" creationId="{5D1968EA-5734-0676-7C71-95EE5F398530}"/>
+          </ac:picMkLst>
+        </pc:picChg>
+        <pc:picChg chg="mod">
+          <ac:chgData name="Si Jun Lee" userId="1aa59fdf312da488" providerId="LiveId" clId="{B695F453-FC6B-4671-B98F-8232E7908B63}" dt="2025-08-30T01:35:49.967" v="291" actId="27614"/>
+          <ac:picMkLst>
+            <pc:docMk/>
+            <pc:sldMk cId="2563024566" sldId="275"/>
+            <ac:picMk id="51" creationId="{93E52312-7D44-C572-F5BD-8DC437976B90}"/>
+          </ac:picMkLst>
+        </pc:picChg>
+        <pc:picChg chg="mod">
+          <ac:chgData name="Si Jun Lee" userId="1aa59fdf312da488" providerId="LiveId" clId="{B695F453-FC6B-4671-B98F-8232E7908B63}" dt="2025-08-30T01:35:49.972" v="293" actId="27614"/>
+          <ac:picMkLst>
+            <pc:docMk/>
+            <pc:sldMk cId="2563024566" sldId="275"/>
+            <ac:picMk id="53" creationId="{6E58838F-CC1C-166D-B722-5A4570A041DF}"/>
+          </ac:picMkLst>
+        </pc:picChg>
+        <pc:picChg chg="add del mod">
+          <ac:chgData name="Si Jun Lee" userId="1aa59fdf312da488" providerId="LiveId" clId="{B695F453-FC6B-4671-B98F-8232E7908B63}" dt="2025-08-30T01:37:57.988" v="349" actId="12084"/>
+          <ac:picMkLst>
+            <pc:docMk/>
+            <pc:sldMk cId="2563024566" sldId="275"/>
+            <ac:picMk id="55" creationId="{03004D23-EB06-A6C0-7457-1FAD7F84E57D}"/>
+          </ac:picMkLst>
+        </pc:picChg>
+        <pc:picChg chg="add mod">
+          <ac:chgData name="Si Jun Lee" userId="1aa59fdf312da488" providerId="LiveId" clId="{B695F453-FC6B-4671-B98F-8232E7908B63}" dt="2025-08-30T01:38:07.262" v="355"/>
+          <ac:picMkLst>
+            <pc:docMk/>
+            <pc:sldMk cId="2563024566" sldId="275"/>
+            <ac:picMk id="57" creationId="{E974F01F-3D89-498A-3138-4DCD717D132D}"/>
+          </ac:picMkLst>
+        </pc:picChg>
+        <pc:picChg chg="mod">
+          <ac:chgData name="Si Jun Lee" userId="1aa59fdf312da488" providerId="LiveId" clId="{B695F453-FC6B-4671-B98F-8232E7908B63}" dt="2025-08-30T01:35:49.986" v="299" actId="27614"/>
+          <ac:picMkLst>
+            <pc:docMk/>
+            <pc:sldMk cId="2563024566" sldId="275"/>
+            <ac:picMk id="59" creationId="{B87AEDAC-5375-7B23-CCA4-CC58F0D579F9}"/>
+          </ac:picMkLst>
+        </pc:picChg>
+        <pc:picChg chg="add mod">
+          <ac:chgData name="Si Jun Lee" userId="1aa59fdf312da488" providerId="LiveId" clId="{B695F453-FC6B-4671-B98F-8232E7908B63}" dt="2025-08-30T01:38:07.262" v="355"/>
+          <ac:picMkLst>
+            <pc:docMk/>
+            <pc:sldMk cId="2563024566" sldId="275"/>
+            <ac:picMk id="61" creationId="{00AA3F73-0945-EB47-12F8-0506AA47859E}"/>
+          </ac:picMkLst>
+        </pc:picChg>
+        <pc:picChg chg="mod">
+          <ac:chgData name="Si Jun Lee" userId="1aa59fdf312da488" providerId="LiveId" clId="{B695F453-FC6B-4671-B98F-8232E7908B63}" dt="2025-08-30T01:35:50.143" v="329" actId="27614"/>
+          <ac:picMkLst>
+            <pc:docMk/>
+            <pc:sldMk cId="2563024566" sldId="275"/>
+            <ac:picMk id="63" creationId="{B9DC8CA4-FB0E-CC41-DC13-972DB94E3066}"/>
+          </ac:picMkLst>
+        </pc:picChg>
+        <pc:picChg chg="add mod">
+          <ac:chgData name="Si Jun Lee" userId="1aa59fdf312da488" providerId="LiveId" clId="{B695F453-FC6B-4671-B98F-8232E7908B63}" dt="2025-08-30T01:38:07.262" v="355"/>
+          <ac:picMkLst>
+            <pc:docMk/>
+            <pc:sldMk cId="2563024566" sldId="275"/>
+            <ac:picMk id="65" creationId="{F3939BDB-E366-79C3-9664-DBD0DAC5E35F}"/>
+          </ac:picMkLst>
+        </pc:picChg>
+        <pc:picChg chg="mod">
+          <ac:chgData name="Si Jun Lee" userId="1aa59fdf312da488" providerId="LiveId" clId="{B695F453-FC6B-4671-B98F-8232E7908B63}" dt="2025-08-30T01:35:50.138" v="327" actId="27614"/>
+          <ac:picMkLst>
+            <pc:docMk/>
+            <pc:sldMk cId="2563024566" sldId="275"/>
+            <ac:picMk id="67" creationId="{E31794CE-F036-4E8B-4443-C60D14FFC0D3}"/>
+          </ac:picMkLst>
+        </pc:picChg>
+        <pc:picChg chg="add del mod">
+          <ac:chgData name="Si Jun Lee" userId="1aa59fdf312da488" providerId="LiveId" clId="{B695F453-FC6B-4671-B98F-8232E7908B63}" dt="2025-08-30T01:37:57.988" v="349" actId="12084"/>
+          <ac:picMkLst>
+            <pc:docMk/>
+            <pc:sldMk cId="2563024566" sldId="275"/>
+            <ac:picMk id="69" creationId="{4D3F4842-037A-B3E0-01E1-A3B4BBD9EDF1}"/>
+          </ac:picMkLst>
+        </pc:picChg>
+        <pc:picChg chg="add del mod">
+          <ac:chgData name="Si Jun Lee" userId="1aa59fdf312da488" providerId="LiveId" clId="{B695F453-FC6B-4671-B98F-8232E7908B63}" dt="2025-08-30T01:37:57.988" v="349" actId="12084"/>
+          <ac:picMkLst>
+            <pc:docMk/>
+            <pc:sldMk cId="2563024566" sldId="275"/>
+            <ac:picMk id="71" creationId="{1832D60A-BA8E-43DF-6A02-91C4EA2EB79E}"/>
+          </ac:picMkLst>
+        </pc:picChg>
+        <pc:picChg chg="mod">
+          <ac:chgData name="Si Jun Lee" userId="1aa59fdf312da488" providerId="LiveId" clId="{B695F453-FC6B-4671-B98F-8232E7908B63}" dt="2025-08-30T01:35:50.164" v="337" actId="27614"/>
+          <ac:picMkLst>
+            <pc:docMk/>
+            <pc:sldMk cId="2563024566" sldId="275"/>
+            <ac:picMk id="73" creationId="{DA46A094-4CF7-BC5D-164A-85BE5A54F367}"/>
+          </ac:picMkLst>
+        </pc:picChg>
+        <pc:picChg chg="mod">
+          <ac:chgData name="Si Jun Lee" userId="1aa59fdf312da488" providerId="LiveId" clId="{B695F453-FC6B-4671-B98F-8232E7908B63}" dt="2025-08-30T01:35:49.997" v="303" actId="27614"/>
+          <ac:picMkLst>
+            <pc:docMk/>
+            <pc:sldMk cId="2563024566" sldId="275"/>
+            <ac:picMk id="75" creationId="{ED60627C-5D6B-8220-033D-443621C71E3A}"/>
+          </ac:picMkLst>
+        </pc:picChg>
+        <pc:picChg chg="mod">
+          <ac:chgData name="Si Jun Lee" userId="1aa59fdf312da488" providerId="LiveId" clId="{B695F453-FC6B-4671-B98F-8232E7908B63}" dt="2025-08-30T01:35:50.148" v="331" actId="27614"/>
+          <ac:picMkLst>
+            <pc:docMk/>
+            <pc:sldMk cId="2563024566" sldId="275"/>
+            <ac:picMk id="77" creationId="{77D3EC00-A832-4E85-67E2-EB9340325FDF}"/>
+          </ac:picMkLst>
+        </pc:picChg>
+        <pc:picChg chg="mod">
+          <ac:chgData name="Si Jun Lee" userId="1aa59fdf312da488" providerId="LiveId" clId="{B695F453-FC6B-4671-B98F-8232E7908B63}" dt="2025-08-30T01:35:49.009" v="251" actId="27614"/>
+          <ac:picMkLst>
+            <pc:docMk/>
+            <pc:sldMk cId="2563024566" sldId="275"/>
+            <ac:picMk id="79" creationId="{BA44A42B-DC1F-5746-8899-15FD3ECF459F}"/>
+          </ac:picMkLst>
+        </pc:picChg>
+        <pc:picChg chg="mod">
+          <ac:chgData name="Si Jun Lee" userId="1aa59fdf312da488" providerId="LiveId" clId="{B695F453-FC6B-4671-B98F-8232E7908B63}" dt="2025-08-30T01:35:50.133" v="325" actId="27614"/>
+          <ac:picMkLst>
+            <pc:docMk/>
+            <pc:sldMk cId="2563024566" sldId="275"/>
+            <ac:picMk id="81" creationId="{56173DA3-A68F-158E-88FA-6CB0E808D364}"/>
+          </ac:picMkLst>
+        </pc:picChg>
+        <pc:picChg chg="mod">
+          <ac:chgData name="Si Jun Lee" userId="1aa59fdf312da488" providerId="LiveId" clId="{B695F453-FC6B-4671-B98F-8232E7908B63}" dt="2025-08-30T01:35:50.091" v="313" actId="27614"/>
+          <ac:picMkLst>
+            <pc:docMk/>
+            <pc:sldMk cId="2563024566" sldId="275"/>
+            <ac:picMk id="83" creationId="{6A46A943-3A3A-F272-3F49-7CEE2DF15ED2}"/>
+          </ac:picMkLst>
+        </pc:picChg>
+        <pc:picChg chg="mod">
+          <ac:chgData name="Si Jun Lee" userId="1aa59fdf312da488" providerId="LiveId" clId="{B695F453-FC6B-4671-B98F-8232E7908B63}" dt="2025-08-30T01:35:50.128" v="323" actId="27614"/>
+          <ac:picMkLst>
+            <pc:docMk/>
+            <pc:sldMk cId="2563024566" sldId="275"/>
+            <ac:picMk id="85" creationId="{B7FAEEF9-7A3E-71B6-9FF6-D6756C1A81F9}"/>
+          </ac:picMkLst>
+        </pc:picChg>
+        <pc:picChg chg="mod">
+          <ac:chgData name="Si Jun Lee" userId="1aa59fdf312da488" providerId="LiveId" clId="{B695F453-FC6B-4671-B98F-8232E7908B63}" dt="2025-08-30T01:35:50.122" v="321" actId="27614"/>
+          <ac:picMkLst>
+            <pc:docMk/>
+            <pc:sldMk cId="2563024566" sldId="275"/>
+            <ac:picMk id="87" creationId="{D705E783-C6EE-1828-CCBA-33C3DAC8D2A6}"/>
+          </ac:picMkLst>
+        </pc:picChg>
+        <pc:picChg chg="add del mod">
+          <ac:chgData name="Si Jun Lee" userId="1aa59fdf312da488" providerId="LiveId" clId="{B695F453-FC6B-4671-B98F-8232E7908B63}" dt="2025-08-30T01:37:57.988" v="349" actId="12084"/>
+          <ac:picMkLst>
+            <pc:docMk/>
+            <pc:sldMk cId="2563024566" sldId="275"/>
+            <ac:picMk id="89" creationId="{07A788F5-36F4-2004-8787-89DB428B6085}"/>
+          </ac:picMkLst>
+        </pc:picChg>
+        <pc:picChg chg="mod">
+          <ac:chgData name="Si Jun Lee" userId="1aa59fdf312da488" providerId="LiveId" clId="{B695F453-FC6B-4671-B98F-8232E7908B63}" dt="2025-08-30T01:35:50.204" v="347" actId="27614"/>
+          <ac:picMkLst>
+            <pc:docMk/>
+            <pc:sldMk cId="2563024566" sldId="275"/>
+            <ac:picMk id="91" creationId="{908A772F-6F08-52B0-2D3B-24A0E896C1D2}"/>
+          </ac:picMkLst>
+        </pc:picChg>
+        <pc:picChg chg="mod">
+          <ac:chgData name="Si Jun Lee" userId="1aa59fdf312da488" providerId="LiveId" clId="{B695F453-FC6B-4671-B98F-8232E7908B63}" dt="2025-08-30T01:35:50.199" v="345" actId="27614"/>
+          <ac:picMkLst>
+            <pc:docMk/>
+            <pc:sldMk cId="2563024566" sldId="275"/>
+            <ac:picMk id="93" creationId="{AF586A99-EB98-F127-5ABC-FB20E4A9242D}"/>
+          </ac:picMkLst>
+        </pc:picChg>
+        <pc:picChg chg="add mod">
+          <ac:chgData name="Si Jun Lee" userId="1aa59fdf312da488" providerId="LiveId" clId="{B695F453-FC6B-4671-B98F-8232E7908B63}" dt="2025-08-30T01:38:07.262" v="355"/>
+          <ac:picMkLst>
+            <pc:docMk/>
+            <pc:sldMk cId="2563024566" sldId="275"/>
+            <ac:picMk id="95" creationId="{B022C418-9782-8F96-3270-A5D0D921142B}"/>
+          </ac:picMkLst>
+        </pc:picChg>
+        <pc:picChg chg="add mod">
+          <ac:chgData name="Si Jun Lee" userId="1aa59fdf312da488" providerId="LiveId" clId="{B695F453-FC6B-4671-B98F-8232E7908B63}" dt="2025-08-30T01:38:07.262" v="355"/>
+          <ac:picMkLst>
+            <pc:docMk/>
+            <pc:sldMk cId="2563024566" sldId="275"/>
+            <ac:picMk id="97" creationId="{B03D6BE6-9ADB-A0AA-55C9-D85DD8A378B8}"/>
+          </ac:picMkLst>
+        </pc:picChg>
+        <pc:picChg chg="mod">
+          <ac:chgData name="Si Jun Lee" userId="1aa59fdf312da488" providerId="LiveId" clId="{B695F453-FC6B-4671-B98F-8232E7908B63}" dt="2025-08-30T01:35:50.159" v="335" actId="27614"/>
+          <ac:picMkLst>
+            <pc:docMk/>
+            <pc:sldMk cId="2563024566" sldId="275"/>
+            <ac:picMk id="99" creationId="{65C66B06-0418-4E2A-E9A2-8C63777EEF9F}"/>
+          </ac:picMkLst>
+        </pc:picChg>
+        <pc:picChg chg="add del mod">
+          <ac:chgData name="Si Jun Lee" userId="1aa59fdf312da488" providerId="LiveId" clId="{B695F453-FC6B-4671-B98F-8232E7908B63}" dt="2025-08-30T01:37:57.988" v="349" actId="12084"/>
+          <ac:picMkLst>
+            <pc:docMk/>
+            <pc:sldMk cId="2563024566" sldId="275"/>
+            <ac:picMk id="101" creationId="{DD821CBA-13FA-1C5A-9936-273A6B993BC6}"/>
+          </ac:picMkLst>
+        </pc:picChg>
+        <pc:picChg chg="mod">
+          <ac:chgData name="Si Jun Lee" userId="1aa59fdf312da488" providerId="LiveId" clId="{B695F453-FC6B-4671-B98F-8232E7908B63}" dt="2025-08-30T01:38:20.648" v="360" actId="27614"/>
+          <ac:picMkLst>
+            <pc:docMk/>
+            <pc:sldMk cId="2563024566" sldId="275"/>
+            <ac:picMk id="104" creationId="{3C2D33A5-4942-8D57-A204-9F24AAEBD351}"/>
+          </ac:picMkLst>
+        </pc:picChg>
+        <pc:picChg chg="mod">
+          <ac:chgData name="Si Jun Lee" userId="1aa59fdf312da488" providerId="LiveId" clId="{B695F453-FC6B-4671-B98F-8232E7908B63}" dt="2025-08-30T01:38:20.791" v="370" actId="27614"/>
+          <ac:picMkLst>
+            <pc:docMk/>
+            <pc:sldMk cId="2563024566" sldId="275"/>
+            <ac:picMk id="106" creationId="{E201A80D-12FE-16BB-FF09-3F973FA5A162}"/>
+          </ac:picMkLst>
+        </pc:picChg>
+        <pc:picChg chg="mod">
+          <ac:chgData name="Si Jun Lee" userId="1aa59fdf312da488" providerId="LiveId" clId="{B695F453-FC6B-4671-B98F-8232E7908B63}" dt="2025-08-30T01:38:20.806" v="372" actId="27614"/>
+          <ac:picMkLst>
+            <pc:docMk/>
+            <pc:sldMk cId="2563024566" sldId="275"/>
+            <ac:picMk id="108" creationId="{69C300B5-4B24-495D-5A11-FDFED5DC6378}"/>
+          </ac:picMkLst>
+        </pc:picChg>
+        <pc:picChg chg="mod">
+          <ac:chgData name="Si Jun Lee" userId="1aa59fdf312da488" providerId="LiveId" clId="{B695F453-FC6B-4671-B98F-8232E7908B63}" dt="2025-08-30T01:38:20.695" v="364" actId="27614"/>
+          <ac:picMkLst>
+            <pc:docMk/>
+            <pc:sldMk cId="2563024566" sldId="275"/>
+            <ac:picMk id="110" creationId="{D944930C-1238-9E03-BCE0-B35F0B19E942}"/>
+          </ac:picMkLst>
+        </pc:picChg>
+        <pc:picChg chg="mod">
+          <ac:chgData name="Si Jun Lee" userId="1aa59fdf312da488" providerId="LiveId" clId="{B695F453-FC6B-4671-B98F-8232E7908B63}" dt="2025-08-30T01:38:20.806" v="374" actId="27614"/>
+          <ac:picMkLst>
+            <pc:docMk/>
+            <pc:sldMk cId="2563024566" sldId="275"/>
+            <ac:picMk id="112" creationId="{D844AEB2-EEAA-B9F6-B456-CBD4C18C2EC9}"/>
+          </ac:picMkLst>
+        </pc:picChg>
+        <pc:picChg chg="mod">
+          <ac:chgData name="Si Jun Lee" userId="1aa59fdf312da488" providerId="LiveId" clId="{B695F453-FC6B-4671-B98F-8232E7908B63}" dt="2025-08-30T01:38:20.806" v="376" actId="27614"/>
+          <ac:picMkLst>
+            <pc:docMk/>
+            <pc:sldMk cId="2563024566" sldId="275"/>
+            <ac:picMk id="114" creationId="{EF171FBC-53B1-DEAF-5D48-C36C21277CBF}"/>
+          </ac:picMkLst>
+        </pc:picChg>
+        <pc:picChg chg="add del mod">
+          <ac:chgData name="Si Jun Lee" userId="1aa59fdf312da488" providerId="LiveId" clId="{B695F453-FC6B-4671-B98F-8232E7908B63}" dt="2025-08-30T01:40:11.448" v="464"/>
+          <ac:picMkLst>
+            <pc:docMk/>
+            <pc:sldMk cId="2563024566" sldId="275"/>
+            <ac:picMk id="116" creationId="{CF4EAB2F-6B06-4122-9C8B-39DF3962EEDE}"/>
+          </ac:picMkLst>
+        </pc:picChg>
+        <pc:picChg chg="mod">
+          <ac:chgData name="Si Jun Lee" userId="1aa59fdf312da488" providerId="LiveId" clId="{B695F453-FC6B-4671-B98F-8232E7908B63}" dt="2025-08-30T01:38:20.474" v="358" actId="27614"/>
+          <ac:picMkLst>
+            <pc:docMk/>
+            <pc:sldMk cId="2563024566" sldId="275"/>
+            <ac:picMk id="118" creationId="{A56473B4-1726-7537-1725-55CA5BAF028F}"/>
+          </ac:picMkLst>
+        </pc:picChg>
+        <pc:picChg chg="mod">
+          <ac:chgData name="Si Jun Lee" userId="1aa59fdf312da488" providerId="LiveId" clId="{B695F453-FC6B-4671-B98F-8232E7908B63}" dt="2025-08-30T01:38:20.791" v="368" actId="27614"/>
+          <ac:picMkLst>
+            <pc:docMk/>
+            <pc:sldMk cId="2563024566" sldId="275"/>
+            <ac:picMk id="120" creationId="{77092E68-93E9-0B1D-1087-AB432BBB5C36}"/>
+          </ac:picMkLst>
+        </pc:picChg>
+        <pc:picChg chg="add del mod">
+          <ac:chgData name="Si Jun Lee" userId="1aa59fdf312da488" providerId="LiveId" clId="{B695F453-FC6B-4671-B98F-8232E7908B63}" dt="2025-08-30T01:40:11.448" v="464"/>
+          <ac:picMkLst>
+            <pc:docMk/>
+            <pc:sldMk cId="2563024566" sldId="275"/>
+            <ac:picMk id="122" creationId="{A7C09754-65D0-DC45-D787-A500873FCF47}"/>
+          </ac:picMkLst>
+        </pc:picChg>
+        <pc:picChg chg="mod">
+          <ac:chgData name="Si Jun Lee" userId="1aa59fdf312da488" providerId="LiveId" clId="{B695F453-FC6B-4671-B98F-8232E7908B63}" dt="2025-08-30T01:38:20.917" v="420" actId="27614"/>
+          <ac:picMkLst>
+            <pc:docMk/>
+            <pc:sldMk cId="2563024566" sldId="275"/>
+            <ac:picMk id="124" creationId="{CAC52140-4B6E-FCB8-E9A2-EB90BB7F5BB9}"/>
+          </ac:picMkLst>
+        </pc:picChg>
+        <pc:picChg chg="mod">
+          <ac:chgData name="Si Jun Lee" userId="1aa59fdf312da488" providerId="LiveId" clId="{B695F453-FC6B-4671-B98F-8232E7908B63}" dt="2025-08-30T01:38:20.822" v="382" actId="27614"/>
+          <ac:picMkLst>
+            <pc:docMk/>
+            <pc:sldMk cId="2563024566" sldId="275"/>
+            <ac:picMk id="126" creationId="{BFB22382-244E-DD44-F790-FFA0143D67B0}"/>
+          </ac:picMkLst>
+        </pc:picChg>
+        <pc:picChg chg="add del mod">
+          <ac:chgData name="Si Jun Lee" userId="1aa59fdf312da488" providerId="LiveId" clId="{B695F453-FC6B-4671-B98F-8232E7908B63}" dt="2025-08-30T01:40:11.448" v="464"/>
+          <ac:picMkLst>
+            <pc:docMk/>
+            <pc:sldMk cId="2563024566" sldId="275"/>
+            <ac:picMk id="128" creationId="{C909FABD-AE36-1B62-43BA-D1C34BACC86F}"/>
+          </ac:picMkLst>
+        </pc:picChg>
+        <pc:picChg chg="mod">
+          <ac:chgData name="Si Jun Lee" userId="1aa59fdf312da488" providerId="LiveId" clId="{B695F453-FC6B-4671-B98F-8232E7908B63}" dt="2025-08-30T01:38:20.695" v="366" actId="27614"/>
+          <ac:picMkLst>
+            <pc:docMk/>
+            <pc:sldMk cId="2563024566" sldId="275"/>
+            <ac:picMk id="130" creationId="{CE85B087-C946-665F-A7E1-7D5B02926F57}"/>
+          </ac:picMkLst>
+        </pc:picChg>
+        <pc:picChg chg="mod">
+          <ac:chgData name="Si Jun Lee" userId="1aa59fdf312da488" providerId="LiveId" clId="{B695F453-FC6B-4671-B98F-8232E7908B63}" dt="2025-08-30T01:38:20.838" v="386" actId="27614"/>
+          <ac:picMkLst>
+            <pc:docMk/>
+            <pc:sldMk cId="2563024566" sldId="275"/>
+            <ac:picMk id="132" creationId="{13A6B365-BAA0-4108-B476-CD20C94BBBEA}"/>
+          </ac:picMkLst>
+        </pc:picChg>
+        <pc:picChg chg="mod">
+          <ac:chgData name="Si Jun Lee" userId="1aa59fdf312da488" providerId="LiveId" clId="{B695F453-FC6B-4671-B98F-8232E7908B63}" dt="2025-08-30T01:38:20.838" v="388" actId="27614"/>
+          <ac:picMkLst>
+            <pc:docMk/>
+            <pc:sldMk cId="2563024566" sldId="275"/>
+            <ac:picMk id="134" creationId="{3DA1EB5B-21DB-B21A-85B4-F6DEDEE8912F}"/>
+          </ac:picMkLst>
+        </pc:picChg>
+        <pc:picChg chg="mod">
+          <ac:chgData name="Si Jun Lee" userId="1aa59fdf312da488" providerId="LiveId" clId="{B695F453-FC6B-4671-B98F-8232E7908B63}" dt="2025-08-30T01:38:20.838" v="390" actId="27614"/>
+          <ac:picMkLst>
+            <pc:docMk/>
+            <pc:sldMk cId="2563024566" sldId="275"/>
+            <ac:picMk id="136" creationId="{F4A3DB33-FA7F-F804-22BD-5A823CBA1186}"/>
+          </ac:picMkLst>
+        </pc:picChg>
+        <pc:picChg chg="mod">
+          <ac:chgData name="Si Jun Lee" userId="1aa59fdf312da488" providerId="LiveId" clId="{B695F453-FC6B-4671-B98F-8232E7908B63}" dt="2025-08-30T01:38:20.838" v="392" actId="27614"/>
+          <ac:picMkLst>
+            <pc:docMk/>
+            <pc:sldMk cId="2563024566" sldId="275"/>
+            <ac:picMk id="138" creationId="{8EAD701F-7230-602F-4DF3-02E0B52BE09C}"/>
+          </ac:picMkLst>
+        </pc:picChg>
+        <pc:picChg chg="add del mod">
+          <ac:chgData name="Si Jun Lee" userId="1aa59fdf312da488" providerId="LiveId" clId="{B695F453-FC6B-4671-B98F-8232E7908B63}" dt="2025-08-30T01:40:11.448" v="464"/>
+          <ac:picMkLst>
+            <pc:docMk/>
+            <pc:sldMk cId="2563024566" sldId="275"/>
+            <ac:picMk id="140" creationId="{82A9D858-74D7-81EB-343D-9AA3E6E2B558}"/>
+          </ac:picMkLst>
+        </pc:picChg>
+        <pc:picChg chg="mod">
+          <ac:chgData name="Si Jun Lee" userId="1aa59fdf312da488" providerId="LiveId" clId="{B695F453-FC6B-4671-B98F-8232E7908B63}" dt="2025-08-30T01:38:20.854" v="396" actId="27614"/>
+          <ac:picMkLst>
+            <pc:docMk/>
+            <pc:sldMk cId="2563024566" sldId="275"/>
+            <ac:picMk id="142" creationId="{20E0BDA2-7D31-AD8A-3C82-A9C26A66BA50}"/>
+          </ac:picMkLst>
+        </pc:picChg>
+        <pc:picChg chg="mod">
+          <ac:chgData name="Si Jun Lee" userId="1aa59fdf312da488" providerId="LiveId" clId="{B695F453-FC6B-4671-B98F-8232E7908B63}" dt="2025-08-30T01:38:20.854" v="398" actId="27614"/>
+          <ac:picMkLst>
+            <pc:docMk/>
+            <pc:sldMk cId="2563024566" sldId="275"/>
+            <ac:picMk id="144" creationId="{E3B294C4-59BC-E068-1399-3025E7397603}"/>
+          </ac:picMkLst>
+        </pc:picChg>
+        <pc:picChg chg="mod">
+          <ac:chgData name="Si Jun Lee" userId="1aa59fdf312da488" providerId="LiveId" clId="{B695F453-FC6B-4671-B98F-8232E7908B63}" dt="2025-08-30T01:38:20.870" v="400" actId="27614"/>
+          <ac:picMkLst>
+            <pc:docMk/>
+            <pc:sldMk cId="2563024566" sldId="275"/>
+            <ac:picMk id="146" creationId="{7083E229-E70D-E3DD-6D67-CE5CC9B3FAC2}"/>
+          </ac:picMkLst>
+        </pc:picChg>
+        <pc:picChg chg="mod">
+          <ac:chgData name="Si Jun Lee" userId="1aa59fdf312da488" providerId="LiveId" clId="{B695F453-FC6B-4671-B98F-8232E7908B63}" dt="2025-08-30T01:38:20.870" v="402" actId="27614"/>
+          <ac:picMkLst>
+            <pc:docMk/>
+            <pc:sldMk cId="2563024566" sldId="275"/>
+            <ac:picMk id="148" creationId="{D4545530-FDBA-AB00-F445-4C1BD352D2D1}"/>
+          </ac:picMkLst>
+        </pc:picChg>
+        <pc:picChg chg="mod">
+          <ac:chgData name="Si Jun Lee" userId="1aa59fdf312da488" providerId="LiveId" clId="{B695F453-FC6B-4671-B98F-8232E7908B63}" dt="2025-08-30T01:38:20.870" v="404" actId="27614"/>
+          <ac:picMkLst>
+            <pc:docMk/>
+            <pc:sldMk cId="2563024566" sldId="275"/>
+            <ac:picMk id="150" creationId="{D552C1E2-9AC4-5F83-0D12-F6D0D8F19133}"/>
+          </ac:picMkLst>
+        </pc:picChg>
+        <pc:picChg chg="mod">
+          <ac:chgData name="Si Jun Lee" userId="1aa59fdf312da488" providerId="LiveId" clId="{B695F453-FC6B-4671-B98F-8232E7908B63}" dt="2025-08-30T01:38:20.870" v="406" actId="27614"/>
+          <ac:picMkLst>
+            <pc:docMk/>
+            <pc:sldMk cId="2563024566" sldId="275"/>
+            <ac:picMk id="152" creationId="{C8651EA5-E2FD-C6F0-4750-C65864B9B941}"/>
+          </ac:picMkLst>
+        </pc:picChg>
+        <pc:picChg chg="mod">
+          <ac:chgData name="Si Jun Lee" userId="1aa59fdf312da488" providerId="LiveId" clId="{B695F453-FC6B-4671-B98F-8232E7908B63}" dt="2025-08-30T01:38:20.886" v="408" actId="27614"/>
+          <ac:picMkLst>
+            <pc:docMk/>
+            <pc:sldMk cId="2563024566" sldId="275"/>
+            <ac:picMk id="154" creationId="{477E01D1-F7B7-4746-6525-F24FA4D71DA4}"/>
+          </ac:picMkLst>
+        </pc:picChg>
+        <pc:picChg chg="mod">
+          <ac:chgData name="Si Jun Lee" userId="1aa59fdf312da488" providerId="LiveId" clId="{B695F453-FC6B-4671-B98F-8232E7908B63}" dt="2025-08-30T01:38:20.886" v="410" actId="27614"/>
+          <ac:picMkLst>
+            <pc:docMk/>
+            <pc:sldMk cId="2563024566" sldId="275"/>
+            <ac:picMk id="156" creationId="{10186B9E-9242-982E-85FE-C4C6FAAA2141}"/>
+          </ac:picMkLst>
+        </pc:picChg>
+        <pc:picChg chg="mod">
+          <ac:chgData name="Si Jun Lee" userId="1aa59fdf312da488" providerId="LiveId" clId="{B695F453-FC6B-4671-B98F-8232E7908B63}" dt="2025-08-30T01:38:20.886" v="412" actId="27614"/>
+          <ac:picMkLst>
+            <pc:docMk/>
+            <pc:sldMk cId="2563024566" sldId="275"/>
+            <ac:picMk id="158" creationId="{A07FDF40-FA42-6CFF-1E4B-DB9DD28F8E77}"/>
+          </ac:picMkLst>
+        </pc:picChg>
+        <pc:picChg chg="add del mod">
+          <ac:chgData name="Si Jun Lee" userId="1aa59fdf312da488" providerId="LiveId" clId="{B695F453-FC6B-4671-B98F-8232E7908B63}" dt="2025-08-30T01:40:11.448" v="464"/>
+          <ac:picMkLst>
+            <pc:docMk/>
+            <pc:sldMk cId="2563024566" sldId="275"/>
+            <ac:picMk id="160" creationId="{15413D90-4E6E-01EC-A001-E33AE3AAD251}"/>
+          </ac:picMkLst>
+        </pc:picChg>
+        <pc:picChg chg="mod">
+          <ac:chgData name="Si Jun Lee" userId="1aa59fdf312da488" providerId="LiveId" clId="{B695F453-FC6B-4671-B98F-8232E7908B63}" dt="2025-08-30T01:38:20.902" v="416" actId="27614"/>
+          <ac:picMkLst>
+            <pc:docMk/>
+            <pc:sldMk cId="2563024566" sldId="275"/>
+            <ac:picMk id="162" creationId="{0FA48742-0650-85DD-54A4-C40813FE43C1}"/>
+          </ac:picMkLst>
+        </pc:picChg>
+        <pc:picChg chg="mod">
+          <ac:chgData name="Si Jun Lee" userId="1aa59fdf312da488" providerId="LiveId" clId="{B695F453-FC6B-4671-B98F-8232E7908B63}" dt="2025-08-30T01:38:20.902" v="418" actId="27614"/>
+          <ac:picMkLst>
+            <pc:docMk/>
+            <pc:sldMk cId="2563024566" sldId="275"/>
+            <ac:picMk id="164" creationId="{F6D8F2D2-2012-04D4-8BA9-8F0CC12FC76D}"/>
+          </ac:picMkLst>
+        </pc:picChg>
+        <pc:picChg chg="mod">
+          <ac:chgData name="Si Jun Lee" userId="1aa59fdf312da488" providerId="LiveId" clId="{B695F453-FC6B-4671-B98F-8232E7908B63}" dt="2025-08-30T01:38:20.981" v="422" actId="27614"/>
+          <ac:picMkLst>
+            <pc:docMk/>
+            <pc:sldMk cId="2563024566" sldId="275"/>
+            <ac:picMk id="166" creationId="{EFA7DA01-F488-28FD-02B4-96878459B0C5}"/>
+          </ac:picMkLst>
+        </pc:picChg>
+        <pc:picChg chg="mod">
+          <ac:chgData name="Si Jun Lee" userId="1aa59fdf312da488" providerId="LiveId" clId="{B695F453-FC6B-4671-B98F-8232E7908B63}" dt="2025-08-30T01:38:21.109" v="436" actId="27614"/>
+          <ac:picMkLst>
+            <pc:docMk/>
+            <pc:sldMk cId="2563024566" sldId="275"/>
+            <ac:picMk id="168" creationId="{DFF75C22-45D9-4274-B961-BF4781D7122A}"/>
+          </ac:picMkLst>
+        </pc:picChg>
+        <pc:picChg chg="mod">
+          <ac:chgData name="Si Jun Lee" userId="1aa59fdf312da488" providerId="LiveId" clId="{B695F453-FC6B-4671-B98F-8232E7908B63}" dt="2025-08-30T01:38:20.981" v="426" actId="27614"/>
+          <ac:picMkLst>
+            <pc:docMk/>
+            <pc:sldMk cId="2563024566" sldId="275"/>
+            <ac:picMk id="170" creationId="{582E3EB9-B4EF-6AFF-9C65-1748638C5629}"/>
+          </ac:picMkLst>
+        </pc:picChg>
+        <pc:picChg chg="add del mod">
+          <ac:chgData name="Si Jun Lee" userId="1aa59fdf312da488" providerId="LiveId" clId="{B695F453-FC6B-4671-B98F-8232E7908B63}" dt="2025-08-30T01:40:11.448" v="464"/>
+          <ac:picMkLst>
+            <pc:docMk/>
+            <pc:sldMk cId="2563024566" sldId="275"/>
+            <ac:picMk id="172" creationId="{DD9C453F-4A85-389F-C907-36F745247D73}"/>
+          </ac:picMkLst>
+        </pc:picChg>
+        <pc:picChg chg="mod">
+          <ac:chgData name="Si Jun Lee" userId="1aa59fdf312da488" providerId="LiveId" clId="{B695F453-FC6B-4671-B98F-8232E7908B63}" dt="2025-08-30T01:38:21.093" v="432" actId="27614"/>
+          <ac:picMkLst>
+            <pc:docMk/>
+            <pc:sldMk cId="2563024566" sldId="275"/>
+            <ac:picMk id="174" creationId="{86E0D5AB-FC15-A35D-D617-10FA62683419}"/>
+          </ac:picMkLst>
+        </pc:picChg>
+        <pc:picChg chg="mod">
+          <ac:chgData name="Si Jun Lee" userId="1aa59fdf312da488" providerId="LiveId" clId="{B695F453-FC6B-4671-B98F-8232E7908B63}" dt="2025-08-30T01:38:20.997" v="428" actId="27614"/>
+          <ac:picMkLst>
+            <pc:docMk/>
+            <pc:sldMk cId="2563024566" sldId="275"/>
+            <ac:picMk id="176" creationId="{F36F9815-7552-CE4A-D405-E601921D6A5D}"/>
+          </ac:picMkLst>
+        </pc:picChg>
+        <pc:picChg chg="mod">
+          <ac:chgData name="Si Jun Lee" userId="1aa59fdf312da488" providerId="LiveId" clId="{B695F453-FC6B-4671-B98F-8232E7908B63}" dt="2025-08-30T01:38:21.125" v="444" actId="27614"/>
+          <ac:picMkLst>
+            <pc:docMk/>
+            <pc:sldMk cId="2563024566" sldId="275"/>
+            <ac:picMk id="178" creationId="{B5289AFA-5126-4905-A23F-83788DAF5623}"/>
+          </ac:picMkLst>
+        </pc:picChg>
+        <pc:picChg chg="mod">
+          <ac:chgData name="Si Jun Lee" userId="1aa59fdf312da488" providerId="LiveId" clId="{B695F453-FC6B-4671-B98F-8232E7908B63}" dt="2025-08-30T01:38:21.125" v="442" actId="27614"/>
+          <ac:picMkLst>
+            <pc:docMk/>
+            <pc:sldMk cId="2563024566" sldId="275"/>
+            <ac:picMk id="180" creationId="{D40641BC-506F-C4E9-1269-D31AB8C9F37C}"/>
+          </ac:picMkLst>
+        </pc:picChg>
+        <pc:picChg chg="mod">
+          <ac:chgData name="Si Jun Lee" userId="1aa59fdf312da488" providerId="LiveId" clId="{B695F453-FC6B-4671-B98F-8232E7908B63}" dt="2025-08-30T01:38:20.648" v="362" actId="27614"/>
+          <ac:picMkLst>
+            <pc:docMk/>
+            <pc:sldMk cId="2563024566" sldId="275"/>
+            <ac:picMk id="182" creationId="{646E83C5-2604-CE46-0270-4C45CA9F161A}"/>
+          </ac:picMkLst>
+        </pc:picChg>
+        <pc:picChg chg="mod">
+          <ac:chgData name="Si Jun Lee" userId="1aa59fdf312da488" providerId="LiveId" clId="{B695F453-FC6B-4671-B98F-8232E7908B63}" dt="2025-08-30T01:38:21.093" v="434" actId="27614"/>
+          <ac:picMkLst>
+            <pc:docMk/>
+            <pc:sldMk cId="2563024566" sldId="275"/>
+            <ac:picMk id="184" creationId="{B9651508-4937-AE32-13F6-D6F4DD31E8BA}"/>
+          </ac:picMkLst>
+        </pc:picChg>
+        <pc:picChg chg="add del mod">
+          <ac:chgData name="Si Jun Lee" userId="1aa59fdf312da488" providerId="LiveId" clId="{B695F453-FC6B-4671-B98F-8232E7908B63}" dt="2025-08-30T01:40:11.448" v="464"/>
+          <ac:picMkLst>
+            <pc:docMk/>
+            <pc:sldMk cId="2563024566" sldId="275"/>
+            <ac:picMk id="186" creationId="{36F03C80-7DC7-BACD-E30B-E4E978D28CF6}"/>
+          </ac:picMkLst>
+        </pc:picChg>
+        <pc:picChg chg="mod">
+          <ac:chgData name="Si Jun Lee" userId="1aa59fdf312da488" providerId="LiveId" clId="{B695F453-FC6B-4671-B98F-8232E7908B63}" dt="2025-08-30T01:38:21.188" v="448" actId="27614"/>
+          <ac:picMkLst>
+            <pc:docMk/>
+            <pc:sldMk cId="2563024566" sldId="275"/>
+            <ac:picMk id="188" creationId="{069CCBBC-5EC2-1F2B-A02E-FA83535DE687}"/>
+          </ac:picMkLst>
+        </pc:picChg>
+        <pc:picChg chg="add del mod">
+          <ac:chgData name="Si Jun Lee" userId="1aa59fdf312da488" providerId="LiveId" clId="{B695F453-FC6B-4671-B98F-8232E7908B63}" dt="2025-08-30T01:40:11.448" v="464"/>
+          <ac:picMkLst>
+            <pc:docMk/>
+            <pc:sldMk cId="2563024566" sldId="275"/>
+            <ac:picMk id="190" creationId="{D2046060-6C81-00AB-7994-59D7674A79B1}"/>
+          </ac:picMkLst>
+        </pc:picChg>
+        <pc:picChg chg="add del mod">
+          <ac:chgData name="Si Jun Lee" userId="1aa59fdf312da488" providerId="LiveId" clId="{B695F453-FC6B-4671-B98F-8232E7908B63}" dt="2025-08-30T01:40:11.448" v="464"/>
+          <ac:picMkLst>
+            <pc:docMk/>
+            <pc:sldMk cId="2563024566" sldId="275"/>
+            <ac:picMk id="192" creationId="{DAD74E51-B708-7C34-7BAA-1F37A0C2DEAF}"/>
+          </ac:picMkLst>
+        </pc:picChg>
+        <pc:picChg chg="add del mod">
+          <ac:chgData name="Si Jun Lee" userId="1aa59fdf312da488" providerId="LiveId" clId="{B695F453-FC6B-4671-B98F-8232E7908B63}" dt="2025-08-30T01:40:11.448" v="464"/>
+          <ac:picMkLst>
+            <pc:docMk/>
+            <pc:sldMk cId="2563024566" sldId="275"/>
+            <ac:picMk id="194" creationId="{271A273C-8D85-4D08-7594-B145EDF0904B}"/>
+          </ac:picMkLst>
+        </pc:picChg>
+        <pc:picChg chg="mod">
+          <ac:chgData name="Si Jun Lee" userId="1aa59fdf312da488" providerId="LiveId" clId="{B695F453-FC6B-4671-B98F-8232E7908B63}" dt="2025-08-30T01:38:21.203" v="452" actId="27614"/>
+          <ac:picMkLst>
+            <pc:docMk/>
+            <pc:sldMk cId="2563024566" sldId="275"/>
+            <ac:picMk id="196" creationId="{3C28FFD9-5F70-958F-9658-B79A1F202AC6}"/>
+          </ac:picMkLst>
+        </pc:picChg>
+        <pc:picChg chg="mod">
+          <ac:chgData name="Si Jun Lee" userId="1aa59fdf312da488" providerId="LiveId" clId="{B695F453-FC6B-4671-B98F-8232E7908B63}" dt="2025-08-30T01:38:21.125" v="446" actId="27614"/>
+          <ac:picMkLst>
+            <pc:docMk/>
+            <pc:sldMk cId="2563024566" sldId="275"/>
+            <ac:picMk id="198" creationId="{C916BECC-9C49-3966-3348-A3D1F1FDFBC3}"/>
+          </ac:picMkLst>
+        </pc:picChg>
+        <pc:picChg chg="mod">
+          <ac:chgData name="Si Jun Lee" userId="1aa59fdf312da488" providerId="LiveId" clId="{B695F453-FC6B-4671-B98F-8232E7908B63}" dt="2025-08-30T01:38:21.235" v="454" actId="27614"/>
+          <ac:picMkLst>
+            <pc:docMk/>
+            <pc:sldMk cId="2563024566" sldId="275"/>
+            <ac:picMk id="200" creationId="{A74A1350-C5CE-EEF2-0E76-86FE586A610B}"/>
+          </ac:picMkLst>
+        </pc:picChg>
+        <pc:picChg chg="mod">
+          <ac:chgData name="Si Jun Lee" userId="1aa59fdf312da488" providerId="LiveId" clId="{B695F453-FC6B-4671-B98F-8232E7908B63}" dt="2025-08-30T01:47:30.786" v="466" actId="27614"/>
+          <ac:picMkLst>
+            <pc:docMk/>
+            <pc:sldMk cId="2563024566" sldId="275"/>
+            <ac:picMk id="203" creationId="{48E99AAD-7AD8-3040-DA97-6656DB99F33C}"/>
+          </ac:picMkLst>
+        </pc:picChg>
+        <pc:picChg chg="add del mod">
+          <ac:chgData name="Si Jun Lee" userId="1aa59fdf312da488" providerId="LiveId" clId="{B695F453-FC6B-4671-B98F-8232E7908B63}" dt="2025-08-30T02:02:53.635" v="564" actId="478"/>
+          <ac:picMkLst>
+            <pc:docMk/>
+            <pc:sldMk cId="2563024566" sldId="275"/>
+            <ac:picMk id="205" creationId="{E6A68982-85B4-E09D-D8EA-D1919CD149C3}"/>
+          </ac:picMkLst>
+        </pc:picChg>
+        <pc:picChg chg="mod">
+          <ac:chgData name="Si Jun Lee" userId="1aa59fdf312da488" providerId="LiveId" clId="{B695F453-FC6B-4671-B98F-8232E7908B63}" dt="2025-08-30T01:47:31.096" v="480" actId="27614"/>
+          <ac:picMkLst>
+            <pc:docMk/>
+            <pc:sldMk cId="2563024566" sldId="275"/>
+            <ac:picMk id="207" creationId="{491AAA75-6796-FE2D-BD3F-E93338E1B94B}"/>
+          </ac:picMkLst>
+        </pc:picChg>
+        <pc:picChg chg="mod">
+          <ac:chgData name="Si Jun Lee" userId="1aa59fdf312da488" providerId="LiveId" clId="{B695F453-FC6B-4671-B98F-8232E7908B63}" dt="2025-08-30T01:47:31.102" v="482" actId="27614"/>
+          <ac:picMkLst>
+            <pc:docMk/>
+            <pc:sldMk cId="2563024566" sldId="275"/>
+            <ac:picMk id="209" creationId="{DA4BD17C-4E23-C81B-E0C8-459E26ED9746}"/>
+          </ac:picMkLst>
+        </pc:picChg>
+        <pc:picChg chg="mod">
+          <ac:chgData name="Si Jun Lee" userId="1aa59fdf312da488" providerId="LiveId" clId="{B695F453-FC6B-4671-B98F-8232E7908B63}" dt="2025-08-30T01:47:30.982" v="472" actId="27614"/>
+          <ac:picMkLst>
+            <pc:docMk/>
+            <pc:sldMk cId="2563024566" sldId="275"/>
+            <ac:picMk id="211" creationId="{4204B10C-C2A4-54FB-BE5D-93E6327B2D20}"/>
+          </ac:picMkLst>
+        </pc:picChg>
+        <pc:picChg chg="mod">
+          <ac:chgData name="Si Jun Lee" userId="1aa59fdf312da488" providerId="LiveId" clId="{B695F453-FC6B-4671-B98F-8232E7908B63}" dt="2025-08-30T01:47:31.108" v="484" actId="27614"/>
+          <ac:picMkLst>
+            <pc:docMk/>
+            <pc:sldMk cId="2563024566" sldId="275"/>
+            <ac:picMk id="213" creationId="{F8598F81-5BA8-6E24-9DDB-D9C54ACC1BCF}"/>
+          </ac:picMkLst>
+        </pc:picChg>
+        <pc:picChg chg="mod">
+          <ac:chgData name="Si Jun Lee" userId="1aa59fdf312da488" providerId="LiveId" clId="{B695F453-FC6B-4671-B98F-8232E7908B63}" dt="2025-08-30T01:47:31.114" v="486" actId="27614"/>
+          <ac:picMkLst>
+            <pc:docMk/>
+            <pc:sldMk cId="2563024566" sldId="275"/>
+            <ac:picMk id="215" creationId="{19133997-D448-E7A1-3E06-FC3495B963CC}"/>
+          </ac:picMkLst>
+        </pc:picChg>
+        <pc:picChg chg="mod">
+          <ac:chgData name="Si Jun Lee" userId="1aa59fdf312da488" providerId="LiveId" clId="{B695F453-FC6B-4671-B98F-8232E7908B63}" dt="2025-08-30T01:47:31.120" v="488" actId="27614"/>
+          <ac:picMkLst>
+            <pc:docMk/>
+            <pc:sldMk cId="2563024566" sldId="275"/>
+            <ac:picMk id="217" creationId="{FC5449B9-53F4-2F80-6844-F60C48A51E05}"/>
+          </ac:picMkLst>
+        </pc:picChg>
+        <pc:picChg chg="add del mod">
+          <ac:chgData name="Si Jun Lee" userId="1aa59fdf312da488" providerId="LiveId" clId="{B695F453-FC6B-4671-B98F-8232E7908B63}" dt="2025-08-30T02:02:53.635" v="564" actId="478"/>
+          <ac:picMkLst>
+            <pc:docMk/>
+            <pc:sldMk cId="2563024566" sldId="275"/>
+            <ac:picMk id="219" creationId="{C14F1C3E-6AB9-6279-50B5-9A67C29797EA}"/>
+          </ac:picMkLst>
+        </pc:picChg>
+        <pc:picChg chg="mod">
+          <ac:chgData name="Si Jun Lee" userId="1aa59fdf312da488" providerId="LiveId" clId="{B695F453-FC6B-4671-B98F-8232E7908B63}" dt="2025-08-30T01:47:31.131" v="492" actId="27614"/>
+          <ac:picMkLst>
+            <pc:docMk/>
+            <pc:sldMk cId="2563024566" sldId="275"/>
+            <ac:picMk id="221" creationId="{8540B91A-557F-02B8-A9AB-88BD61A4AD64}"/>
+          </ac:picMkLst>
+        </pc:picChg>
+        <pc:picChg chg="mod">
+          <ac:chgData name="Si Jun Lee" userId="1aa59fdf312da488" providerId="LiveId" clId="{B695F453-FC6B-4671-B98F-8232E7908B63}" dt="2025-08-30T01:47:30.991" v="474" actId="27614"/>
+          <ac:picMkLst>
+            <pc:docMk/>
+            <pc:sldMk cId="2563024566" sldId="275"/>
+            <ac:picMk id="223" creationId="{14EE5F59-E610-7A68-E683-2AE62CEB00DF}"/>
+          </ac:picMkLst>
+        </pc:picChg>
+        <pc:picChg chg="mod">
+          <ac:chgData name="Si Jun Lee" userId="1aa59fdf312da488" providerId="LiveId" clId="{B695F453-FC6B-4671-B98F-8232E7908B63}" dt="2025-08-30T01:47:31.142" v="494" actId="27614"/>
+          <ac:picMkLst>
+            <pc:docMk/>
+            <pc:sldMk cId="2563024566" sldId="275"/>
+            <ac:picMk id="225" creationId="{11EBD7D8-95A9-D051-8923-E827BC4637B0}"/>
+          </ac:picMkLst>
+        </pc:picChg>
+        <pc:picChg chg="mod">
+          <ac:chgData name="Si Jun Lee" userId="1aa59fdf312da488" providerId="LiveId" clId="{B695F453-FC6B-4671-B98F-8232E7908B63}" dt="2025-08-30T01:47:31.147" v="496" actId="27614"/>
+          <ac:picMkLst>
+            <pc:docMk/>
+            <pc:sldMk cId="2563024566" sldId="275"/>
+            <ac:picMk id="227" creationId="{FFFE718B-6881-5B4C-02B1-7D112057B250}"/>
+          </ac:picMkLst>
+        </pc:picChg>
+        <pc:picChg chg="mod">
+          <ac:chgData name="Si Jun Lee" userId="1aa59fdf312da488" providerId="LiveId" clId="{B695F453-FC6B-4671-B98F-8232E7908B63}" dt="2025-08-30T01:47:31.153" v="498" actId="27614"/>
+          <ac:picMkLst>
+            <pc:docMk/>
+            <pc:sldMk cId="2563024566" sldId="275"/>
+            <ac:picMk id="229" creationId="{8CB17811-56A9-2A39-3744-3789BC580714}"/>
+          </ac:picMkLst>
+        </pc:picChg>
+        <pc:picChg chg="mod">
+          <ac:chgData name="Si Jun Lee" userId="1aa59fdf312da488" providerId="LiveId" clId="{B695F453-FC6B-4671-B98F-8232E7908B63}" dt="2025-08-30T01:47:31.159" v="500" actId="27614"/>
+          <ac:picMkLst>
+            <pc:docMk/>
+            <pc:sldMk cId="2563024566" sldId="275"/>
+            <ac:picMk id="231" creationId="{A278DB52-52F1-4553-8AF7-1BE677B7A549}"/>
+          </ac:picMkLst>
+        </pc:picChg>
+        <pc:picChg chg="add del mod">
+          <ac:chgData name="Si Jun Lee" userId="1aa59fdf312da488" providerId="LiveId" clId="{B695F453-FC6B-4671-B98F-8232E7908B63}" dt="2025-08-30T02:02:53.635" v="564" actId="478"/>
+          <ac:picMkLst>
+            <pc:docMk/>
+            <pc:sldMk cId="2563024566" sldId="275"/>
+            <ac:picMk id="233" creationId="{4DB92CB8-B3E1-64DB-71C0-5446752F8443}"/>
+          </ac:picMkLst>
+        </pc:picChg>
+        <pc:picChg chg="mod">
+          <ac:chgData name="Si Jun Lee" userId="1aa59fdf312da488" providerId="LiveId" clId="{B695F453-FC6B-4671-B98F-8232E7908B63}" dt="2025-08-30T01:47:31.169" v="504" actId="27614"/>
+          <ac:picMkLst>
+            <pc:docMk/>
+            <pc:sldMk cId="2563024566" sldId="275"/>
+            <ac:picMk id="235" creationId="{2F9867D8-6D54-FDD6-F327-877D8601549F}"/>
+          </ac:picMkLst>
+        </pc:picChg>
+        <pc:picChg chg="mod">
+          <ac:chgData name="Si Jun Lee" userId="1aa59fdf312da488" providerId="LiveId" clId="{B695F453-FC6B-4671-B98F-8232E7908B63}" dt="2025-08-30T01:47:31.175" v="506" actId="27614"/>
+          <ac:picMkLst>
+            <pc:docMk/>
+            <pc:sldMk cId="2563024566" sldId="275"/>
+            <ac:picMk id="237" creationId="{838BCF67-E63F-1585-A403-6374CD123065}"/>
+          </ac:picMkLst>
+        </pc:picChg>
+        <pc:picChg chg="mod">
+          <ac:chgData name="Si Jun Lee" userId="1aa59fdf312da488" providerId="LiveId" clId="{B695F453-FC6B-4671-B98F-8232E7908B63}" dt="2025-08-30T01:47:30.996" v="476" actId="27614"/>
+          <ac:picMkLst>
+            <pc:docMk/>
+            <pc:sldMk cId="2563024566" sldId="275"/>
+            <ac:picMk id="239" creationId="{B553B4CE-A9EF-02BC-4235-271C9CA127C5}"/>
+          </ac:picMkLst>
+        </pc:picChg>
+        <pc:picChg chg="mod">
+          <ac:chgData name="Si Jun Lee" userId="1aa59fdf312da488" providerId="LiveId" clId="{B695F453-FC6B-4671-B98F-8232E7908B63}" dt="2025-08-30T01:47:32.145" v="562" actId="27614"/>
+          <ac:picMkLst>
+            <pc:docMk/>
+            <pc:sldMk cId="2563024566" sldId="275"/>
+            <ac:picMk id="241" creationId="{863F589E-62F3-C40A-E536-898F50CAF8A6}"/>
+          </ac:picMkLst>
+        </pc:picChg>
+        <pc:picChg chg="mod">
+          <ac:chgData name="Si Jun Lee" userId="1aa59fdf312da488" providerId="LiveId" clId="{B695F453-FC6B-4671-B98F-8232E7908B63}" dt="2025-08-30T01:47:31.182" v="508" actId="27614"/>
+          <ac:picMkLst>
+            <pc:docMk/>
+            <pc:sldMk cId="2563024566" sldId="275"/>
+            <ac:picMk id="243" creationId="{B1DACC79-CCB6-D944-C95F-841754CAD064}"/>
+          </ac:picMkLst>
+        </pc:picChg>
+        <pc:picChg chg="add del mod">
+          <ac:chgData name="Si Jun Lee" userId="1aa59fdf312da488" providerId="LiveId" clId="{B695F453-FC6B-4671-B98F-8232E7908B63}" dt="2025-08-30T02:02:53.635" v="564" actId="478"/>
+          <ac:picMkLst>
+            <pc:docMk/>
+            <pc:sldMk cId="2563024566" sldId="275"/>
+            <ac:picMk id="245" creationId="{6287420E-3305-2334-1FFD-56FA93318C68}"/>
+          </ac:picMkLst>
+        </pc:picChg>
+        <pc:picChg chg="mod">
+          <ac:chgData name="Si Jun Lee" userId="1aa59fdf312da488" providerId="LiveId" clId="{B695F453-FC6B-4671-B98F-8232E7908B63}" dt="2025-08-30T01:47:31.193" v="512" actId="27614"/>
+          <ac:picMkLst>
+            <pc:docMk/>
+            <pc:sldMk cId="2563024566" sldId="275"/>
+            <ac:picMk id="247" creationId="{3DE7EAFA-6CA1-09C5-4D40-CE8351A6FE62}"/>
+          </ac:picMkLst>
+        </pc:picChg>
+        <pc:picChg chg="add del mod">
+          <ac:chgData name="Si Jun Lee" userId="1aa59fdf312da488" providerId="LiveId" clId="{B695F453-FC6B-4671-B98F-8232E7908B63}" dt="2025-08-30T02:02:53.635" v="564" actId="478"/>
+          <ac:picMkLst>
+            <pc:docMk/>
+            <pc:sldMk cId="2563024566" sldId="275"/>
+            <ac:picMk id="249" creationId="{925842A0-E236-0770-A31E-E20564D81203}"/>
+          </ac:picMkLst>
+        </pc:picChg>
+        <pc:picChg chg="add del mod">
+          <ac:chgData name="Si Jun Lee" userId="1aa59fdf312da488" providerId="LiveId" clId="{B695F453-FC6B-4671-B98F-8232E7908B63}" dt="2025-08-30T02:02:53.635" v="564" actId="478"/>
+          <ac:picMkLst>
+            <pc:docMk/>
+            <pc:sldMk cId="2563024566" sldId="275"/>
+            <ac:picMk id="251" creationId="{25918FDD-06E6-49BD-031D-F018B15CC0EF}"/>
+          </ac:picMkLst>
+        </pc:picChg>
+        <pc:picChg chg="mod">
+          <ac:chgData name="Si Jun Lee" userId="1aa59fdf312da488" providerId="LiveId" clId="{B695F453-FC6B-4671-B98F-8232E7908B63}" dt="2025-08-30T01:47:31.205" v="516" actId="27614"/>
+          <ac:picMkLst>
+            <pc:docMk/>
+            <pc:sldMk cId="2563024566" sldId="275"/>
+            <ac:picMk id="253" creationId="{CDED6BBF-9643-94A7-162F-45240B68B902}"/>
+          </ac:picMkLst>
+        </pc:picChg>
+        <pc:picChg chg="mod">
+          <ac:chgData name="Si Jun Lee" userId="1aa59fdf312da488" providerId="LiveId" clId="{B695F453-FC6B-4671-B98F-8232E7908B63}" dt="2025-08-30T01:47:31.224" v="518" actId="27614"/>
+          <ac:picMkLst>
+            <pc:docMk/>
+            <pc:sldMk cId="2563024566" sldId="275"/>
+            <ac:picMk id="255" creationId="{8B07E853-7856-0136-60BF-95D3DA59BED9}"/>
+          </ac:picMkLst>
+        </pc:picChg>
+        <pc:picChg chg="mod">
+          <ac:chgData name="Si Jun Lee" userId="1aa59fdf312da488" providerId="LiveId" clId="{B695F453-FC6B-4671-B98F-8232E7908B63}" dt="2025-08-30T01:47:31.324" v="534" actId="27614"/>
+          <ac:picMkLst>
+            <pc:docMk/>
+            <pc:sldMk cId="2563024566" sldId="275"/>
+            <ac:picMk id="257" creationId="{DB0C41DD-7916-5C5F-C257-EDA93A74373A}"/>
+          </ac:picMkLst>
+        </pc:picChg>
+        <pc:picChg chg="add del mod">
+          <ac:chgData name="Si Jun Lee" userId="1aa59fdf312da488" providerId="LiveId" clId="{B695F453-FC6B-4671-B98F-8232E7908B63}" dt="2025-08-30T02:02:53.635" v="564" actId="478"/>
+          <ac:picMkLst>
+            <pc:docMk/>
+            <pc:sldMk cId="2563024566" sldId="275"/>
+            <ac:picMk id="259" creationId="{00EBC567-8E22-FA32-9A38-3AF5A5BA1544}"/>
+          </ac:picMkLst>
+        </pc:picChg>
+        <pc:picChg chg="add del mod">
+          <ac:chgData name="Si Jun Lee" userId="1aa59fdf312da488" providerId="LiveId" clId="{B695F453-FC6B-4671-B98F-8232E7908B63}" dt="2025-08-30T02:02:53.635" v="564" actId="478"/>
+          <ac:picMkLst>
+            <pc:docMk/>
+            <pc:sldMk cId="2563024566" sldId="275"/>
+            <ac:picMk id="261" creationId="{1DBE8792-FEE1-9F95-E118-5B0D275F910E}"/>
+          </ac:picMkLst>
+        </pc:picChg>
+        <pc:picChg chg="mod">
+          <ac:chgData name="Si Jun Lee" userId="1aa59fdf312da488" providerId="LiveId" clId="{B695F453-FC6B-4671-B98F-8232E7908B63}" dt="2025-08-30T01:47:31.308" v="528" actId="27614"/>
+          <ac:picMkLst>
+            <pc:docMk/>
+            <pc:sldMk cId="2563024566" sldId="275"/>
+            <ac:picMk id="263" creationId="{5B389D9E-BD14-020D-5429-974DB94DCB48}"/>
+          </ac:picMkLst>
+        </pc:picChg>
+        <pc:picChg chg="mod">
+          <ac:chgData name="Si Jun Lee" userId="1aa59fdf312da488" providerId="LiveId" clId="{B695F453-FC6B-4671-B98F-8232E7908B63}" dt="2025-08-30T01:47:31.301" v="526" actId="27614"/>
+          <ac:picMkLst>
+            <pc:docMk/>
+            <pc:sldMk cId="2563024566" sldId="275"/>
+            <ac:picMk id="265" creationId="{8755B04A-A9E4-E729-480E-4C567D68813F}"/>
+          </ac:picMkLst>
+        </pc:picChg>
+        <pc:picChg chg="add del mod">
+          <ac:chgData name="Si Jun Lee" userId="1aa59fdf312da488" providerId="LiveId" clId="{B695F453-FC6B-4671-B98F-8232E7908B63}" dt="2025-08-30T02:02:53.635" v="564" actId="478"/>
+          <ac:picMkLst>
+            <pc:docMk/>
+            <pc:sldMk cId="2563024566" sldId="275"/>
+            <ac:picMk id="267" creationId="{63BA3F65-57AB-38AA-3DF1-4D86033E0A08}"/>
+          </ac:picMkLst>
+        </pc:picChg>
+        <pc:picChg chg="mod">
+          <ac:chgData name="Si Jun Lee" userId="1aa59fdf312da488" providerId="LiveId" clId="{B695F453-FC6B-4671-B98F-8232E7908B63}" dt="2025-08-30T01:47:31.291" v="522" actId="27614"/>
+          <ac:picMkLst>
+            <pc:docMk/>
+            <pc:sldMk cId="2563024566" sldId="275"/>
+            <ac:picMk id="269" creationId="{F844BC37-8D59-6A99-B704-91B58D11874C}"/>
+          </ac:picMkLst>
+        </pc:picChg>
+        <pc:picChg chg="mod">
+          <ac:chgData name="Si Jun Lee" userId="1aa59fdf312da488" providerId="LiveId" clId="{B695F453-FC6B-4671-B98F-8232E7908B63}" dt="2025-08-30T01:47:31.391" v="542" actId="27614"/>
+          <ac:picMkLst>
+            <pc:docMk/>
+            <pc:sldMk cId="2563024566" sldId="275"/>
+            <ac:picMk id="271" creationId="{35886EC7-BA53-1336-86CA-17E16A2D9F97}"/>
+          </ac:picMkLst>
+        </pc:picChg>
+        <pc:picChg chg="mod">
+          <ac:chgData name="Si Jun Lee" userId="1aa59fdf312da488" providerId="LiveId" clId="{B695F453-FC6B-4671-B98F-8232E7908B63}" dt="2025-08-30T01:47:31.374" v="536" actId="27614"/>
+          <ac:picMkLst>
+            <pc:docMk/>
+            <pc:sldMk cId="2563024566" sldId="275"/>
+            <ac:picMk id="273" creationId="{5D616BE9-49CE-11DC-E9E3-57C7D7A95B70}"/>
+          </ac:picMkLst>
+        </pc:picChg>
+        <pc:picChg chg="mod">
+          <ac:chgData name="Si Jun Lee" userId="1aa59fdf312da488" providerId="LiveId" clId="{B695F453-FC6B-4671-B98F-8232E7908B63}" dt="2025-08-30T01:47:31.385" v="540" actId="27614"/>
+          <ac:picMkLst>
+            <pc:docMk/>
+            <pc:sldMk cId="2563024566" sldId="275"/>
+            <ac:picMk id="275" creationId="{C5253ABD-38B1-6E41-D09A-94C3C716F70C}"/>
+          </ac:picMkLst>
+        </pc:picChg>
+        <pc:picChg chg="mod">
+          <ac:chgData name="Si Jun Lee" userId="1aa59fdf312da488" providerId="LiveId" clId="{B695F453-FC6B-4671-B98F-8232E7908B63}" dt="2025-08-30T01:47:31.514" v="552" actId="27614"/>
+          <ac:picMkLst>
+            <pc:docMk/>
+            <pc:sldMk cId="2563024566" sldId="275"/>
+            <ac:picMk id="277" creationId="{BE3A20E0-92B3-1E9E-7F8A-95E892A4B614}"/>
+          </ac:picMkLst>
+        </pc:picChg>
+        <pc:picChg chg="mod">
+          <ac:chgData name="Si Jun Lee" userId="1aa59fdf312da488" providerId="LiveId" clId="{B695F453-FC6B-4671-B98F-8232E7908B63}" dt="2025-08-30T01:47:31.509" v="550" actId="27614"/>
+          <ac:picMkLst>
+            <pc:docMk/>
+            <pc:sldMk cId="2563024566" sldId="275"/>
+            <ac:picMk id="279" creationId="{B336E9FC-7D7D-00BF-C345-D2FE42DF3D03}"/>
+          </ac:picMkLst>
+        </pc:picChg>
+        <pc:picChg chg="mod">
+          <ac:chgData name="Si Jun Lee" userId="1aa59fdf312da488" providerId="LiveId" clId="{B695F453-FC6B-4671-B98F-8232E7908B63}" dt="2025-08-30T01:47:31.380" v="538" actId="27614"/>
+          <ac:picMkLst>
+            <pc:docMk/>
+            <pc:sldMk cId="2563024566" sldId="275"/>
+            <ac:picMk id="281" creationId="{184D2C78-3817-78EB-7936-83D71B96608F}"/>
+          </ac:picMkLst>
+        </pc:picChg>
+        <pc:picChg chg="mod">
+          <ac:chgData name="Si Jun Lee" userId="1aa59fdf312da488" providerId="LiveId" clId="{B695F453-FC6B-4671-B98F-8232E7908B63}" dt="2025-08-30T01:47:31.504" v="548" actId="27614"/>
+          <ac:picMkLst>
+            <pc:docMk/>
+            <pc:sldMk cId="2563024566" sldId="275"/>
+            <ac:picMk id="283" creationId="{A2293022-11F7-95B6-35B8-21EC81EAE513}"/>
+          </ac:picMkLst>
+        </pc:picChg>
+        <pc:picChg chg="mod">
+          <ac:chgData name="Si Jun Lee" userId="1aa59fdf312da488" providerId="LiveId" clId="{B695F453-FC6B-4671-B98F-8232E7908B63}" dt="2025-08-30T01:47:31.498" v="546" actId="27614"/>
+          <ac:picMkLst>
+            <pc:docMk/>
+            <pc:sldMk cId="2563024566" sldId="275"/>
+            <ac:picMk id="285" creationId="{E54DFFDF-50C7-3877-DE98-DF03B10FAD0C}"/>
+          </ac:picMkLst>
+        </pc:picChg>
+        <pc:picChg chg="mod">
+          <ac:chgData name="Si Jun Lee" userId="1aa59fdf312da488" providerId="LiveId" clId="{B695F453-FC6B-4671-B98F-8232E7908B63}" dt="2025-08-30T01:47:31.284" v="520" actId="27614"/>
+          <ac:picMkLst>
+            <pc:docMk/>
+            <pc:sldMk cId="2563024566" sldId="275"/>
+            <ac:picMk id="287" creationId="{761A09EE-0D39-9D1E-B584-E295CF480CA2}"/>
+          </ac:picMkLst>
+        </pc:picChg>
+        <pc:picChg chg="mod">
+          <ac:chgData name="Si Jun Lee" userId="1aa59fdf312da488" providerId="LiveId" clId="{B695F453-FC6B-4671-B98F-8232E7908B63}" dt="2025-08-30T01:47:30.890" v="470" actId="27614"/>
+          <ac:picMkLst>
+            <pc:docMk/>
+            <pc:sldMk cId="2563024566" sldId="275"/>
+            <ac:picMk id="289" creationId="{FE706C14-1909-AF7B-6CE6-B76A6F9D1CE9}"/>
+          </ac:picMkLst>
+        </pc:picChg>
+        <pc:picChg chg="mod">
+          <ac:chgData name="Si Jun Lee" userId="1aa59fdf312da488" providerId="LiveId" clId="{B695F453-FC6B-4671-B98F-8232E7908B63}" dt="2025-08-30T01:47:31.490" v="544" actId="27614"/>
+          <ac:picMkLst>
+            <pc:docMk/>
+            <pc:sldMk cId="2563024566" sldId="275"/>
+            <ac:picMk id="291" creationId="{61256F58-96D4-4BCC-60F6-778F15126B4D}"/>
+          </ac:picMkLst>
+        </pc:picChg>
+        <pc:picChg chg="mod">
+          <ac:chgData name="Si Jun Lee" userId="1aa59fdf312da488" providerId="LiveId" clId="{B695F453-FC6B-4671-B98F-8232E7908B63}" dt="2025-08-30T01:47:31.582" v="558" actId="27614"/>
+          <ac:picMkLst>
+            <pc:docMk/>
+            <pc:sldMk cId="2563024566" sldId="275"/>
+            <ac:picMk id="293" creationId="{04996120-B4C5-9B57-F15B-1658643DAC00}"/>
+          </ac:picMkLst>
+        </pc:picChg>
+        <pc:picChg chg="mod">
+          <ac:chgData name="Si Jun Lee" userId="1aa59fdf312da488" providerId="LiveId" clId="{B695F453-FC6B-4671-B98F-8232E7908B63}" dt="2025-08-30T01:47:31.571" v="554" actId="27614"/>
+          <ac:picMkLst>
+            <pc:docMk/>
+            <pc:sldMk cId="2563024566" sldId="275"/>
+            <ac:picMk id="295" creationId="{87F25C9F-A640-4BD8-B636-32D253D99E69}"/>
+          </ac:picMkLst>
+        </pc:picChg>
+        <pc:picChg chg="mod">
+          <ac:chgData name="Si Jun Lee" userId="1aa59fdf312da488" providerId="LiveId" clId="{B695F453-FC6B-4671-B98F-8232E7908B63}" dt="2025-08-30T01:47:31.577" v="556" actId="27614"/>
+          <ac:picMkLst>
+            <pc:docMk/>
+            <pc:sldMk cId="2563024566" sldId="275"/>
+            <ac:picMk id="297" creationId="{C5BC50D3-A653-D24F-E6F0-9BA48FAC03A0}"/>
+          </ac:picMkLst>
+        </pc:picChg>
+        <pc:picChg chg="add del mod">
+          <ac:chgData name="Si Jun Lee" userId="1aa59fdf312da488" providerId="LiveId" clId="{B695F453-FC6B-4671-B98F-8232E7908B63}" dt="2025-08-30T02:02:53.635" v="564" actId="478"/>
+          <ac:picMkLst>
+            <pc:docMk/>
+            <pc:sldMk cId="2563024566" sldId="275"/>
+            <ac:picMk id="299" creationId="{9FD40FAD-8452-299D-271D-07AA5EE167C4}"/>
+          </ac:picMkLst>
+        </pc:picChg>
+      </pc:sldChg>
+      <pc:sldChg chg="addSp delSp modSp add mod">
+        <pc:chgData name="Si Jun Lee" userId="1aa59fdf312da488" providerId="LiveId" clId="{B695F453-FC6B-4671-B98F-8232E7908B63}" dt="2025-08-30T02:04:48.365" v="581"/>
+        <pc:sldMkLst>
+          <pc:docMk/>
+          <pc:sldMk cId="2770134547" sldId="276"/>
+        </pc:sldMkLst>
+        <pc:spChg chg="del mod">
+          <ac:chgData name="Si Jun Lee" userId="1aa59fdf312da488" providerId="LiveId" clId="{B695F453-FC6B-4671-B98F-8232E7908B63}" dt="2025-08-30T02:04:41.021" v="580"/>
+          <ac:spMkLst>
+            <pc:docMk/>
+            <pc:sldMk cId="2770134547" sldId="276"/>
+            <ac:spMk id="3" creationId="{ADC5CC64-CD01-98DA-BAC0-09E4ABCDA328}"/>
+          </ac:spMkLst>
+        </pc:spChg>
+        <pc:picChg chg="mod">
+          <ac:chgData name="Si Jun Lee" userId="1aa59fdf312da488" providerId="LiveId" clId="{B695F453-FC6B-4671-B98F-8232E7908B63}" dt="2025-08-30T02:04:48.365" v="581"/>
+          <ac:picMkLst>
+            <pc:docMk/>
+            <pc:sldMk cId="2770134547" sldId="276"/>
+            <ac:picMk id="9" creationId="{7191A9B8-63FF-EDDF-1776-6B49197A8FA4}"/>
+          </ac:picMkLst>
+        </pc:picChg>
+        <pc:picChg chg="mod">
+          <ac:chgData name="Si Jun Lee" userId="1aa59fdf312da488" providerId="LiveId" clId="{B695F453-FC6B-4671-B98F-8232E7908B63}" dt="2025-08-30T02:04:48.365" v="581"/>
+          <ac:picMkLst>
+            <pc:docMk/>
+            <pc:sldMk cId="2770134547" sldId="276"/>
+            <ac:picMk id="25" creationId="{B1C8BFBD-6375-71DB-73E1-E527325342E1}"/>
+          </ac:picMkLst>
+        </pc:picChg>
+        <pc:picChg chg="mod">
+          <ac:chgData name="Si Jun Lee" userId="1aa59fdf312da488" providerId="LiveId" clId="{B695F453-FC6B-4671-B98F-8232E7908B63}" dt="2025-08-30T02:04:48.365" v="581"/>
+          <ac:picMkLst>
+            <pc:docMk/>
+            <pc:sldMk cId="2770134547" sldId="276"/>
+            <ac:picMk id="31" creationId="{69B5494F-4566-A672-05FC-CC4C336DA6A9}"/>
+          </ac:picMkLst>
+        </pc:picChg>
+        <pc:picChg chg="mod">
+          <ac:chgData name="Si Jun Lee" userId="1aa59fdf312da488" providerId="LiveId" clId="{B695F453-FC6B-4671-B98F-8232E7908B63}" dt="2025-08-30T02:04:48.365" v="581"/>
+          <ac:picMkLst>
+            <pc:docMk/>
+            <pc:sldMk cId="2770134547" sldId="276"/>
+            <ac:picMk id="47" creationId="{E57E17D3-A543-A7C7-A6FC-769C4C3DAB53}"/>
+          </ac:picMkLst>
+        </pc:picChg>
+        <pc:picChg chg="mod">
+          <ac:chgData name="Si Jun Lee" userId="1aa59fdf312da488" providerId="LiveId" clId="{B695F453-FC6B-4671-B98F-8232E7908B63}" dt="2025-08-30T02:04:48.365" v="581"/>
+          <ac:picMkLst>
+            <pc:docMk/>
+            <pc:sldMk cId="2770134547" sldId="276"/>
+            <ac:picMk id="55" creationId="{5DE2E385-DB18-A50C-5876-130F12B482BD}"/>
+          </ac:picMkLst>
+        </pc:picChg>
+        <pc:picChg chg="mod">
+          <ac:chgData name="Si Jun Lee" userId="1aa59fdf312da488" providerId="LiveId" clId="{B695F453-FC6B-4671-B98F-8232E7908B63}" dt="2025-08-30T02:04:48.365" v="581"/>
+          <ac:picMkLst>
+            <pc:docMk/>
+            <pc:sldMk cId="2770134547" sldId="276"/>
+            <ac:picMk id="61" creationId="{B08B8BE3-D47F-E66A-961A-67202D2A627C}"/>
+          </ac:picMkLst>
+        </pc:picChg>
+        <pc:picChg chg="mod">
+          <ac:chgData name="Si Jun Lee" userId="1aa59fdf312da488" providerId="LiveId" clId="{B695F453-FC6B-4671-B98F-8232E7908B63}" dt="2025-08-30T02:04:48.365" v="581"/>
+          <ac:picMkLst>
+            <pc:docMk/>
+            <pc:sldMk cId="2770134547" sldId="276"/>
+            <ac:picMk id="69" creationId="{2D62BA76-25B0-E43F-CA95-80374EF8767A}"/>
+          </ac:picMkLst>
+        </pc:picChg>
+        <pc:picChg chg="mod">
+          <ac:chgData name="Si Jun Lee" userId="1aa59fdf312da488" providerId="LiveId" clId="{B695F453-FC6B-4671-B98F-8232E7908B63}" dt="2025-08-30T02:04:48.365" v="581"/>
+          <ac:picMkLst>
+            <pc:docMk/>
+            <pc:sldMk cId="2770134547" sldId="276"/>
+            <ac:picMk id="77" creationId="{18521650-435A-0F47-B625-9930776B2129}"/>
+          </ac:picMkLst>
+        </pc:picChg>
+        <pc:picChg chg="mod">
+          <ac:chgData name="Si Jun Lee" userId="1aa59fdf312da488" providerId="LiveId" clId="{B695F453-FC6B-4671-B98F-8232E7908B63}" dt="2025-08-30T02:04:48.365" v="581"/>
+          <ac:picMkLst>
+            <pc:docMk/>
+            <pc:sldMk cId="2770134547" sldId="276"/>
+            <ac:picMk id="85" creationId="{589C1D2C-50F4-BE4C-AD2E-76D89B931DDA}"/>
+          </ac:picMkLst>
+        </pc:picChg>
+        <pc:picChg chg="mod">
+          <ac:chgData name="Si Jun Lee" userId="1aa59fdf312da488" providerId="LiveId" clId="{B695F453-FC6B-4671-B98F-8232E7908B63}" dt="2025-08-30T02:04:48.365" v="581"/>
+          <ac:picMkLst>
+            <pc:docMk/>
+            <pc:sldMk cId="2770134547" sldId="276"/>
+            <ac:picMk id="95" creationId="{71F65B41-F0A2-BD37-9E53-890CD504E707}"/>
+          </ac:picMkLst>
+        </pc:picChg>
+      </pc:sldChg>
+    </pc:docChg>
+  </pc:docChgLst>
+</pc:chgInfo>
+</file>
+
+<file path=ppt/notesMasters/notesMaster1.xml><?xml version="1.0" encoding="utf-8"?>
+<p:notesMaster xmlns:a="http://schemas.openxmlformats.org/drawingml/2006/main" xmlns:r="http://schemas.openxmlformats.org/officeDocument/2006/relationships" xmlns:p="http://schemas.openxmlformats.org/presentationml/2006/main">
+  <p:cSld>
+    <p:bg>
+      <p:bgRef idx="1001">
+        <a:schemeClr val="bg1"/>
+      </p:bgRef>
+    </p:bg>
+    <p:spTree>
+      <p:nvGrpSpPr>
+        <p:cNvPr id="1" name=""/>
+        <p:cNvGrpSpPr/>
+        <p:nvPr/>
+      </p:nvGrpSpPr>
+      <p:grpSpPr>
+        <a:xfrm>
+          <a:off x="0" y="0"/>
+          <a:ext cx="0" cy="0"/>
+          <a:chOff x="0" y="0"/>
+          <a:chExt cx="0" cy="0"/>
+        </a:xfrm>
+      </p:grpSpPr>
+      <p:sp>
+        <p:nvSpPr>
+          <p:cNvPr id="2" name="Header Placeholder 1"/>
+          <p:cNvSpPr>
+            <a:spLocks noGrp="1"/>
+          </p:cNvSpPr>
+          <p:nvPr>
+            <p:ph type="hdr" sz="quarter"/>
+          </p:nvPr>
+        </p:nvSpPr>
+        <p:spPr>
+          <a:xfrm>
+            <a:off x="0" y="0"/>
+            <a:ext cx="2971800" cy="458788"/>
+          </a:xfrm>
+          <a:prstGeom prst="rect">
+            <a:avLst/>
+          </a:prstGeom>
+        </p:spPr>
+        <p:txBody>
+          <a:bodyPr vert="horz" lIns="91440" tIns="45720" rIns="91440" bIns="45720" rtlCol="0"/>
+          <a:lstStyle>
+            <a:lvl1pPr algn="l">
+              <a:defRPr sz="1200"/>
+            </a:lvl1pPr>
+          </a:lstStyle>
+          <a:p>
+            <a:endParaRPr lang="en-AU"/>
+          </a:p>
+        </p:txBody>
+      </p:sp>
+      <p:sp>
+        <p:nvSpPr>
+          <p:cNvPr id="3" name="Date Placeholder 2"/>
+          <p:cNvSpPr>
+            <a:spLocks noGrp="1"/>
+          </p:cNvSpPr>
+          <p:nvPr>
+            <p:ph type="dt" idx="1"/>
+          </p:nvPr>
+        </p:nvSpPr>
+        <p:spPr>
+          <a:xfrm>
+            <a:off x="3884613" y="0"/>
+            <a:ext cx="2971800" cy="458788"/>
+          </a:xfrm>
+          <a:prstGeom prst="rect">
+            <a:avLst/>
+          </a:prstGeom>
+        </p:spPr>
+        <p:txBody>
+          <a:bodyPr vert="horz" lIns="91440" tIns="45720" rIns="91440" bIns="45720" rtlCol="0"/>
+          <a:lstStyle>
+            <a:lvl1pPr algn="r">
+              <a:defRPr sz="1200"/>
+            </a:lvl1pPr>
+          </a:lstStyle>
+          <a:p>
+            <a:fld id="{E857C5DA-9F2F-4291-AFDB-C8331B45E481}" type="datetimeFigureOut">
+              <a:rPr lang="en-AU" smtClean="0"/>
+              <a:t>30/08/2025</a:t>
+            </a:fld>
+            <a:endParaRPr lang="en-AU"/>
+          </a:p>
+        </p:txBody>
+      </p:sp>
+      <p:sp>
+        <p:nvSpPr>
+          <p:cNvPr id="4" name="Slide Image Placeholder 3"/>
+          <p:cNvSpPr>
+            <a:spLocks noGrp="1" noRot="1" noChangeAspect="1"/>
+          </p:cNvSpPr>
+          <p:nvPr>
+            <p:ph type="sldImg" idx="2"/>
+          </p:nvPr>
+        </p:nvSpPr>
+        <p:spPr>
+          <a:xfrm>
+            <a:off x="685800" y="1143000"/>
+            <a:ext cx="5486400" cy="3086100"/>
+          </a:xfrm>
+          <a:prstGeom prst="rect">
+            <a:avLst/>
+          </a:prstGeom>
+          <a:noFill/>
+          <a:ln w="12700">
+            <a:solidFill>
+              <a:prstClr val="black"/>
+            </a:solidFill>
+          </a:ln>
+        </p:spPr>
+        <p:txBody>
+          <a:bodyPr vert="horz" lIns="91440" tIns="45720" rIns="91440" bIns="45720" rtlCol="0" anchor="ctr"/>
+          <a:lstStyle/>
+          <a:p>
+            <a:endParaRPr lang="en-AU"/>
+          </a:p>
+        </p:txBody>
+      </p:sp>
+      <p:sp>
+        <p:nvSpPr>
+          <p:cNvPr id="5" name="Notes Placeholder 4"/>
+          <p:cNvSpPr>
+            <a:spLocks noGrp="1"/>
+          </p:cNvSpPr>
+          <p:nvPr>
+            <p:ph type="body" sz="quarter" idx="3"/>
+          </p:nvPr>
+        </p:nvSpPr>
+        <p:spPr>
+          <a:xfrm>
+            <a:off x="685800" y="4400550"/>
+            <a:ext cx="5486400" cy="3600450"/>
+          </a:xfrm>
+          <a:prstGeom prst="rect">
+            <a:avLst/>
+          </a:prstGeom>
+        </p:spPr>
+        <p:txBody>
+          <a:bodyPr vert="horz" lIns="91440" tIns="45720" rIns="91440" bIns="45720" rtlCol="0"/>
+          <a:lstStyle/>
+          <a:p>
+            <a:pPr lvl="0"/>
+            <a:r>
+              <a:rPr lang="en-US"/>
+              <a:t>Click to edit Master text styles</a:t>
+            </a:r>
+          </a:p>
+          <a:p>
+            <a:pPr lvl="1"/>
+            <a:r>
+              <a:rPr lang="en-US"/>
+              <a:t>Second level</a:t>
+            </a:r>
+          </a:p>
+          <a:p>
+            <a:pPr lvl="2"/>
+            <a:r>
+              <a:rPr lang="en-US"/>
+              <a:t>Third level</a:t>
+            </a:r>
+          </a:p>
+          <a:p>
+            <a:pPr lvl="3"/>
+            <a:r>
+              <a:rPr lang="en-US"/>
+              <a:t>Fourth level</a:t>
+            </a:r>
+          </a:p>
+          <a:p>
+            <a:pPr lvl="4"/>
+            <a:r>
+              <a:rPr lang="en-US"/>
+              <a:t>Fifth level</a:t>
+            </a:r>
+            <a:endParaRPr lang="en-AU"/>
+          </a:p>
+        </p:txBody>
+      </p:sp>
+      <p:sp>
+        <p:nvSpPr>
+          <p:cNvPr id="6" name="Footer Placeholder 5"/>
+          <p:cNvSpPr>
+            <a:spLocks noGrp="1"/>
+          </p:cNvSpPr>
+          <p:nvPr>
+            <p:ph type="ftr" sz="quarter" idx="4"/>
+          </p:nvPr>
+        </p:nvSpPr>
+        <p:spPr>
+          <a:xfrm>
+            <a:off x="0" y="8685213"/>
+            <a:ext cx="2971800" cy="458787"/>
+          </a:xfrm>
+          <a:prstGeom prst="rect">
+            <a:avLst/>
+          </a:prstGeom>
+        </p:spPr>
+        <p:txBody>
+          <a:bodyPr vert="horz" lIns="91440" tIns="45720" rIns="91440" bIns="45720" rtlCol="0" anchor="b"/>
+          <a:lstStyle>
+            <a:lvl1pPr algn="l">
+              <a:defRPr sz="1200"/>
+            </a:lvl1pPr>
+          </a:lstStyle>
+          <a:p>
+            <a:endParaRPr lang="en-AU"/>
+          </a:p>
+        </p:txBody>
+      </p:sp>
+      <p:sp>
+        <p:nvSpPr>
+          <p:cNvPr id="7" name="Slide Number Placeholder 6"/>
+          <p:cNvSpPr>
+            <a:spLocks noGrp="1"/>
+          </p:cNvSpPr>
+          <p:nvPr>
+            <p:ph type="sldNum" sz="quarter" idx="5"/>
+          </p:nvPr>
+        </p:nvSpPr>
+        <p:spPr>
+          <a:xfrm>
+            <a:off x="3884613" y="8685213"/>
+            <a:ext cx="2971800" cy="458787"/>
+          </a:xfrm>
+          <a:prstGeom prst="rect">
+            <a:avLst/>
+          </a:prstGeom>
+        </p:spPr>
+        <p:txBody>
+          <a:bodyPr vert="horz" lIns="91440" tIns="45720" rIns="91440" bIns="45720" rtlCol="0" anchor="b"/>
+          <a:lstStyle>
+            <a:lvl1pPr algn="r">
+              <a:defRPr sz="1200"/>
+            </a:lvl1pPr>
+          </a:lstStyle>
+          <a:p>
+            <a:fld id="{A8F023D0-50B5-4716-8303-1BD8408E4EF0}" type="slidenum">
+              <a:rPr lang="en-AU" smtClean="0"/>
+              <a:t>‹#›</a:t>
+            </a:fld>
+            <a:endParaRPr lang="en-AU"/>
+          </a:p>
+        </p:txBody>
+      </p:sp>
+    </p:spTree>
+    <p:extLst>
+      <p:ext uri="{BB962C8B-B14F-4D97-AF65-F5344CB8AC3E}">
+        <p14:creationId xmlns:p14="http://schemas.microsoft.com/office/powerpoint/2010/main" val="1719107010"/>
+      </p:ext>
+    </p:extLst>
+  </p:cSld>
+  <p:clrMap bg1="lt1" tx1="dk1" bg2="lt2" tx2="dk2" accent1="accent1" accent2="accent2" accent3="accent3" accent4="accent4" accent5="accent5" accent6="accent6" hlink="hlink" folHlink="folHlink"/>
+  <p:notesStyle>
+    <a:lvl1pPr marL="0" algn="l" defTabSz="914400" rtl="0" eaLnBrk="1" latinLnBrk="0" hangingPunct="1">
+      <a:defRPr sz="1200" kern="1200">
+        <a:solidFill>
+          <a:schemeClr val="tx1"/>
+        </a:solidFill>
+        <a:latin typeface="+mn-lt"/>
+        <a:ea typeface="+mn-ea"/>
+        <a:cs typeface="+mn-cs"/>
+      </a:defRPr>
+    </a:lvl1pPr>
+    <a:lvl2pPr marL="457200" algn="l" defTabSz="914400" rtl="0" eaLnBrk="1" latinLnBrk="0" hangingPunct="1">
+      <a:defRPr sz="1200" kern="1200">
+        <a:solidFill>
+          <a:schemeClr val="tx1"/>
+        </a:solidFill>
+        <a:latin typeface="+mn-lt"/>
+        <a:ea typeface="+mn-ea"/>
+        <a:cs typeface="+mn-cs"/>
+      </a:defRPr>
+    </a:lvl2pPr>
+    <a:lvl3pPr marL="914400" algn="l" defTabSz="914400" rtl="0" eaLnBrk="1" latinLnBrk="0" hangingPunct="1">
+      <a:defRPr sz="1200" kern="1200">
+        <a:solidFill>
+          <a:schemeClr val="tx1"/>
+        </a:solidFill>
+        <a:latin typeface="+mn-lt"/>
+        <a:ea typeface="+mn-ea"/>
+        <a:cs typeface="+mn-cs"/>
+      </a:defRPr>
+    </a:lvl3pPr>
+    <a:lvl4pPr marL="1371600" algn="l" defTabSz="914400" rtl="0" eaLnBrk="1" latinLnBrk="0" hangingPunct="1">
+      <a:defRPr sz="1200" kern="1200">
+        <a:solidFill>
+          <a:schemeClr val="tx1"/>
+        </a:solidFill>
+        <a:latin typeface="+mn-lt"/>
+        <a:ea typeface="+mn-ea"/>
+        <a:cs typeface="+mn-cs"/>
+      </a:defRPr>
+    </a:lvl4pPr>
+    <a:lvl5pPr marL="1828800" algn="l" defTabSz="914400" rtl="0" eaLnBrk="1" latinLnBrk="0" hangingPunct="1">
+      <a:defRPr sz="1200" kern="1200">
+        <a:solidFill>
+          <a:schemeClr val="tx1"/>
+        </a:solidFill>
+        <a:latin typeface="+mn-lt"/>
+        <a:ea typeface="+mn-ea"/>
+        <a:cs typeface="+mn-cs"/>
+      </a:defRPr>
+    </a:lvl5pPr>
+    <a:lvl6pPr marL="2286000" algn="l" defTabSz="914400" rtl="0" eaLnBrk="1" latinLnBrk="0" hangingPunct="1">
+      <a:defRPr sz="1200" kern="1200">
+        <a:solidFill>
+          <a:schemeClr val="tx1"/>
+        </a:solidFill>
+        <a:latin typeface="+mn-lt"/>
+        <a:ea typeface="+mn-ea"/>
+        <a:cs typeface="+mn-cs"/>
+      </a:defRPr>
+    </a:lvl6pPr>
+    <a:lvl7pPr marL="2743200" algn="l" defTabSz="914400" rtl="0" eaLnBrk="1" latinLnBrk="0" hangingPunct="1">
+      <a:defRPr sz="1200" kern="1200">
+        <a:solidFill>
+          <a:schemeClr val="tx1"/>
+        </a:solidFill>
+        <a:latin typeface="+mn-lt"/>
+        <a:ea typeface="+mn-ea"/>
+        <a:cs typeface="+mn-cs"/>
+      </a:defRPr>
+    </a:lvl7pPr>
+    <a:lvl8pPr marL="3200400" algn="l" defTabSz="914400" rtl="0" eaLnBrk="1" latinLnBrk="0" hangingPunct="1">
+      <a:defRPr sz="1200" kern="1200">
+        <a:solidFill>
+          <a:schemeClr val="tx1"/>
+        </a:solidFill>
+        <a:latin typeface="+mn-lt"/>
+        <a:ea typeface="+mn-ea"/>
+        <a:cs typeface="+mn-cs"/>
+      </a:defRPr>
+    </a:lvl8pPr>
+    <a:lvl9pPr marL="3657600" algn="l" defTabSz="914400" rtl="0" eaLnBrk="1" latinLnBrk="0" hangingPunct="1">
+      <a:defRPr sz="1200" kern="1200">
+        <a:solidFill>
+          <a:schemeClr val="tx1"/>
+        </a:solidFill>
+        <a:latin typeface="+mn-lt"/>
+        <a:ea typeface="+mn-ea"/>
+        <a:cs typeface="+mn-cs"/>
+      </a:defRPr>
+    </a:lvl9pPr>
+  </p:notesStyle>
+</p:notesMaster>
 </file>
 
 <file path=ppt/slideLayouts/slideLayout1.xml><?xml version="1.0" encoding="utf-8"?>
@@ -123,13 +2566,7 @@
       </p:grpSpPr>
       <p:sp>
         <p:nvSpPr>
-          <p:cNvPr id="2" name="Title 1">
-            <a:extLst>
-              <a:ext uri="{FF2B5EF4-FFF2-40B4-BE49-F238E27FC236}">
-                <a16:creationId xmlns:a16="http://schemas.microsoft.com/office/drawing/2014/main" id="{4F99672B-BD60-9D09-645E-02CD583AC8FC}"/>
-              </a:ext>
-            </a:extLst>
-          </p:cNvPr>
+          <p:cNvPr id="2" name="Title 1"/>
           <p:cNvSpPr>
             <a:spLocks noGrp="1"/>
           </p:cNvSpPr>
@@ -139,35 +2576,24 @@
         </p:nvSpPr>
         <p:spPr>
           <a:xfrm>
-            <a:off x="1524000" y="1122363"/>
-            <a:ext cx="9144000" cy="2387600"/>
+            <a:off x="685800" y="2130425"/>
+            <a:ext cx="7772400" cy="1470025"/>
           </a:xfrm>
         </p:spPr>
         <p:txBody>
-          <a:bodyPr anchor="b"/>
-          <a:lstStyle>
-            <a:lvl1pPr algn="ctr">
-              <a:defRPr sz="6000"/>
-            </a:lvl1pPr>
-          </a:lstStyle>
+          <a:bodyPr/>
+          <a:lstStyle/>
           <a:p>
             <a:r>
               <a:rPr lang="en-US"/>
               <a:t>Click to edit Master title style</a:t>
             </a:r>
-            <a:endParaRPr lang="en-AU"/>
-          </a:p>
-        </p:txBody>
-      </p:sp>
-      <p:sp>
-        <p:nvSpPr>
-          <p:cNvPr id="3" name="Subtitle 2">
-            <a:extLst>
-              <a:ext uri="{FF2B5EF4-FFF2-40B4-BE49-F238E27FC236}">
-                <a16:creationId xmlns:a16="http://schemas.microsoft.com/office/drawing/2014/main" id="{12DC810B-BF80-D929-B218-CF9BBEE80377}"/>
-              </a:ext>
-            </a:extLst>
-          </p:cNvPr>
+          </a:p>
+        </p:txBody>
+      </p:sp>
+      <p:sp>
+        <p:nvSpPr>
+          <p:cNvPr id="3" name="Subtitle 2"/>
           <p:cNvSpPr>
             <a:spLocks noGrp="1"/>
           </p:cNvSpPr>
@@ -177,8 +2603,8 @@
         </p:nvSpPr>
         <p:spPr>
           <a:xfrm>
-            <a:off x="1524000" y="3602038"/>
-            <a:ext cx="9144000" cy="1655762"/>
+            <a:off x="1371600" y="3886200"/>
+            <a:ext cx="6400800" cy="1752600"/>
           </a:xfrm>
         </p:spPr>
         <p:txBody>
@@ -186,39 +2612,93 @@
           <a:lstStyle>
             <a:lvl1pPr marL="0" indent="0" algn="ctr">
               <a:buNone/>
-              <a:defRPr sz="2400"/>
+              <a:defRPr>
+                <a:solidFill>
+                  <a:schemeClr val="tx1">
+                    <a:tint val="75000"/>
+                  </a:schemeClr>
+                </a:solidFill>
+              </a:defRPr>
             </a:lvl1pPr>
             <a:lvl2pPr marL="457200" indent="0" algn="ctr">
               <a:buNone/>
-              <a:defRPr sz="2000"/>
+              <a:defRPr>
+                <a:solidFill>
+                  <a:schemeClr val="tx1">
+                    <a:tint val="75000"/>
+                  </a:schemeClr>
+                </a:solidFill>
+              </a:defRPr>
             </a:lvl2pPr>
             <a:lvl3pPr marL="914400" indent="0" algn="ctr">
               <a:buNone/>
-              <a:defRPr sz="1800"/>
+              <a:defRPr>
+                <a:solidFill>
+                  <a:schemeClr val="tx1">
+                    <a:tint val="75000"/>
+                  </a:schemeClr>
+                </a:solidFill>
+              </a:defRPr>
             </a:lvl3pPr>
             <a:lvl4pPr marL="1371600" indent="0" algn="ctr">
               <a:buNone/>
-              <a:defRPr sz="1600"/>
+              <a:defRPr>
+                <a:solidFill>
+                  <a:schemeClr val="tx1">
+                    <a:tint val="75000"/>
+                  </a:schemeClr>
+                </a:solidFill>
+              </a:defRPr>
             </a:lvl4pPr>
             <a:lvl5pPr marL="1828800" indent="0" algn="ctr">
               <a:buNone/>
-              <a:defRPr sz="1600"/>
+              <a:defRPr>
+                <a:solidFill>
+                  <a:schemeClr val="tx1">
+                    <a:tint val="75000"/>
+                  </a:schemeClr>
+                </a:solidFill>
+              </a:defRPr>
             </a:lvl5pPr>
             <a:lvl6pPr marL="2286000" indent="0" algn="ctr">
               <a:buNone/>
-              <a:defRPr sz="1600"/>
+              <a:defRPr>
+                <a:solidFill>
+                  <a:schemeClr val="tx1">
+                    <a:tint val="75000"/>
+                  </a:schemeClr>
+                </a:solidFill>
+              </a:defRPr>
             </a:lvl6pPr>
             <a:lvl7pPr marL="2743200" indent="0" algn="ctr">
               <a:buNone/>
-              <a:defRPr sz="1600"/>
+              <a:defRPr>
+                <a:solidFill>
+                  <a:schemeClr val="tx1">
+                    <a:tint val="75000"/>
+                  </a:schemeClr>
+                </a:solidFill>
+              </a:defRPr>
             </a:lvl7pPr>
             <a:lvl8pPr marL="3200400" indent="0" algn="ctr">
               <a:buNone/>
-              <a:defRPr sz="1600"/>
+              <a:defRPr>
+                <a:solidFill>
+                  <a:schemeClr val="tx1">
+                    <a:tint val="75000"/>
+                  </a:schemeClr>
+                </a:solidFill>
+              </a:defRPr>
             </a:lvl8pPr>
             <a:lvl9pPr marL="3657600" indent="0" algn="ctr">
               <a:buNone/>
-              <a:defRPr sz="1600"/>
+              <a:defRPr>
+                <a:solidFill>
+                  <a:schemeClr val="tx1">
+                    <a:tint val="75000"/>
+                  </a:schemeClr>
+                </a:solidFill>
+              </a:defRPr>
             </a:lvl9pPr>
           </a:lstStyle>
           <a:p>
@@ -226,19 +2706,12 @@
               <a:rPr lang="en-US"/>
               <a:t>Click to edit Master subtitle style</a:t>
             </a:r>
-            <a:endParaRPr lang="en-AU"/>
-          </a:p>
-        </p:txBody>
-      </p:sp>
-      <p:sp>
-        <p:nvSpPr>
-          <p:cNvPr id="4" name="Date Placeholder 3">
-            <a:extLst>
-              <a:ext uri="{FF2B5EF4-FFF2-40B4-BE49-F238E27FC236}">
-                <a16:creationId xmlns:a16="http://schemas.microsoft.com/office/drawing/2014/main" id="{86D3C45E-58A0-1BC4-DA79-1052A152D170}"/>
-              </a:ext>
-            </a:extLst>
-          </p:cNvPr>
+          </a:p>
+        </p:txBody>
+      </p:sp>
+      <p:sp>
+        <p:nvSpPr>
+          <p:cNvPr id="4" name="Date Placeholder 3"/>
           <p:cNvSpPr>
             <a:spLocks noGrp="1"/>
           </p:cNvSpPr>
@@ -251,23 +2724,18 @@
           <a:bodyPr/>
           <a:lstStyle/>
           <a:p>
-            <a:fld id="{26AB912F-6D14-4A84-9CE2-7AEFFC63FC83}" type="datetimeFigureOut">
-              <a:rPr lang="en-AU" smtClean="0"/>
-              <a:t>7/07/2025</a:t>
+            <a:fld id="{1D8BD707-D9CF-40AE-B4C6-C98DA3205C09}" type="datetimeFigureOut">
+              <a:rPr lang="en-US" smtClean="0"/>
+              <a:pPr/>
+              <a:t>8/30/2025</a:t>
             </a:fld>
-            <a:endParaRPr lang="en-AU"/>
-          </a:p>
-        </p:txBody>
-      </p:sp>
-      <p:sp>
-        <p:nvSpPr>
-          <p:cNvPr id="5" name="Footer Placeholder 4">
-            <a:extLst>
-              <a:ext uri="{FF2B5EF4-FFF2-40B4-BE49-F238E27FC236}">
-                <a16:creationId xmlns:a16="http://schemas.microsoft.com/office/drawing/2014/main" id="{CE2D86C8-6DD7-23DF-E337-968300521D73}"/>
-              </a:ext>
-            </a:extLst>
-          </p:cNvPr>
+            <a:endParaRPr lang="en-US"/>
+          </a:p>
+        </p:txBody>
+      </p:sp>
+      <p:sp>
+        <p:nvSpPr>
+          <p:cNvPr id="5" name="Footer Placeholder 4"/>
           <p:cNvSpPr>
             <a:spLocks noGrp="1"/>
           </p:cNvSpPr>
@@ -280,19 +2748,13 @@
           <a:bodyPr/>
           <a:lstStyle/>
           <a:p>
-            <a:endParaRPr lang="en-AU"/>
-          </a:p>
-        </p:txBody>
-      </p:sp>
-      <p:sp>
-        <p:nvSpPr>
-          <p:cNvPr id="6" name="Slide Number Placeholder 5">
-            <a:extLst>
-              <a:ext uri="{FF2B5EF4-FFF2-40B4-BE49-F238E27FC236}">
-                <a16:creationId xmlns:a16="http://schemas.microsoft.com/office/drawing/2014/main" id="{4401781C-E583-346B-6916-E2B4093A90A7}"/>
-              </a:ext>
-            </a:extLst>
-          </p:cNvPr>
+            <a:endParaRPr lang="en-US"/>
+          </a:p>
+        </p:txBody>
+      </p:sp>
+      <p:sp>
+        <p:nvSpPr>
+          <p:cNvPr id="6" name="Slide Number Placeholder 5"/>
           <p:cNvSpPr>
             <a:spLocks noGrp="1"/>
           </p:cNvSpPr>
@@ -305,20 +2767,16 @@
           <a:bodyPr/>
           <a:lstStyle/>
           <a:p>
-            <a:fld id="{BCCD1874-5385-43E5-AB73-BDEDB06FD157}" type="slidenum">
-              <a:rPr lang="en-AU" smtClean="0"/>
+            <a:fld id="{B6F15528-21DE-4FAA-801E-634DDDAF4B2B}" type="slidenum">
+              <a:rPr lang="en-US" smtClean="0"/>
+              <a:pPr/>
               <a:t>‹#›</a:t>
             </a:fld>
-            <a:endParaRPr lang="en-AU"/>
+            <a:endParaRPr lang="en-US"/>
           </a:p>
         </p:txBody>
       </p:sp>
     </p:spTree>
-    <p:extLst>
-      <p:ext uri="{BB962C8B-B14F-4D97-AF65-F5344CB8AC3E}">
-        <p14:creationId xmlns:p14="http://schemas.microsoft.com/office/powerpoint/2010/main" val="3031096633"/>
-      </p:ext>
-    </p:extLst>
   </p:cSld>
   <p:clrMapOvr>
     <a:masterClrMapping/>
@@ -345,13 +2803,7 @@
       </p:grpSpPr>
       <p:sp>
         <p:nvSpPr>
-          <p:cNvPr id="2" name="Title 1">
-            <a:extLst>
-              <a:ext uri="{FF2B5EF4-FFF2-40B4-BE49-F238E27FC236}">
-                <a16:creationId xmlns:a16="http://schemas.microsoft.com/office/drawing/2014/main" id="{5EFB09E8-FC72-F598-DC4C-A15FFF80650B}"/>
-              </a:ext>
-            </a:extLst>
-          </p:cNvPr>
+          <p:cNvPr id="2" name="Title 1"/>
           <p:cNvSpPr>
             <a:spLocks noGrp="1"/>
           </p:cNvSpPr>
@@ -368,19 +2820,12 @@
               <a:rPr lang="en-US"/>
               <a:t>Click to edit Master title style</a:t>
             </a:r>
-            <a:endParaRPr lang="en-AU"/>
-          </a:p>
-        </p:txBody>
-      </p:sp>
-      <p:sp>
-        <p:nvSpPr>
-          <p:cNvPr id="3" name="Vertical Text Placeholder 2">
-            <a:extLst>
-              <a:ext uri="{FF2B5EF4-FFF2-40B4-BE49-F238E27FC236}">
-                <a16:creationId xmlns:a16="http://schemas.microsoft.com/office/drawing/2014/main" id="{036EB8D1-3501-455E-B233-435621026923}"/>
-              </a:ext>
-            </a:extLst>
-          </p:cNvPr>
+          </a:p>
+        </p:txBody>
+      </p:sp>
+      <p:sp>
+        <p:nvSpPr>
+          <p:cNvPr id="3" name="Vertical Text Placeholder 2"/>
           <p:cNvSpPr>
             <a:spLocks noGrp="1"/>
           </p:cNvSpPr>
@@ -426,19 +2871,12 @@
               <a:rPr lang="en-US"/>
               <a:t>Fifth level</a:t>
             </a:r>
-            <a:endParaRPr lang="en-AU"/>
-          </a:p>
-        </p:txBody>
-      </p:sp>
-      <p:sp>
-        <p:nvSpPr>
-          <p:cNvPr id="4" name="Date Placeholder 3">
-            <a:extLst>
-              <a:ext uri="{FF2B5EF4-FFF2-40B4-BE49-F238E27FC236}">
-                <a16:creationId xmlns:a16="http://schemas.microsoft.com/office/drawing/2014/main" id="{116E0A69-B192-4B40-46CD-E0531D0DFFD8}"/>
-              </a:ext>
-            </a:extLst>
-          </p:cNvPr>
+          </a:p>
+        </p:txBody>
+      </p:sp>
+      <p:sp>
+        <p:nvSpPr>
+          <p:cNvPr id="4" name="Date Placeholder 3"/>
           <p:cNvSpPr>
             <a:spLocks noGrp="1"/>
           </p:cNvSpPr>
@@ -451,23 +2889,18 @@
           <a:bodyPr/>
           <a:lstStyle/>
           <a:p>
-            <a:fld id="{26AB912F-6D14-4A84-9CE2-7AEFFC63FC83}" type="datetimeFigureOut">
-              <a:rPr lang="en-AU" smtClean="0"/>
-              <a:t>7/07/2025</a:t>
+            <a:fld id="{1D8BD707-D9CF-40AE-B4C6-C98DA3205C09}" type="datetimeFigureOut">
+              <a:rPr lang="en-US" smtClean="0"/>
+              <a:pPr/>
+              <a:t>8/30/2025</a:t>
             </a:fld>
-            <a:endParaRPr lang="en-AU"/>
-          </a:p>
-        </p:txBody>
-      </p:sp>
-      <p:sp>
-        <p:nvSpPr>
-          <p:cNvPr id="5" name="Footer Placeholder 4">
-            <a:extLst>
-              <a:ext uri="{FF2B5EF4-FFF2-40B4-BE49-F238E27FC236}">
-                <a16:creationId xmlns:a16="http://schemas.microsoft.com/office/drawing/2014/main" id="{82234230-8ED8-40D1-F07D-7D637DA6757A}"/>
-              </a:ext>
-            </a:extLst>
-          </p:cNvPr>
+            <a:endParaRPr lang="en-US"/>
+          </a:p>
+        </p:txBody>
+      </p:sp>
+      <p:sp>
+        <p:nvSpPr>
+          <p:cNvPr id="5" name="Footer Placeholder 4"/>
           <p:cNvSpPr>
             <a:spLocks noGrp="1"/>
           </p:cNvSpPr>
@@ -480,19 +2913,13 @@
           <a:bodyPr/>
           <a:lstStyle/>
           <a:p>
-            <a:endParaRPr lang="en-AU"/>
-          </a:p>
-        </p:txBody>
-      </p:sp>
-      <p:sp>
-        <p:nvSpPr>
-          <p:cNvPr id="6" name="Slide Number Placeholder 5">
-            <a:extLst>
-              <a:ext uri="{FF2B5EF4-FFF2-40B4-BE49-F238E27FC236}">
-                <a16:creationId xmlns:a16="http://schemas.microsoft.com/office/drawing/2014/main" id="{2E3D76B5-5525-B834-2DF0-7A3F862B9D72}"/>
-              </a:ext>
-            </a:extLst>
-          </p:cNvPr>
+            <a:endParaRPr lang="en-US"/>
+          </a:p>
+        </p:txBody>
+      </p:sp>
+      <p:sp>
+        <p:nvSpPr>
+          <p:cNvPr id="6" name="Slide Number Placeholder 5"/>
           <p:cNvSpPr>
             <a:spLocks noGrp="1"/>
           </p:cNvSpPr>
@@ -505,20 +2932,16 @@
           <a:bodyPr/>
           <a:lstStyle/>
           <a:p>
-            <a:fld id="{BCCD1874-5385-43E5-AB73-BDEDB06FD157}" type="slidenum">
-              <a:rPr lang="en-AU" smtClean="0"/>
+            <a:fld id="{B6F15528-21DE-4FAA-801E-634DDDAF4B2B}" type="slidenum">
+              <a:rPr lang="en-US" smtClean="0"/>
+              <a:pPr/>
               <a:t>‹#›</a:t>
             </a:fld>
-            <a:endParaRPr lang="en-AU"/>
+            <a:endParaRPr lang="en-US"/>
           </a:p>
         </p:txBody>
       </p:sp>
     </p:spTree>
-    <p:extLst>
-      <p:ext uri="{BB962C8B-B14F-4D97-AF65-F5344CB8AC3E}">
-        <p14:creationId xmlns:p14="http://schemas.microsoft.com/office/powerpoint/2010/main" val="2735607734"/>
-      </p:ext>
-    </p:extLst>
   </p:cSld>
   <p:clrMapOvr>
     <a:masterClrMapping/>
@@ -545,13 +2968,7 @@
       </p:grpSpPr>
       <p:sp>
         <p:nvSpPr>
-          <p:cNvPr id="2" name="Vertical Title 1">
-            <a:extLst>
-              <a:ext uri="{FF2B5EF4-FFF2-40B4-BE49-F238E27FC236}">
-                <a16:creationId xmlns:a16="http://schemas.microsoft.com/office/drawing/2014/main" id="{0DDAFD63-9D41-A53C-E565-99A340012AA4}"/>
-              </a:ext>
-            </a:extLst>
-          </p:cNvPr>
+          <p:cNvPr id="2" name="Vertical Title 1"/>
           <p:cNvSpPr>
             <a:spLocks noGrp="1"/>
           </p:cNvSpPr>
@@ -561,8 +2978,8 @@
         </p:nvSpPr>
         <p:spPr>
           <a:xfrm>
-            <a:off x="8724900" y="365125"/>
-            <a:ext cx="2628900" cy="5811838"/>
+            <a:off x="6629400" y="274638"/>
+            <a:ext cx="2057400" cy="5851525"/>
           </a:xfrm>
         </p:spPr>
         <p:txBody>
@@ -573,19 +2990,12 @@
               <a:rPr lang="en-US"/>
               <a:t>Click to edit Master title style</a:t>
             </a:r>
-            <a:endParaRPr lang="en-AU"/>
-          </a:p>
-        </p:txBody>
-      </p:sp>
-      <p:sp>
-        <p:nvSpPr>
-          <p:cNvPr id="3" name="Vertical Text Placeholder 2">
-            <a:extLst>
-              <a:ext uri="{FF2B5EF4-FFF2-40B4-BE49-F238E27FC236}">
-                <a16:creationId xmlns:a16="http://schemas.microsoft.com/office/drawing/2014/main" id="{5D1EC807-E264-15AC-CF9B-0047112D233D}"/>
-              </a:ext>
-            </a:extLst>
-          </p:cNvPr>
+          </a:p>
+        </p:txBody>
+      </p:sp>
+      <p:sp>
+        <p:nvSpPr>
+          <p:cNvPr id="3" name="Vertical Text Placeholder 2"/>
           <p:cNvSpPr>
             <a:spLocks noGrp="1"/>
           </p:cNvSpPr>
@@ -595,8 +3005,8 @@
         </p:nvSpPr>
         <p:spPr>
           <a:xfrm>
-            <a:off x="838200" y="365125"/>
-            <a:ext cx="7734300" cy="5811838"/>
+            <a:off x="457200" y="274638"/>
+            <a:ext cx="6019800" cy="5851525"/>
           </a:xfrm>
         </p:spPr>
         <p:txBody>
@@ -636,19 +3046,12 @@
               <a:rPr lang="en-US"/>
               <a:t>Fifth level</a:t>
             </a:r>
-            <a:endParaRPr lang="en-AU"/>
-          </a:p>
-        </p:txBody>
-      </p:sp>
-      <p:sp>
-        <p:nvSpPr>
-          <p:cNvPr id="4" name="Date Placeholder 3">
-            <a:extLst>
-              <a:ext uri="{FF2B5EF4-FFF2-40B4-BE49-F238E27FC236}">
-                <a16:creationId xmlns:a16="http://schemas.microsoft.com/office/drawing/2014/main" id="{B2428D8D-C314-9F2B-F036-B27EDDCD8C41}"/>
-              </a:ext>
-            </a:extLst>
-          </p:cNvPr>
+          </a:p>
+        </p:txBody>
+      </p:sp>
+      <p:sp>
+        <p:nvSpPr>
+          <p:cNvPr id="4" name="Date Placeholder 3"/>
           <p:cNvSpPr>
             <a:spLocks noGrp="1"/>
           </p:cNvSpPr>
@@ -661,23 +3064,18 @@
           <a:bodyPr/>
           <a:lstStyle/>
           <a:p>
-            <a:fld id="{26AB912F-6D14-4A84-9CE2-7AEFFC63FC83}" type="datetimeFigureOut">
-              <a:rPr lang="en-AU" smtClean="0"/>
-              <a:t>7/07/2025</a:t>
+            <a:fld id="{1D8BD707-D9CF-40AE-B4C6-C98DA3205C09}" type="datetimeFigureOut">
+              <a:rPr lang="en-US" smtClean="0"/>
+              <a:pPr/>
+              <a:t>8/30/2025</a:t>
             </a:fld>
-            <a:endParaRPr lang="en-AU"/>
-          </a:p>
-        </p:txBody>
-      </p:sp>
-      <p:sp>
-        <p:nvSpPr>
-          <p:cNvPr id="5" name="Footer Placeholder 4">
-            <a:extLst>
-              <a:ext uri="{FF2B5EF4-FFF2-40B4-BE49-F238E27FC236}">
-                <a16:creationId xmlns:a16="http://schemas.microsoft.com/office/drawing/2014/main" id="{2130D63C-CAF0-FA6E-4CAC-571AE4F43B57}"/>
-              </a:ext>
-            </a:extLst>
-          </p:cNvPr>
+            <a:endParaRPr lang="en-US"/>
+          </a:p>
+        </p:txBody>
+      </p:sp>
+      <p:sp>
+        <p:nvSpPr>
+          <p:cNvPr id="5" name="Footer Placeholder 4"/>
           <p:cNvSpPr>
             <a:spLocks noGrp="1"/>
           </p:cNvSpPr>
@@ -690,19 +3088,13 @@
           <a:bodyPr/>
           <a:lstStyle/>
           <a:p>
-            <a:endParaRPr lang="en-AU"/>
-          </a:p>
-        </p:txBody>
-      </p:sp>
-      <p:sp>
-        <p:nvSpPr>
-          <p:cNvPr id="6" name="Slide Number Placeholder 5">
-            <a:extLst>
-              <a:ext uri="{FF2B5EF4-FFF2-40B4-BE49-F238E27FC236}">
-                <a16:creationId xmlns:a16="http://schemas.microsoft.com/office/drawing/2014/main" id="{A3E447D8-A5D9-4044-290D-C731157EDA2A}"/>
-              </a:ext>
-            </a:extLst>
-          </p:cNvPr>
+            <a:endParaRPr lang="en-US"/>
+          </a:p>
+        </p:txBody>
+      </p:sp>
+      <p:sp>
+        <p:nvSpPr>
+          <p:cNvPr id="6" name="Slide Number Placeholder 5"/>
           <p:cNvSpPr>
             <a:spLocks noGrp="1"/>
           </p:cNvSpPr>
@@ -715,20 +3107,16 @@
           <a:bodyPr/>
           <a:lstStyle/>
           <a:p>
-            <a:fld id="{BCCD1874-5385-43E5-AB73-BDEDB06FD157}" type="slidenum">
-              <a:rPr lang="en-AU" smtClean="0"/>
+            <a:fld id="{B6F15528-21DE-4FAA-801E-634DDDAF4B2B}" type="slidenum">
+              <a:rPr lang="en-US" smtClean="0"/>
+              <a:pPr/>
               <a:t>‹#›</a:t>
             </a:fld>
-            <a:endParaRPr lang="en-AU"/>
+            <a:endParaRPr lang="en-US"/>
           </a:p>
         </p:txBody>
       </p:sp>
     </p:spTree>
-    <p:extLst>
-      <p:ext uri="{BB962C8B-B14F-4D97-AF65-F5344CB8AC3E}">
-        <p14:creationId xmlns:p14="http://schemas.microsoft.com/office/powerpoint/2010/main" val="1983187353"/>
-      </p:ext>
-    </p:extLst>
   </p:cSld>
   <p:clrMapOvr>
     <a:masterClrMapping/>
@@ -755,13 +3143,7 @@
       </p:grpSpPr>
       <p:sp>
         <p:nvSpPr>
-          <p:cNvPr id="2" name="Title 1">
-            <a:extLst>
-              <a:ext uri="{FF2B5EF4-FFF2-40B4-BE49-F238E27FC236}">
-                <a16:creationId xmlns:a16="http://schemas.microsoft.com/office/drawing/2014/main" id="{4EBA79B3-37C5-9A3D-94EA-0EE9D0939832}"/>
-              </a:ext>
-            </a:extLst>
-          </p:cNvPr>
+          <p:cNvPr id="2" name="Title 1"/>
           <p:cNvSpPr>
             <a:spLocks noGrp="1"/>
           </p:cNvSpPr>
@@ -778,19 +3160,12 @@
               <a:rPr lang="en-US"/>
               <a:t>Click to edit Master title style</a:t>
             </a:r>
-            <a:endParaRPr lang="en-AU"/>
-          </a:p>
-        </p:txBody>
-      </p:sp>
-      <p:sp>
-        <p:nvSpPr>
-          <p:cNvPr id="3" name="Content Placeholder 2">
-            <a:extLst>
-              <a:ext uri="{FF2B5EF4-FFF2-40B4-BE49-F238E27FC236}">
-                <a16:creationId xmlns:a16="http://schemas.microsoft.com/office/drawing/2014/main" id="{1256F87D-487A-2734-5B9C-37992D8266DB}"/>
-              </a:ext>
-            </a:extLst>
-          </p:cNvPr>
+          </a:p>
+        </p:txBody>
+      </p:sp>
+      <p:sp>
+        <p:nvSpPr>
+          <p:cNvPr id="3" name="Content Placeholder 2"/>
           <p:cNvSpPr>
             <a:spLocks noGrp="1"/>
           </p:cNvSpPr>
@@ -836,19 +3211,12 @@
               <a:rPr lang="en-US"/>
               <a:t>Fifth level</a:t>
             </a:r>
-            <a:endParaRPr lang="en-AU"/>
-          </a:p>
-        </p:txBody>
-      </p:sp>
-      <p:sp>
-        <p:nvSpPr>
-          <p:cNvPr id="4" name="Date Placeholder 3">
-            <a:extLst>
-              <a:ext uri="{FF2B5EF4-FFF2-40B4-BE49-F238E27FC236}">
-                <a16:creationId xmlns:a16="http://schemas.microsoft.com/office/drawing/2014/main" id="{7D4CE308-CF5F-6445-9F5A-061AA4C25BC1}"/>
-              </a:ext>
-            </a:extLst>
-          </p:cNvPr>
+          </a:p>
+        </p:txBody>
+      </p:sp>
+      <p:sp>
+        <p:nvSpPr>
+          <p:cNvPr id="4" name="Date Placeholder 3"/>
           <p:cNvSpPr>
             <a:spLocks noGrp="1"/>
           </p:cNvSpPr>
@@ -861,23 +3229,18 @@
           <a:bodyPr/>
           <a:lstStyle/>
           <a:p>
-            <a:fld id="{26AB912F-6D14-4A84-9CE2-7AEFFC63FC83}" type="datetimeFigureOut">
-              <a:rPr lang="en-AU" smtClean="0"/>
-              <a:t>7/07/2025</a:t>
+            <a:fld id="{1D8BD707-D9CF-40AE-B4C6-C98DA3205C09}" type="datetimeFigureOut">
+              <a:rPr lang="en-US" smtClean="0"/>
+              <a:pPr/>
+              <a:t>8/30/2025</a:t>
             </a:fld>
-            <a:endParaRPr lang="en-AU"/>
-          </a:p>
-        </p:txBody>
-      </p:sp>
-      <p:sp>
-        <p:nvSpPr>
-          <p:cNvPr id="5" name="Footer Placeholder 4">
-            <a:extLst>
-              <a:ext uri="{FF2B5EF4-FFF2-40B4-BE49-F238E27FC236}">
-                <a16:creationId xmlns:a16="http://schemas.microsoft.com/office/drawing/2014/main" id="{38D9BCB3-F66C-175C-BFCD-BEE490E78CF5}"/>
-              </a:ext>
-            </a:extLst>
-          </p:cNvPr>
+            <a:endParaRPr lang="en-US"/>
+          </a:p>
+        </p:txBody>
+      </p:sp>
+      <p:sp>
+        <p:nvSpPr>
+          <p:cNvPr id="5" name="Footer Placeholder 4"/>
           <p:cNvSpPr>
             <a:spLocks noGrp="1"/>
           </p:cNvSpPr>
@@ -890,19 +3253,13 @@
           <a:bodyPr/>
           <a:lstStyle/>
           <a:p>
-            <a:endParaRPr lang="en-AU"/>
-          </a:p>
-        </p:txBody>
-      </p:sp>
-      <p:sp>
-        <p:nvSpPr>
-          <p:cNvPr id="6" name="Slide Number Placeholder 5">
-            <a:extLst>
-              <a:ext uri="{FF2B5EF4-FFF2-40B4-BE49-F238E27FC236}">
-                <a16:creationId xmlns:a16="http://schemas.microsoft.com/office/drawing/2014/main" id="{53E9906B-B2DC-08B5-41ED-F60E1B717292}"/>
-              </a:ext>
-            </a:extLst>
-          </p:cNvPr>
+            <a:endParaRPr lang="en-US"/>
+          </a:p>
+        </p:txBody>
+      </p:sp>
+      <p:sp>
+        <p:nvSpPr>
+          <p:cNvPr id="6" name="Slide Number Placeholder 5"/>
           <p:cNvSpPr>
             <a:spLocks noGrp="1"/>
           </p:cNvSpPr>
@@ -915,20 +3272,16 @@
           <a:bodyPr/>
           <a:lstStyle/>
           <a:p>
-            <a:fld id="{BCCD1874-5385-43E5-AB73-BDEDB06FD157}" type="slidenum">
-              <a:rPr lang="en-AU" smtClean="0"/>
+            <a:fld id="{B6F15528-21DE-4FAA-801E-634DDDAF4B2B}" type="slidenum">
+              <a:rPr lang="en-US" smtClean="0"/>
+              <a:pPr/>
               <a:t>‹#›</a:t>
             </a:fld>
-            <a:endParaRPr lang="en-AU"/>
+            <a:endParaRPr lang="en-US"/>
           </a:p>
         </p:txBody>
       </p:sp>
     </p:spTree>
-    <p:extLst>
-      <p:ext uri="{BB962C8B-B14F-4D97-AF65-F5344CB8AC3E}">
-        <p14:creationId xmlns:p14="http://schemas.microsoft.com/office/powerpoint/2010/main" val="1000325962"/>
-      </p:ext>
-    </p:extLst>
   </p:cSld>
   <p:clrMapOvr>
     <a:masterClrMapping/>
@@ -955,13 +3308,7 @@
       </p:grpSpPr>
       <p:sp>
         <p:nvSpPr>
-          <p:cNvPr id="2" name="Title 1">
-            <a:extLst>
-              <a:ext uri="{FF2B5EF4-FFF2-40B4-BE49-F238E27FC236}">
-                <a16:creationId xmlns:a16="http://schemas.microsoft.com/office/drawing/2014/main" id="{82B94EE5-8EA7-BA10-D650-3A415CADF202}"/>
-              </a:ext>
-            </a:extLst>
-          </p:cNvPr>
+          <p:cNvPr id="2" name="Title 1"/>
           <p:cNvSpPr>
             <a:spLocks noGrp="1"/>
           </p:cNvSpPr>
@@ -971,137 +3318,130 @@
         </p:nvSpPr>
         <p:spPr>
           <a:xfrm>
-            <a:off x="831850" y="1709738"/>
-            <a:ext cx="10515600" cy="2852737"/>
+            <a:off x="722313" y="4406900"/>
+            <a:ext cx="7772400" cy="1362075"/>
           </a:xfrm>
         </p:spPr>
         <p:txBody>
+          <a:bodyPr anchor="t"/>
+          <a:lstStyle>
+            <a:lvl1pPr algn="l">
+              <a:defRPr sz="4000" b="1" cap="all"/>
+            </a:lvl1pPr>
+          </a:lstStyle>
+          <a:p>
+            <a:r>
+              <a:rPr lang="en-US"/>
+              <a:t>Click to edit Master title style</a:t>
+            </a:r>
+          </a:p>
+        </p:txBody>
+      </p:sp>
+      <p:sp>
+        <p:nvSpPr>
+          <p:cNvPr id="3" name="Text Placeholder 2"/>
+          <p:cNvSpPr>
+            <a:spLocks noGrp="1"/>
+          </p:cNvSpPr>
+          <p:nvPr>
+            <p:ph type="body" idx="1"/>
+          </p:nvPr>
+        </p:nvSpPr>
+        <p:spPr>
+          <a:xfrm>
+            <a:off x="722313" y="2906713"/>
+            <a:ext cx="7772400" cy="1500187"/>
+          </a:xfrm>
+        </p:spPr>
+        <p:txBody>
           <a:bodyPr anchor="b"/>
           <a:lstStyle>
-            <a:lvl1pPr>
-              <a:defRPr sz="6000"/>
-            </a:lvl1pPr>
-          </a:lstStyle>
-          <a:p>
-            <a:r>
-              <a:rPr lang="en-US"/>
-              <a:t>Click to edit Master title style</a:t>
-            </a:r>
-            <a:endParaRPr lang="en-AU"/>
-          </a:p>
-        </p:txBody>
-      </p:sp>
-      <p:sp>
-        <p:nvSpPr>
-          <p:cNvPr id="3" name="Text Placeholder 2">
-            <a:extLst>
-              <a:ext uri="{FF2B5EF4-FFF2-40B4-BE49-F238E27FC236}">
-                <a16:creationId xmlns:a16="http://schemas.microsoft.com/office/drawing/2014/main" id="{FA9E5EC4-2640-B909-5437-3CD855143B16}"/>
-              </a:ext>
-            </a:extLst>
-          </p:cNvPr>
-          <p:cNvSpPr>
-            <a:spLocks noGrp="1"/>
-          </p:cNvSpPr>
-          <p:nvPr>
-            <p:ph type="body" idx="1"/>
-          </p:nvPr>
-        </p:nvSpPr>
-        <p:spPr>
-          <a:xfrm>
-            <a:off x="831850" y="4589463"/>
-            <a:ext cx="10515600" cy="1500187"/>
-          </a:xfrm>
-        </p:spPr>
-        <p:txBody>
-          <a:bodyPr/>
-          <a:lstStyle>
             <a:lvl1pPr marL="0" indent="0">
               <a:buNone/>
-              <a:defRPr sz="2400">
+              <a:defRPr sz="2000">
                 <a:solidFill>
                   <a:schemeClr val="tx1">
-                    <a:tint val="82000"/>
+                    <a:tint val="75000"/>
                   </a:schemeClr>
                 </a:solidFill>
               </a:defRPr>
             </a:lvl1pPr>
             <a:lvl2pPr marL="457200" indent="0">
               <a:buNone/>
-              <a:defRPr sz="2000">
+              <a:defRPr sz="1800">
                 <a:solidFill>
                   <a:schemeClr val="tx1">
-                    <a:tint val="82000"/>
+                    <a:tint val="75000"/>
                   </a:schemeClr>
                 </a:solidFill>
               </a:defRPr>
             </a:lvl2pPr>
             <a:lvl3pPr marL="914400" indent="0">
               <a:buNone/>
-              <a:defRPr sz="1800">
+              <a:defRPr sz="1600">
                 <a:solidFill>
                   <a:schemeClr val="tx1">
-                    <a:tint val="82000"/>
+                    <a:tint val="75000"/>
                   </a:schemeClr>
                 </a:solidFill>
               </a:defRPr>
             </a:lvl3pPr>
             <a:lvl4pPr marL="1371600" indent="0">
               <a:buNone/>
-              <a:defRPr sz="1600">
+              <a:defRPr sz="1400">
                 <a:solidFill>
                   <a:schemeClr val="tx1">
-                    <a:tint val="82000"/>
+                    <a:tint val="75000"/>
                   </a:schemeClr>
                 </a:solidFill>
               </a:defRPr>
             </a:lvl4pPr>
             <a:lvl5pPr marL="1828800" indent="0">
               <a:buNone/>
-              <a:defRPr sz="1600">
+              <a:defRPr sz="1400">
                 <a:solidFill>
                   <a:schemeClr val="tx1">
-                    <a:tint val="82000"/>
+                    <a:tint val="75000"/>
                   </a:schemeClr>
                 </a:solidFill>
               </a:defRPr>
             </a:lvl5pPr>
             <a:lvl6pPr marL="2286000" indent="0">
               <a:buNone/>
-              <a:defRPr sz="1600">
+              <a:defRPr sz="1400">
                 <a:solidFill>
                   <a:schemeClr val="tx1">
-                    <a:tint val="82000"/>
+                    <a:tint val="75000"/>
                   </a:schemeClr>
                 </a:solidFill>
               </a:defRPr>
             </a:lvl6pPr>
             <a:lvl7pPr marL="2743200" indent="0">
               <a:buNone/>
-              <a:defRPr sz="1600">
+              <a:defRPr sz="1400">
                 <a:solidFill>
                   <a:schemeClr val="tx1">
-                    <a:tint val="82000"/>
+                    <a:tint val="75000"/>
                   </a:schemeClr>
                 </a:solidFill>
               </a:defRPr>
             </a:lvl7pPr>
             <a:lvl8pPr marL="3200400" indent="0">
               <a:buNone/>
-              <a:defRPr sz="1600">
+              <a:defRPr sz="1400">
                 <a:solidFill>
                   <a:schemeClr val="tx1">
-                    <a:tint val="82000"/>
+                    <a:tint val="75000"/>
                   </a:schemeClr>
                 </a:solidFill>
               </a:defRPr>
             </a:lvl8pPr>
             <a:lvl9pPr marL="3657600" indent="0">
               <a:buNone/>
-              <a:defRPr sz="1600">
+              <a:defRPr sz="1400">
                 <a:solidFill>
                   <a:schemeClr val="tx1">
-                    <a:tint val="82000"/>
+                    <a:tint val="75000"/>
                   </a:schemeClr>
                 </a:solidFill>
               </a:defRPr>
@@ -1118,13 +3458,7 @@
       </p:sp>
       <p:sp>
         <p:nvSpPr>
-          <p:cNvPr id="4" name="Date Placeholder 3">
-            <a:extLst>
-              <a:ext uri="{FF2B5EF4-FFF2-40B4-BE49-F238E27FC236}">
-                <a16:creationId xmlns:a16="http://schemas.microsoft.com/office/drawing/2014/main" id="{65EB4260-2254-B858-97CA-E539B39B5367}"/>
-              </a:ext>
-            </a:extLst>
-          </p:cNvPr>
+          <p:cNvPr id="4" name="Date Placeholder 3"/>
           <p:cNvSpPr>
             <a:spLocks noGrp="1"/>
           </p:cNvSpPr>
@@ -1137,23 +3471,18 @@
           <a:bodyPr/>
           <a:lstStyle/>
           <a:p>
-            <a:fld id="{26AB912F-6D14-4A84-9CE2-7AEFFC63FC83}" type="datetimeFigureOut">
-              <a:rPr lang="en-AU" smtClean="0"/>
-              <a:t>7/07/2025</a:t>
+            <a:fld id="{1D8BD707-D9CF-40AE-B4C6-C98DA3205C09}" type="datetimeFigureOut">
+              <a:rPr lang="en-US" smtClean="0"/>
+              <a:pPr/>
+              <a:t>8/30/2025</a:t>
             </a:fld>
-            <a:endParaRPr lang="en-AU"/>
-          </a:p>
-        </p:txBody>
-      </p:sp>
-      <p:sp>
-        <p:nvSpPr>
-          <p:cNvPr id="5" name="Footer Placeholder 4">
-            <a:extLst>
-              <a:ext uri="{FF2B5EF4-FFF2-40B4-BE49-F238E27FC236}">
-                <a16:creationId xmlns:a16="http://schemas.microsoft.com/office/drawing/2014/main" id="{8DEBD20B-954C-06C5-A281-4987783B0A76}"/>
-              </a:ext>
-            </a:extLst>
-          </p:cNvPr>
+            <a:endParaRPr lang="en-US"/>
+          </a:p>
+        </p:txBody>
+      </p:sp>
+      <p:sp>
+        <p:nvSpPr>
+          <p:cNvPr id="5" name="Footer Placeholder 4"/>
           <p:cNvSpPr>
             <a:spLocks noGrp="1"/>
           </p:cNvSpPr>
@@ -1166,19 +3495,13 @@
           <a:bodyPr/>
           <a:lstStyle/>
           <a:p>
-            <a:endParaRPr lang="en-AU"/>
-          </a:p>
-        </p:txBody>
-      </p:sp>
-      <p:sp>
-        <p:nvSpPr>
-          <p:cNvPr id="6" name="Slide Number Placeholder 5">
-            <a:extLst>
-              <a:ext uri="{FF2B5EF4-FFF2-40B4-BE49-F238E27FC236}">
-                <a16:creationId xmlns:a16="http://schemas.microsoft.com/office/drawing/2014/main" id="{A97B27C6-5971-B3F7-DAF0-9187E65F7EB6}"/>
-              </a:ext>
-            </a:extLst>
-          </p:cNvPr>
+            <a:endParaRPr lang="en-US"/>
+          </a:p>
+        </p:txBody>
+      </p:sp>
+      <p:sp>
+        <p:nvSpPr>
+          <p:cNvPr id="6" name="Slide Number Placeholder 5"/>
           <p:cNvSpPr>
             <a:spLocks noGrp="1"/>
           </p:cNvSpPr>
@@ -1191,20 +3514,16 @@
           <a:bodyPr/>
           <a:lstStyle/>
           <a:p>
-            <a:fld id="{BCCD1874-5385-43E5-AB73-BDEDB06FD157}" type="slidenum">
-              <a:rPr lang="en-AU" smtClean="0"/>
+            <a:fld id="{B6F15528-21DE-4FAA-801E-634DDDAF4B2B}" type="slidenum">
+              <a:rPr lang="en-US" smtClean="0"/>
+              <a:pPr/>
               <a:t>‹#›</a:t>
             </a:fld>
-            <a:endParaRPr lang="en-AU"/>
+            <a:endParaRPr lang="en-US"/>
           </a:p>
         </p:txBody>
       </p:sp>
     </p:spTree>
-    <p:extLst>
-      <p:ext uri="{BB962C8B-B14F-4D97-AF65-F5344CB8AC3E}">
-        <p14:creationId xmlns:p14="http://schemas.microsoft.com/office/powerpoint/2010/main" val="3645797768"/>
-      </p:ext>
-    </p:extLst>
   </p:cSld>
   <p:clrMapOvr>
     <a:masterClrMapping/>
@@ -1231,13 +3550,7 @@
       </p:grpSpPr>
       <p:sp>
         <p:nvSpPr>
-          <p:cNvPr id="2" name="Title 1">
-            <a:extLst>
-              <a:ext uri="{FF2B5EF4-FFF2-40B4-BE49-F238E27FC236}">
-                <a16:creationId xmlns:a16="http://schemas.microsoft.com/office/drawing/2014/main" id="{0628EE4B-D415-934D-54A8-69C83F8FDF64}"/>
-              </a:ext>
-            </a:extLst>
-          </p:cNvPr>
+          <p:cNvPr id="2" name="Title 1"/>
           <p:cNvSpPr>
             <a:spLocks noGrp="1"/>
           </p:cNvSpPr>
@@ -1254,19 +3567,12 @@
               <a:rPr lang="en-US"/>
               <a:t>Click to edit Master title style</a:t>
             </a:r>
-            <a:endParaRPr lang="en-AU"/>
-          </a:p>
-        </p:txBody>
-      </p:sp>
-      <p:sp>
-        <p:nvSpPr>
-          <p:cNvPr id="3" name="Content Placeholder 2">
-            <a:extLst>
-              <a:ext uri="{FF2B5EF4-FFF2-40B4-BE49-F238E27FC236}">
-                <a16:creationId xmlns:a16="http://schemas.microsoft.com/office/drawing/2014/main" id="{B336EEDB-B9BB-BD19-A868-B896A4F80002}"/>
-              </a:ext>
-            </a:extLst>
-          </p:cNvPr>
+          </a:p>
+        </p:txBody>
+      </p:sp>
+      <p:sp>
+        <p:nvSpPr>
+          <p:cNvPr id="3" name="Content Placeholder 2"/>
           <p:cNvSpPr>
             <a:spLocks noGrp="1"/>
           </p:cNvSpPr>
@@ -1276,13 +3582,41 @@
         </p:nvSpPr>
         <p:spPr>
           <a:xfrm>
-            <a:off x="838200" y="1825625"/>
-            <a:ext cx="5181600" cy="4351338"/>
+            <a:off x="457200" y="1600200"/>
+            <a:ext cx="4038600" cy="4525963"/>
           </a:xfrm>
         </p:spPr>
         <p:txBody>
           <a:bodyPr/>
-          <a:lstStyle/>
+          <a:lstStyle>
+            <a:lvl1pPr>
+              <a:defRPr sz="2800"/>
+            </a:lvl1pPr>
+            <a:lvl2pPr>
+              <a:defRPr sz="2400"/>
+            </a:lvl2pPr>
+            <a:lvl3pPr>
+              <a:defRPr sz="2000"/>
+            </a:lvl3pPr>
+            <a:lvl4pPr>
+              <a:defRPr sz="1800"/>
+            </a:lvl4pPr>
+            <a:lvl5pPr>
+              <a:defRPr sz="1800"/>
+            </a:lvl5pPr>
+            <a:lvl6pPr>
+              <a:defRPr sz="1800"/>
+            </a:lvl6pPr>
+            <a:lvl7pPr>
+              <a:defRPr sz="1800"/>
+            </a:lvl7pPr>
+            <a:lvl8pPr>
+              <a:defRPr sz="1800"/>
+            </a:lvl8pPr>
+            <a:lvl9pPr>
+              <a:defRPr sz="1800"/>
+            </a:lvl9pPr>
+          </a:lstStyle>
           <a:p>
             <a:pPr lvl="0"/>
             <a:r>
@@ -1317,19 +3651,12 @@
               <a:rPr lang="en-US"/>
               <a:t>Fifth level</a:t>
             </a:r>
-            <a:endParaRPr lang="en-AU"/>
-          </a:p>
-        </p:txBody>
-      </p:sp>
-      <p:sp>
-        <p:nvSpPr>
-          <p:cNvPr id="4" name="Content Placeholder 3">
-            <a:extLst>
-              <a:ext uri="{FF2B5EF4-FFF2-40B4-BE49-F238E27FC236}">
-                <a16:creationId xmlns:a16="http://schemas.microsoft.com/office/drawing/2014/main" id="{6DF7CC14-04F8-D30D-9833-D4721CFD7AF9}"/>
-              </a:ext>
-            </a:extLst>
-          </p:cNvPr>
+          </a:p>
+        </p:txBody>
+      </p:sp>
+      <p:sp>
+        <p:nvSpPr>
+          <p:cNvPr id="4" name="Content Placeholder 3"/>
           <p:cNvSpPr>
             <a:spLocks noGrp="1"/>
           </p:cNvSpPr>
@@ -1339,13 +3666,41 @@
         </p:nvSpPr>
         <p:spPr>
           <a:xfrm>
-            <a:off x="6172200" y="1825625"/>
-            <a:ext cx="5181600" cy="4351338"/>
+            <a:off x="4648200" y="1600200"/>
+            <a:ext cx="4038600" cy="4525963"/>
           </a:xfrm>
         </p:spPr>
         <p:txBody>
           <a:bodyPr/>
-          <a:lstStyle/>
+          <a:lstStyle>
+            <a:lvl1pPr>
+              <a:defRPr sz="2800"/>
+            </a:lvl1pPr>
+            <a:lvl2pPr>
+              <a:defRPr sz="2400"/>
+            </a:lvl2pPr>
+            <a:lvl3pPr>
+              <a:defRPr sz="2000"/>
+            </a:lvl3pPr>
+            <a:lvl4pPr>
+              <a:defRPr sz="1800"/>
+            </a:lvl4pPr>
+            <a:lvl5pPr>
+              <a:defRPr sz="1800"/>
+            </a:lvl5pPr>
+            <a:lvl6pPr>
+              <a:defRPr sz="1800"/>
+            </a:lvl6pPr>
+            <a:lvl7pPr>
+              <a:defRPr sz="1800"/>
+            </a:lvl7pPr>
+            <a:lvl8pPr>
+              <a:defRPr sz="1800"/>
+            </a:lvl8pPr>
+            <a:lvl9pPr>
+              <a:defRPr sz="1800"/>
+            </a:lvl9pPr>
+          </a:lstStyle>
           <a:p>
             <a:pPr lvl="0"/>
             <a:r>
@@ -1380,19 +3735,12 @@
               <a:rPr lang="en-US"/>
               <a:t>Fifth level</a:t>
             </a:r>
-            <a:endParaRPr lang="en-AU"/>
-          </a:p>
-        </p:txBody>
-      </p:sp>
-      <p:sp>
-        <p:nvSpPr>
-          <p:cNvPr id="5" name="Date Placeholder 4">
-            <a:extLst>
-              <a:ext uri="{FF2B5EF4-FFF2-40B4-BE49-F238E27FC236}">
-                <a16:creationId xmlns:a16="http://schemas.microsoft.com/office/drawing/2014/main" id="{1AC8E631-5652-EF26-B3AF-6ED4ADC1BE38}"/>
-              </a:ext>
-            </a:extLst>
-          </p:cNvPr>
+          </a:p>
+        </p:txBody>
+      </p:sp>
+      <p:sp>
+        <p:nvSpPr>
+          <p:cNvPr id="5" name="Date Placeholder 4"/>
           <p:cNvSpPr>
             <a:spLocks noGrp="1"/>
           </p:cNvSpPr>
@@ -1405,23 +3753,18 @@
           <a:bodyPr/>
           <a:lstStyle/>
           <a:p>
-            <a:fld id="{26AB912F-6D14-4A84-9CE2-7AEFFC63FC83}" type="datetimeFigureOut">
-              <a:rPr lang="en-AU" smtClean="0"/>
-              <a:t>7/07/2025</a:t>
+            <a:fld id="{1D8BD707-D9CF-40AE-B4C6-C98DA3205C09}" type="datetimeFigureOut">
+              <a:rPr lang="en-US" smtClean="0"/>
+              <a:pPr/>
+              <a:t>8/30/2025</a:t>
             </a:fld>
-            <a:endParaRPr lang="en-AU"/>
-          </a:p>
-        </p:txBody>
-      </p:sp>
-      <p:sp>
-        <p:nvSpPr>
-          <p:cNvPr id="6" name="Footer Placeholder 5">
-            <a:extLst>
-              <a:ext uri="{FF2B5EF4-FFF2-40B4-BE49-F238E27FC236}">
-                <a16:creationId xmlns:a16="http://schemas.microsoft.com/office/drawing/2014/main" id="{09C24915-DEFC-2224-9E33-2DDD6F3AC683}"/>
-              </a:ext>
-            </a:extLst>
-          </p:cNvPr>
+            <a:endParaRPr lang="en-US"/>
+          </a:p>
+        </p:txBody>
+      </p:sp>
+      <p:sp>
+        <p:nvSpPr>
+          <p:cNvPr id="6" name="Footer Placeholder 5"/>
           <p:cNvSpPr>
             <a:spLocks noGrp="1"/>
           </p:cNvSpPr>
@@ -1434,19 +3777,13 @@
           <a:bodyPr/>
           <a:lstStyle/>
           <a:p>
-            <a:endParaRPr lang="en-AU"/>
-          </a:p>
-        </p:txBody>
-      </p:sp>
-      <p:sp>
-        <p:nvSpPr>
-          <p:cNvPr id="7" name="Slide Number Placeholder 6">
-            <a:extLst>
-              <a:ext uri="{FF2B5EF4-FFF2-40B4-BE49-F238E27FC236}">
-                <a16:creationId xmlns:a16="http://schemas.microsoft.com/office/drawing/2014/main" id="{3F5B47E1-F1C3-800B-6831-1E381D9420AB}"/>
-              </a:ext>
-            </a:extLst>
-          </p:cNvPr>
+            <a:endParaRPr lang="en-US"/>
+          </a:p>
+        </p:txBody>
+      </p:sp>
+      <p:sp>
+        <p:nvSpPr>
+          <p:cNvPr id="7" name="Slide Number Placeholder 6"/>
           <p:cNvSpPr>
             <a:spLocks noGrp="1"/>
           </p:cNvSpPr>
@@ -1459,20 +3796,16 @@
           <a:bodyPr/>
           <a:lstStyle/>
           <a:p>
-            <a:fld id="{BCCD1874-5385-43E5-AB73-BDEDB06FD157}" type="slidenum">
-              <a:rPr lang="en-AU" smtClean="0"/>
+            <a:fld id="{B6F15528-21DE-4FAA-801E-634DDDAF4B2B}" type="slidenum">
+              <a:rPr lang="en-US" smtClean="0"/>
+              <a:pPr/>
               <a:t>‹#›</a:t>
             </a:fld>
-            <a:endParaRPr lang="en-AU"/>
+            <a:endParaRPr lang="en-US"/>
           </a:p>
         </p:txBody>
       </p:sp>
     </p:spTree>
-    <p:extLst>
-      <p:ext uri="{BB962C8B-B14F-4D97-AF65-F5344CB8AC3E}">
-        <p14:creationId xmlns:p14="http://schemas.microsoft.com/office/powerpoint/2010/main" val="417300540"/>
-      </p:ext>
-    </p:extLst>
   </p:cSld>
   <p:clrMapOvr>
     <a:masterClrMapping/>
@@ -1499,58 +3832,44 @@
       </p:grpSpPr>
       <p:sp>
         <p:nvSpPr>
-          <p:cNvPr id="2" name="Title 1">
-            <a:extLst>
-              <a:ext uri="{FF2B5EF4-FFF2-40B4-BE49-F238E27FC236}">
-                <a16:creationId xmlns:a16="http://schemas.microsoft.com/office/drawing/2014/main" id="{CB9A4DF7-A2FE-EA0E-503B-E7BCA3F1CB03}"/>
-              </a:ext>
-            </a:extLst>
-          </p:cNvPr>
+          <p:cNvPr id="2" name="Title 1"/>
           <p:cNvSpPr>
             <a:spLocks noGrp="1"/>
           </p:cNvSpPr>
           <p:nvPr>
             <p:ph type="title"/>
+          </p:nvPr>
+        </p:nvSpPr>
+        <p:spPr/>
+        <p:txBody>
+          <a:bodyPr/>
+          <a:lstStyle>
+            <a:lvl1pPr>
+              <a:defRPr/>
+            </a:lvl1pPr>
+          </a:lstStyle>
+          <a:p>
+            <a:r>
+              <a:rPr lang="en-US"/>
+              <a:t>Click to edit Master title style</a:t>
+            </a:r>
+          </a:p>
+        </p:txBody>
+      </p:sp>
+      <p:sp>
+        <p:nvSpPr>
+          <p:cNvPr id="3" name="Text Placeholder 2"/>
+          <p:cNvSpPr>
+            <a:spLocks noGrp="1"/>
+          </p:cNvSpPr>
+          <p:nvPr>
+            <p:ph type="body" idx="1"/>
           </p:nvPr>
         </p:nvSpPr>
         <p:spPr>
           <a:xfrm>
-            <a:off x="839788" y="365125"/>
-            <a:ext cx="10515600" cy="1325563"/>
-          </a:xfrm>
-        </p:spPr>
-        <p:txBody>
-          <a:bodyPr/>
-          <a:lstStyle/>
-          <a:p>
-            <a:r>
-              <a:rPr lang="en-US"/>
-              <a:t>Click to edit Master title style</a:t>
-            </a:r>
-            <a:endParaRPr lang="en-AU"/>
-          </a:p>
-        </p:txBody>
-      </p:sp>
-      <p:sp>
-        <p:nvSpPr>
-          <p:cNvPr id="3" name="Text Placeholder 2">
-            <a:extLst>
-              <a:ext uri="{FF2B5EF4-FFF2-40B4-BE49-F238E27FC236}">
-                <a16:creationId xmlns:a16="http://schemas.microsoft.com/office/drawing/2014/main" id="{964B4D32-25C1-182F-ADEC-6F36466B4897}"/>
-              </a:ext>
-            </a:extLst>
-          </p:cNvPr>
-          <p:cNvSpPr>
-            <a:spLocks noGrp="1"/>
-          </p:cNvSpPr>
-          <p:nvPr>
-            <p:ph type="body" idx="1"/>
-          </p:nvPr>
-        </p:nvSpPr>
-        <p:spPr>
-          <a:xfrm>
-            <a:off x="839788" y="1681163"/>
-            <a:ext cx="5157787" cy="823912"/>
+            <a:off x="457200" y="1535113"/>
+            <a:ext cx="4040188" cy="639762"/>
           </a:xfrm>
         </p:spPr>
         <p:txBody>
@@ -1604,13 +3923,7 @@
       </p:sp>
       <p:sp>
         <p:nvSpPr>
-          <p:cNvPr id="4" name="Content Placeholder 3">
-            <a:extLst>
-              <a:ext uri="{FF2B5EF4-FFF2-40B4-BE49-F238E27FC236}">
-                <a16:creationId xmlns:a16="http://schemas.microsoft.com/office/drawing/2014/main" id="{79AB21DC-7BD0-A7B0-3AD7-7686BF7612C0}"/>
-              </a:ext>
-            </a:extLst>
-          </p:cNvPr>
+          <p:cNvPr id="4" name="Content Placeholder 3"/>
           <p:cNvSpPr>
             <a:spLocks noGrp="1"/>
           </p:cNvSpPr>
@@ -1620,13 +3933,41 @@
         </p:nvSpPr>
         <p:spPr>
           <a:xfrm>
-            <a:off x="839788" y="2505075"/>
-            <a:ext cx="5157787" cy="3684588"/>
+            <a:off x="457200" y="2174875"/>
+            <a:ext cx="4040188" cy="3951288"/>
           </a:xfrm>
         </p:spPr>
         <p:txBody>
           <a:bodyPr/>
-          <a:lstStyle/>
+          <a:lstStyle>
+            <a:lvl1pPr>
+              <a:defRPr sz="2400"/>
+            </a:lvl1pPr>
+            <a:lvl2pPr>
+              <a:defRPr sz="2000"/>
+            </a:lvl2pPr>
+            <a:lvl3pPr>
+              <a:defRPr sz="1800"/>
+            </a:lvl3pPr>
+            <a:lvl4pPr>
+              <a:defRPr sz="1600"/>
+            </a:lvl4pPr>
+            <a:lvl5pPr>
+              <a:defRPr sz="1600"/>
+            </a:lvl5pPr>
+            <a:lvl6pPr>
+              <a:defRPr sz="1600"/>
+            </a:lvl6pPr>
+            <a:lvl7pPr>
+              <a:defRPr sz="1600"/>
+            </a:lvl7pPr>
+            <a:lvl8pPr>
+              <a:defRPr sz="1600"/>
+            </a:lvl8pPr>
+            <a:lvl9pPr>
+              <a:defRPr sz="1600"/>
+            </a:lvl9pPr>
+          </a:lstStyle>
           <a:p>
             <a:pPr lvl="0"/>
             <a:r>
@@ -1661,19 +4002,12 @@
               <a:rPr lang="en-US"/>
               <a:t>Fifth level</a:t>
             </a:r>
-            <a:endParaRPr lang="en-AU"/>
-          </a:p>
-        </p:txBody>
-      </p:sp>
-      <p:sp>
-        <p:nvSpPr>
-          <p:cNvPr id="5" name="Text Placeholder 4">
-            <a:extLst>
-              <a:ext uri="{FF2B5EF4-FFF2-40B4-BE49-F238E27FC236}">
-                <a16:creationId xmlns:a16="http://schemas.microsoft.com/office/drawing/2014/main" id="{4D49717D-C6DB-16C4-6BDC-0F13C881D83F}"/>
-              </a:ext>
-            </a:extLst>
-          </p:cNvPr>
+          </a:p>
+        </p:txBody>
+      </p:sp>
+      <p:sp>
+        <p:nvSpPr>
+          <p:cNvPr id="5" name="Text Placeholder 4"/>
           <p:cNvSpPr>
             <a:spLocks noGrp="1"/>
           </p:cNvSpPr>
@@ -1683,8 +4017,8 @@
         </p:nvSpPr>
         <p:spPr>
           <a:xfrm>
-            <a:off x="6172200" y="1681163"/>
-            <a:ext cx="5183188" cy="823912"/>
+            <a:off x="4645025" y="1535113"/>
+            <a:ext cx="4041775" cy="639762"/>
           </a:xfrm>
         </p:spPr>
         <p:txBody>
@@ -1738,13 +4072,7 @@
       </p:sp>
       <p:sp>
         <p:nvSpPr>
-          <p:cNvPr id="6" name="Content Placeholder 5">
-            <a:extLst>
-              <a:ext uri="{FF2B5EF4-FFF2-40B4-BE49-F238E27FC236}">
-                <a16:creationId xmlns:a16="http://schemas.microsoft.com/office/drawing/2014/main" id="{286CAD20-8B07-3B02-4B38-2AB9257D2584}"/>
-              </a:ext>
-            </a:extLst>
-          </p:cNvPr>
+          <p:cNvPr id="6" name="Content Placeholder 5"/>
           <p:cNvSpPr>
             <a:spLocks noGrp="1"/>
           </p:cNvSpPr>
@@ -1754,13 +4082,41 @@
         </p:nvSpPr>
         <p:spPr>
           <a:xfrm>
-            <a:off x="6172200" y="2505075"/>
-            <a:ext cx="5183188" cy="3684588"/>
+            <a:off x="4645025" y="2174875"/>
+            <a:ext cx="4041775" cy="3951288"/>
           </a:xfrm>
         </p:spPr>
         <p:txBody>
           <a:bodyPr/>
-          <a:lstStyle/>
+          <a:lstStyle>
+            <a:lvl1pPr>
+              <a:defRPr sz="2400"/>
+            </a:lvl1pPr>
+            <a:lvl2pPr>
+              <a:defRPr sz="2000"/>
+            </a:lvl2pPr>
+            <a:lvl3pPr>
+              <a:defRPr sz="1800"/>
+            </a:lvl3pPr>
+            <a:lvl4pPr>
+              <a:defRPr sz="1600"/>
+            </a:lvl4pPr>
+            <a:lvl5pPr>
+              <a:defRPr sz="1600"/>
+            </a:lvl5pPr>
+            <a:lvl6pPr>
+              <a:defRPr sz="1600"/>
+            </a:lvl6pPr>
+            <a:lvl7pPr>
+              <a:defRPr sz="1600"/>
+            </a:lvl7pPr>
+            <a:lvl8pPr>
+              <a:defRPr sz="1600"/>
+            </a:lvl8pPr>
+            <a:lvl9pPr>
+              <a:defRPr sz="1600"/>
+            </a:lvl9pPr>
+          </a:lstStyle>
           <a:p>
             <a:pPr lvl="0"/>
             <a:r>
@@ -1795,19 +4151,12 @@
               <a:rPr lang="en-US"/>
               <a:t>Fifth level</a:t>
             </a:r>
-            <a:endParaRPr lang="en-AU"/>
-          </a:p>
-        </p:txBody>
-      </p:sp>
-      <p:sp>
-        <p:nvSpPr>
-          <p:cNvPr id="7" name="Date Placeholder 6">
-            <a:extLst>
-              <a:ext uri="{FF2B5EF4-FFF2-40B4-BE49-F238E27FC236}">
-                <a16:creationId xmlns:a16="http://schemas.microsoft.com/office/drawing/2014/main" id="{0F7931DE-19E1-BAB7-EA3D-34959D6A5327}"/>
-              </a:ext>
-            </a:extLst>
-          </p:cNvPr>
+          </a:p>
+        </p:txBody>
+      </p:sp>
+      <p:sp>
+        <p:nvSpPr>
+          <p:cNvPr id="7" name="Date Placeholder 6"/>
           <p:cNvSpPr>
             <a:spLocks noGrp="1"/>
           </p:cNvSpPr>
@@ -1820,23 +4169,18 @@
           <a:bodyPr/>
           <a:lstStyle/>
           <a:p>
-            <a:fld id="{26AB912F-6D14-4A84-9CE2-7AEFFC63FC83}" type="datetimeFigureOut">
-              <a:rPr lang="en-AU" smtClean="0"/>
-              <a:t>7/07/2025</a:t>
+            <a:fld id="{1D8BD707-D9CF-40AE-B4C6-C98DA3205C09}" type="datetimeFigureOut">
+              <a:rPr lang="en-US" smtClean="0"/>
+              <a:pPr/>
+              <a:t>8/30/2025</a:t>
             </a:fld>
-            <a:endParaRPr lang="en-AU"/>
-          </a:p>
-        </p:txBody>
-      </p:sp>
-      <p:sp>
-        <p:nvSpPr>
-          <p:cNvPr id="8" name="Footer Placeholder 7">
-            <a:extLst>
-              <a:ext uri="{FF2B5EF4-FFF2-40B4-BE49-F238E27FC236}">
-                <a16:creationId xmlns:a16="http://schemas.microsoft.com/office/drawing/2014/main" id="{531FC779-E8B0-87ED-BB7E-E883CD41AE85}"/>
-              </a:ext>
-            </a:extLst>
-          </p:cNvPr>
+            <a:endParaRPr lang="en-US"/>
+          </a:p>
+        </p:txBody>
+      </p:sp>
+      <p:sp>
+        <p:nvSpPr>
+          <p:cNvPr id="8" name="Footer Placeholder 7"/>
           <p:cNvSpPr>
             <a:spLocks noGrp="1"/>
           </p:cNvSpPr>
@@ -1849,19 +4193,13 @@
           <a:bodyPr/>
           <a:lstStyle/>
           <a:p>
-            <a:endParaRPr lang="en-AU"/>
-          </a:p>
-        </p:txBody>
-      </p:sp>
-      <p:sp>
-        <p:nvSpPr>
-          <p:cNvPr id="9" name="Slide Number Placeholder 8">
-            <a:extLst>
-              <a:ext uri="{FF2B5EF4-FFF2-40B4-BE49-F238E27FC236}">
-                <a16:creationId xmlns:a16="http://schemas.microsoft.com/office/drawing/2014/main" id="{31678256-A5D3-04A8-0C7A-C3677CD638BC}"/>
-              </a:ext>
-            </a:extLst>
-          </p:cNvPr>
+            <a:endParaRPr lang="en-US"/>
+          </a:p>
+        </p:txBody>
+      </p:sp>
+      <p:sp>
+        <p:nvSpPr>
+          <p:cNvPr id="9" name="Slide Number Placeholder 8"/>
           <p:cNvSpPr>
             <a:spLocks noGrp="1"/>
           </p:cNvSpPr>
@@ -1874,20 +4212,16 @@
           <a:bodyPr/>
           <a:lstStyle/>
           <a:p>
-            <a:fld id="{BCCD1874-5385-43E5-AB73-BDEDB06FD157}" type="slidenum">
-              <a:rPr lang="en-AU" smtClean="0"/>
+            <a:fld id="{B6F15528-21DE-4FAA-801E-634DDDAF4B2B}" type="slidenum">
+              <a:rPr lang="en-US" smtClean="0"/>
+              <a:pPr/>
               <a:t>‹#›</a:t>
             </a:fld>
-            <a:endParaRPr lang="en-AU"/>
+            <a:endParaRPr lang="en-US"/>
           </a:p>
         </p:txBody>
       </p:sp>
     </p:spTree>
-    <p:extLst>
-      <p:ext uri="{BB962C8B-B14F-4D97-AF65-F5344CB8AC3E}">
-        <p14:creationId xmlns:p14="http://schemas.microsoft.com/office/powerpoint/2010/main" val="2742562780"/>
-      </p:ext>
-    </p:extLst>
   </p:cSld>
   <p:clrMapOvr>
     <a:masterClrMapping/>
@@ -1914,13 +4248,7 @@
       </p:grpSpPr>
       <p:sp>
         <p:nvSpPr>
-          <p:cNvPr id="2" name="Title 1">
-            <a:extLst>
-              <a:ext uri="{FF2B5EF4-FFF2-40B4-BE49-F238E27FC236}">
-                <a16:creationId xmlns:a16="http://schemas.microsoft.com/office/drawing/2014/main" id="{0B87E422-C3BA-11F6-7790-601A8E5C5F04}"/>
-              </a:ext>
-            </a:extLst>
-          </p:cNvPr>
+          <p:cNvPr id="2" name="Title 1"/>
           <p:cNvSpPr>
             <a:spLocks noGrp="1"/>
           </p:cNvSpPr>
@@ -1937,19 +4265,12 @@
               <a:rPr lang="en-US"/>
               <a:t>Click to edit Master title style</a:t>
             </a:r>
-            <a:endParaRPr lang="en-AU"/>
-          </a:p>
-        </p:txBody>
-      </p:sp>
-      <p:sp>
-        <p:nvSpPr>
-          <p:cNvPr id="3" name="Date Placeholder 2">
-            <a:extLst>
-              <a:ext uri="{FF2B5EF4-FFF2-40B4-BE49-F238E27FC236}">
-                <a16:creationId xmlns:a16="http://schemas.microsoft.com/office/drawing/2014/main" id="{AEBDB91B-F000-C6C2-7E2A-AC0DCBDB58D0}"/>
-              </a:ext>
-            </a:extLst>
-          </p:cNvPr>
+          </a:p>
+        </p:txBody>
+      </p:sp>
+      <p:sp>
+        <p:nvSpPr>
+          <p:cNvPr id="3" name="Date Placeholder 2"/>
           <p:cNvSpPr>
             <a:spLocks noGrp="1"/>
           </p:cNvSpPr>
@@ -1962,23 +4283,18 @@
           <a:bodyPr/>
           <a:lstStyle/>
           <a:p>
-            <a:fld id="{26AB912F-6D14-4A84-9CE2-7AEFFC63FC83}" type="datetimeFigureOut">
-              <a:rPr lang="en-AU" smtClean="0"/>
-              <a:t>7/07/2025</a:t>
+            <a:fld id="{1D8BD707-D9CF-40AE-B4C6-C98DA3205C09}" type="datetimeFigureOut">
+              <a:rPr lang="en-US" smtClean="0"/>
+              <a:pPr/>
+              <a:t>8/30/2025</a:t>
             </a:fld>
-            <a:endParaRPr lang="en-AU"/>
-          </a:p>
-        </p:txBody>
-      </p:sp>
-      <p:sp>
-        <p:nvSpPr>
-          <p:cNvPr id="4" name="Footer Placeholder 3">
-            <a:extLst>
-              <a:ext uri="{FF2B5EF4-FFF2-40B4-BE49-F238E27FC236}">
-                <a16:creationId xmlns:a16="http://schemas.microsoft.com/office/drawing/2014/main" id="{085004DD-546E-CBBF-71EB-CEFB51828307}"/>
-              </a:ext>
-            </a:extLst>
-          </p:cNvPr>
+            <a:endParaRPr lang="en-US"/>
+          </a:p>
+        </p:txBody>
+      </p:sp>
+      <p:sp>
+        <p:nvSpPr>
+          <p:cNvPr id="4" name="Footer Placeholder 3"/>
           <p:cNvSpPr>
             <a:spLocks noGrp="1"/>
           </p:cNvSpPr>
@@ -1991,19 +4307,13 @@
           <a:bodyPr/>
           <a:lstStyle/>
           <a:p>
-            <a:endParaRPr lang="en-AU"/>
-          </a:p>
-        </p:txBody>
-      </p:sp>
-      <p:sp>
-        <p:nvSpPr>
-          <p:cNvPr id="5" name="Slide Number Placeholder 4">
-            <a:extLst>
-              <a:ext uri="{FF2B5EF4-FFF2-40B4-BE49-F238E27FC236}">
-                <a16:creationId xmlns:a16="http://schemas.microsoft.com/office/drawing/2014/main" id="{EA5D26D8-FB60-251B-0671-E761B64A983E}"/>
-              </a:ext>
-            </a:extLst>
-          </p:cNvPr>
+            <a:endParaRPr lang="en-US"/>
+          </a:p>
+        </p:txBody>
+      </p:sp>
+      <p:sp>
+        <p:nvSpPr>
+          <p:cNvPr id="5" name="Slide Number Placeholder 4"/>
           <p:cNvSpPr>
             <a:spLocks noGrp="1"/>
           </p:cNvSpPr>
@@ -2016,20 +4326,16 @@
           <a:bodyPr/>
           <a:lstStyle/>
           <a:p>
-            <a:fld id="{BCCD1874-5385-43E5-AB73-BDEDB06FD157}" type="slidenum">
-              <a:rPr lang="en-AU" smtClean="0"/>
+            <a:fld id="{B6F15528-21DE-4FAA-801E-634DDDAF4B2B}" type="slidenum">
+              <a:rPr lang="en-US" smtClean="0"/>
+              <a:pPr/>
               <a:t>‹#›</a:t>
             </a:fld>
-            <a:endParaRPr lang="en-AU"/>
+            <a:endParaRPr lang="en-US"/>
           </a:p>
         </p:txBody>
       </p:sp>
     </p:spTree>
-    <p:extLst>
-      <p:ext uri="{BB962C8B-B14F-4D97-AF65-F5344CB8AC3E}">
-        <p14:creationId xmlns:p14="http://schemas.microsoft.com/office/powerpoint/2010/main" val="373600825"/>
-      </p:ext>
-    </p:extLst>
   </p:cSld>
   <p:clrMapOvr>
     <a:masterClrMapping/>
@@ -2056,13 +4362,7 @@
       </p:grpSpPr>
       <p:sp>
         <p:nvSpPr>
-          <p:cNvPr id="2" name="Date Placeholder 1">
-            <a:extLst>
-              <a:ext uri="{FF2B5EF4-FFF2-40B4-BE49-F238E27FC236}">
-                <a16:creationId xmlns:a16="http://schemas.microsoft.com/office/drawing/2014/main" id="{2972817A-1CD8-FFA3-5444-CDF0027B6958}"/>
-              </a:ext>
-            </a:extLst>
-          </p:cNvPr>
+          <p:cNvPr id="2" name="Date Placeholder 1"/>
           <p:cNvSpPr>
             <a:spLocks noGrp="1"/>
           </p:cNvSpPr>
@@ -2075,23 +4375,18 @@
           <a:bodyPr/>
           <a:lstStyle/>
           <a:p>
-            <a:fld id="{26AB912F-6D14-4A84-9CE2-7AEFFC63FC83}" type="datetimeFigureOut">
-              <a:rPr lang="en-AU" smtClean="0"/>
-              <a:t>7/07/2025</a:t>
+            <a:fld id="{1D8BD707-D9CF-40AE-B4C6-C98DA3205C09}" type="datetimeFigureOut">
+              <a:rPr lang="en-US" smtClean="0"/>
+              <a:pPr/>
+              <a:t>8/30/2025</a:t>
             </a:fld>
-            <a:endParaRPr lang="en-AU"/>
-          </a:p>
-        </p:txBody>
-      </p:sp>
-      <p:sp>
-        <p:nvSpPr>
-          <p:cNvPr id="3" name="Footer Placeholder 2">
-            <a:extLst>
-              <a:ext uri="{FF2B5EF4-FFF2-40B4-BE49-F238E27FC236}">
-                <a16:creationId xmlns:a16="http://schemas.microsoft.com/office/drawing/2014/main" id="{BB1DC309-5F21-B616-21DA-E9BD60CD848A}"/>
-              </a:ext>
-            </a:extLst>
-          </p:cNvPr>
+            <a:endParaRPr lang="en-US"/>
+          </a:p>
+        </p:txBody>
+      </p:sp>
+      <p:sp>
+        <p:nvSpPr>
+          <p:cNvPr id="3" name="Footer Placeholder 2"/>
           <p:cNvSpPr>
             <a:spLocks noGrp="1"/>
           </p:cNvSpPr>
@@ -2104,19 +4399,13 @@
           <a:bodyPr/>
           <a:lstStyle/>
           <a:p>
-            <a:endParaRPr lang="en-AU"/>
-          </a:p>
-        </p:txBody>
-      </p:sp>
-      <p:sp>
-        <p:nvSpPr>
-          <p:cNvPr id="4" name="Slide Number Placeholder 3">
-            <a:extLst>
-              <a:ext uri="{FF2B5EF4-FFF2-40B4-BE49-F238E27FC236}">
-                <a16:creationId xmlns:a16="http://schemas.microsoft.com/office/drawing/2014/main" id="{CD4F0E77-9CE8-B35F-1549-B0F30D972618}"/>
-              </a:ext>
-            </a:extLst>
-          </p:cNvPr>
+            <a:endParaRPr lang="en-US"/>
+          </a:p>
+        </p:txBody>
+      </p:sp>
+      <p:sp>
+        <p:nvSpPr>
+          <p:cNvPr id="4" name="Slide Number Placeholder 3"/>
           <p:cNvSpPr>
             <a:spLocks noGrp="1"/>
           </p:cNvSpPr>
@@ -2129,20 +4418,16 @@
           <a:bodyPr/>
           <a:lstStyle/>
           <a:p>
-            <a:fld id="{BCCD1874-5385-43E5-AB73-BDEDB06FD157}" type="slidenum">
-              <a:rPr lang="en-AU" smtClean="0"/>
+            <a:fld id="{B6F15528-21DE-4FAA-801E-634DDDAF4B2B}" type="slidenum">
+              <a:rPr lang="en-US" smtClean="0"/>
+              <a:pPr/>
               <a:t>‹#›</a:t>
             </a:fld>
-            <a:endParaRPr lang="en-AU"/>
+            <a:endParaRPr lang="en-US"/>
           </a:p>
         </p:txBody>
       </p:sp>
     </p:spTree>
-    <p:extLst>
-      <p:ext uri="{BB962C8B-B14F-4D97-AF65-F5344CB8AC3E}">
-        <p14:creationId xmlns:p14="http://schemas.microsoft.com/office/powerpoint/2010/main" val="910267380"/>
-      </p:ext>
-    </p:extLst>
   </p:cSld>
   <p:clrMapOvr>
     <a:masterClrMapping/>
@@ -2169,13 +4454,7 @@
       </p:grpSpPr>
       <p:sp>
         <p:nvSpPr>
-          <p:cNvPr id="2" name="Title 1">
-            <a:extLst>
-              <a:ext uri="{FF2B5EF4-FFF2-40B4-BE49-F238E27FC236}">
-                <a16:creationId xmlns:a16="http://schemas.microsoft.com/office/drawing/2014/main" id="{00798A7A-99D4-BF56-33CE-E7443B9D73A3}"/>
-              </a:ext>
-            </a:extLst>
-          </p:cNvPr>
+          <p:cNvPr id="2" name="Title 1"/>
           <p:cNvSpPr>
             <a:spLocks noGrp="1"/>
           </p:cNvSpPr>
@@ -2185,15 +4464,15 @@
         </p:nvSpPr>
         <p:spPr>
           <a:xfrm>
-            <a:off x="839788" y="457200"/>
-            <a:ext cx="3932237" cy="1600200"/>
+            <a:off x="457200" y="273050"/>
+            <a:ext cx="3008313" cy="1162050"/>
           </a:xfrm>
         </p:spPr>
         <p:txBody>
           <a:bodyPr anchor="b"/>
           <a:lstStyle>
-            <a:lvl1pPr>
-              <a:defRPr sz="3200"/>
+            <a:lvl1pPr algn="l">
+              <a:defRPr sz="2000" b="1"/>
             </a:lvl1pPr>
           </a:lstStyle>
           <a:p>
@@ -2201,19 +4480,12 @@
               <a:rPr lang="en-US"/>
               <a:t>Click to edit Master title style</a:t>
             </a:r>
-            <a:endParaRPr lang="en-AU"/>
-          </a:p>
-        </p:txBody>
-      </p:sp>
-      <p:sp>
-        <p:nvSpPr>
-          <p:cNvPr id="3" name="Content Placeholder 2">
-            <a:extLst>
-              <a:ext uri="{FF2B5EF4-FFF2-40B4-BE49-F238E27FC236}">
-                <a16:creationId xmlns:a16="http://schemas.microsoft.com/office/drawing/2014/main" id="{73A8C704-CFF2-A881-721F-7A393E9FE126}"/>
-              </a:ext>
-            </a:extLst>
-          </p:cNvPr>
+          </a:p>
+        </p:txBody>
+      </p:sp>
+      <p:sp>
+        <p:nvSpPr>
+          <p:cNvPr id="3" name="Content Placeholder 2"/>
           <p:cNvSpPr>
             <a:spLocks noGrp="1"/>
           </p:cNvSpPr>
@@ -2223,8 +4495,8 @@
         </p:nvSpPr>
         <p:spPr>
           <a:xfrm>
-            <a:off x="5183188" y="987425"/>
-            <a:ext cx="6172200" cy="4873625"/>
+            <a:off x="3575050" y="273050"/>
+            <a:ext cx="5111750" cy="5853113"/>
           </a:xfrm>
         </p:spPr>
         <p:txBody>
@@ -2292,19 +4564,12 @@
               <a:rPr lang="en-US"/>
               <a:t>Fifth level</a:t>
             </a:r>
-            <a:endParaRPr lang="en-AU"/>
-          </a:p>
-        </p:txBody>
-      </p:sp>
-      <p:sp>
-        <p:nvSpPr>
-          <p:cNvPr id="4" name="Text Placeholder 3">
-            <a:extLst>
-              <a:ext uri="{FF2B5EF4-FFF2-40B4-BE49-F238E27FC236}">
-                <a16:creationId xmlns:a16="http://schemas.microsoft.com/office/drawing/2014/main" id="{773AFD36-C270-6704-E190-384AAD69506E}"/>
-              </a:ext>
-            </a:extLst>
-          </p:cNvPr>
+          </a:p>
+        </p:txBody>
+      </p:sp>
+      <p:sp>
+        <p:nvSpPr>
+          <p:cNvPr id="4" name="Text Placeholder 3"/>
           <p:cNvSpPr>
             <a:spLocks noGrp="1"/>
           </p:cNvSpPr>
@@ -2314,8 +4579,8 @@
         </p:nvSpPr>
         <p:spPr>
           <a:xfrm>
-            <a:off x="839788" y="2057400"/>
-            <a:ext cx="3932237" cy="3811588"/>
+            <a:off x="457200" y="1435100"/>
+            <a:ext cx="3008313" cy="4691063"/>
           </a:xfrm>
         </p:spPr>
         <p:txBody>
@@ -2323,39 +4588,39 @@
           <a:lstStyle>
             <a:lvl1pPr marL="0" indent="0">
               <a:buNone/>
-              <a:defRPr sz="1600"/>
+              <a:defRPr sz="1400"/>
             </a:lvl1pPr>
             <a:lvl2pPr marL="457200" indent="0">
               <a:buNone/>
-              <a:defRPr sz="1400"/>
+              <a:defRPr sz="1200"/>
             </a:lvl2pPr>
             <a:lvl3pPr marL="914400" indent="0">
               <a:buNone/>
-              <a:defRPr sz="1200"/>
+              <a:defRPr sz="1000"/>
             </a:lvl3pPr>
             <a:lvl4pPr marL="1371600" indent="0">
               <a:buNone/>
-              <a:defRPr sz="1000"/>
+              <a:defRPr sz="900"/>
             </a:lvl4pPr>
             <a:lvl5pPr marL="1828800" indent="0">
               <a:buNone/>
-              <a:defRPr sz="1000"/>
+              <a:defRPr sz="900"/>
             </a:lvl5pPr>
             <a:lvl6pPr marL="2286000" indent="0">
               <a:buNone/>
-              <a:defRPr sz="1000"/>
+              <a:defRPr sz="900"/>
             </a:lvl6pPr>
             <a:lvl7pPr marL="2743200" indent="0">
               <a:buNone/>
-              <a:defRPr sz="1000"/>
+              <a:defRPr sz="900"/>
             </a:lvl7pPr>
             <a:lvl8pPr marL="3200400" indent="0">
               <a:buNone/>
-              <a:defRPr sz="1000"/>
+              <a:defRPr sz="900"/>
             </a:lvl8pPr>
             <a:lvl9pPr marL="3657600" indent="0">
               <a:buNone/>
-              <a:defRPr sz="1000"/>
+              <a:defRPr sz="900"/>
             </a:lvl9pPr>
           </a:lstStyle>
           <a:p>
@@ -2369,13 +4634,7 @@
       </p:sp>
       <p:sp>
         <p:nvSpPr>
-          <p:cNvPr id="5" name="Date Placeholder 4">
-            <a:extLst>
-              <a:ext uri="{FF2B5EF4-FFF2-40B4-BE49-F238E27FC236}">
-                <a16:creationId xmlns:a16="http://schemas.microsoft.com/office/drawing/2014/main" id="{573A107A-49D6-D738-7398-1341AC737FF9}"/>
-              </a:ext>
-            </a:extLst>
-          </p:cNvPr>
+          <p:cNvPr id="5" name="Date Placeholder 4"/>
           <p:cNvSpPr>
             <a:spLocks noGrp="1"/>
           </p:cNvSpPr>
@@ -2388,23 +4647,18 @@
           <a:bodyPr/>
           <a:lstStyle/>
           <a:p>
-            <a:fld id="{26AB912F-6D14-4A84-9CE2-7AEFFC63FC83}" type="datetimeFigureOut">
-              <a:rPr lang="en-AU" smtClean="0"/>
-              <a:t>7/07/2025</a:t>
+            <a:fld id="{1D8BD707-D9CF-40AE-B4C6-C98DA3205C09}" type="datetimeFigureOut">
+              <a:rPr lang="en-US" smtClean="0"/>
+              <a:pPr/>
+              <a:t>8/30/2025</a:t>
             </a:fld>
-            <a:endParaRPr lang="en-AU"/>
-          </a:p>
-        </p:txBody>
-      </p:sp>
-      <p:sp>
-        <p:nvSpPr>
-          <p:cNvPr id="6" name="Footer Placeholder 5">
-            <a:extLst>
-              <a:ext uri="{FF2B5EF4-FFF2-40B4-BE49-F238E27FC236}">
-                <a16:creationId xmlns:a16="http://schemas.microsoft.com/office/drawing/2014/main" id="{E09ADD65-5CD7-0ADC-0157-F690E92E3F3D}"/>
-              </a:ext>
-            </a:extLst>
-          </p:cNvPr>
+            <a:endParaRPr lang="en-US"/>
+          </a:p>
+        </p:txBody>
+      </p:sp>
+      <p:sp>
+        <p:nvSpPr>
+          <p:cNvPr id="6" name="Footer Placeholder 5"/>
           <p:cNvSpPr>
             <a:spLocks noGrp="1"/>
           </p:cNvSpPr>
@@ -2417,19 +4671,13 @@
           <a:bodyPr/>
           <a:lstStyle/>
           <a:p>
-            <a:endParaRPr lang="en-AU"/>
-          </a:p>
-        </p:txBody>
-      </p:sp>
-      <p:sp>
-        <p:nvSpPr>
-          <p:cNvPr id="7" name="Slide Number Placeholder 6">
-            <a:extLst>
-              <a:ext uri="{FF2B5EF4-FFF2-40B4-BE49-F238E27FC236}">
-                <a16:creationId xmlns:a16="http://schemas.microsoft.com/office/drawing/2014/main" id="{B67CB59E-8926-16DE-E806-9BC7C35BBC1C}"/>
-              </a:ext>
-            </a:extLst>
-          </p:cNvPr>
+            <a:endParaRPr lang="en-US"/>
+          </a:p>
+        </p:txBody>
+      </p:sp>
+      <p:sp>
+        <p:nvSpPr>
+          <p:cNvPr id="7" name="Slide Number Placeholder 6"/>
           <p:cNvSpPr>
             <a:spLocks noGrp="1"/>
           </p:cNvSpPr>
@@ -2442,20 +4690,16 @@
           <a:bodyPr/>
           <a:lstStyle/>
           <a:p>
-            <a:fld id="{BCCD1874-5385-43E5-AB73-BDEDB06FD157}" type="slidenum">
-              <a:rPr lang="en-AU" smtClean="0"/>
+            <a:fld id="{B6F15528-21DE-4FAA-801E-634DDDAF4B2B}" type="slidenum">
+              <a:rPr lang="en-US" smtClean="0"/>
+              <a:pPr/>
               <a:t>‹#›</a:t>
             </a:fld>
-            <a:endParaRPr lang="en-AU"/>
+            <a:endParaRPr lang="en-US"/>
           </a:p>
         </p:txBody>
       </p:sp>
     </p:spTree>
-    <p:extLst>
-      <p:ext uri="{BB962C8B-B14F-4D97-AF65-F5344CB8AC3E}">
-        <p14:creationId xmlns:p14="http://schemas.microsoft.com/office/powerpoint/2010/main" val="4107484225"/>
-      </p:ext>
-    </p:extLst>
   </p:cSld>
   <p:clrMapOvr>
     <a:masterClrMapping/>
@@ -2482,13 +4726,7 @@
       </p:grpSpPr>
       <p:sp>
         <p:nvSpPr>
-          <p:cNvPr id="2" name="Title 1">
-            <a:extLst>
-              <a:ext uri="{FF2B5EF4-FFF2-40B4-BE49-F238E27FC236}">
-                <a16:creationId xmlns:a16="http://schemas.microsoft.com/office/drawing/2014/main" id="{9A817DA8-4ADE-63B5-1306-533C3BFB3CA0}"/>
-              </a:ext>
-            </a:extLst>
-          </p:cNvPr>
+          <p:cNvPr id="2" name="Title 1"/>
           <p:cNvSpPr>
             <a:spLocks noGrp="1"/>
           </p:cNvSpPr>
@@ -2498,15 +4736,15 @@
         </p:nvSpPr>
         <p:spPr>
           <a:xfrm>
-            <a:off x="839788" y="457200"/>
-            <a:ext cx="3932237" cy="1600200"/>
+            <a:off x="1792288" y="4800600"/>
+            <a:ext cx="5486400" cy="566738"/>
           </a:xfrm>
         </p:spPr>
         <p:txBody>
           <a:bodyPr anchor="b"/>
           <a:lstStyle>
-            <a:lvl1pPr>
-              <a:defRPr sz="3200"/>
+            <a:lvl1pPr algn="l">
+              <a:defRPr sz="2000" b="1"/>
             </a:lvl1pPr>
           </a:lstStyle>
           <a:p>
@@ -2514,19 +4752,12 @@
               <a:rPr lang="en-US"/>
               <a:t>Click to edit Master title style</a:t>
             </a:r>
-            <a:endParaRPr lang="en-AU"/>
-          </a:p>
-        </p:txBody>
-      </p:sp>
-      <p:sp>
-        <p:nvSpPr>
-          <p:cNvPr id="3" name="Picture Placeholder 2">
-            <a:extLst>
-              <a:ext uri="{FF2B5EF4-FFF2-40B4-BE49-F238E27FC236}">
-                <a16:creationId xmlns:a16="http://schemas.microsoft.com/office/drawing/2014/main" id="{E900A2DB-E813-07E3-D799-05DC935F25D0}"/>
-              </a:ext>
-            </a:extLst>
-          </p:cNvPr>
+          </a:p>
+        </p:txBody>
+      </p:sp>
+      <p:sp>
+        <p:nvSpPr>
+          <p:cNvPr id="3" name="Picture Placeholder 2"/>
           <p:cNvSpPr>
             <a:spLocks noGrp="1"/>
           </p:cNvSpPr>
@@ -2536,8 +4767,8 @@
         </p:nvSpPr>
         <p:spPr>
           <a:xfrm>
-            <a:off x="5183188" y="987425"/>
-            <a:ext cx="6172200" cy="4873625"/>
+            <a:off x="1792288" y="612775"/>
+            <a:ext cx="5486400" cy="4114800"/>
           </a:xfrm>
         </p:spPr>
         <p:txBody>
@@ -2581,19 +4812,13 @@
             </a:lvl9pPr>
           </a:lstStyle>
           <a:p>
-            <a:endParaRPr lang="en-AU"/>
-          </a:p>
-        </p:txBody>
-      </p:sp>
-      <p:sp>
-        <p:nvSpPr>
-          <p:cNvPr id="4" name="Text Placeholder 3">
-            <a:extLst>
-              <a:ext uri="{FF2B5EF4-FFF2-40B4-BE49-F238E27FC236}">
-                <a16:creationId xmlns:a16="http://schemas.microsoft.com/office/drawing/2014/main" id="{3F0D78A5-3D0B-495E-CC9B-68DC17505C2F}"/>
-              </a:ext>
-            </a:extLst>
-          </p:cNvPr>
+            <a:endParaRPr lang="en-US"/>
+          </a:p>
+        </p:txBody>
+      </p:sp>
+      <p:sp>
+        <p:nvSpPr>
+          <p:cNvPr id="4" name="Text Placeholder 3"/>
           <p:cNvSpPr>
             <a:spLocks noGrp="1"/>
           </p:cNvSpPr>
@@ -2603,8 +4828,8 @@
         </p:nvSpPr>
         <p:spPr>
           <a:xfrm>
-            <a:off x="839788" y="2057400"/>
-            <a:ext cx="3932237" cy="3811588"/>
+            <a:off x="1792288" y="5367338"/>
+            <a:ext cx="5486400" cy="804862"/>
           </a:xfrm>
         </p:spPr>
         <p:txBody>
@@ -2612,39 +4837,39 @@
           <a:lstStyle>
             <a:lvl1pPr marL="0" indent="0">
               <a:buNone/>
-              <a:defRPr sz="1600"/>
+              <a:defRPr sz="1400"/>
             </a:lvl1pPr>
             <a:lvl2pPr marL="457200" indent="0">
               <a:buNone/>
-              <a:defRPr sz="1400"/>
+              <a:defRPr sz="1200"/>
             </a:lvl2pPr>
             <a:lvl3pPr marL="914400" indent="0">
               <a:buNone/>
-              <a:defRPr sz="1200"/>
+              <a:defRPr sz="1000"/>
             </a:lvl3pPr>
             <a:lvl4pPr marL="1371600" indent="0">
               <a:buNone/>
-              <a:defRPr sz="1000"/>
+              <a:defRPr sz="900"/>
             </a:lvl4pPr>
             <a:lvl5pPr marL="1828800" indent="0">
               <a:buNone/>
-              <a:defRPr sz="1000"/>
+              <a:defRPr sz="900"/>
             </a:lvl5pPr>
             <a:lvl6pPr marL="2286000" indent="0">
               <a:buNone/>
-              <a:defRPr sz="1000"/>
+              <a:defRPr sz="900"/>
             </a:lvl6pPr>
             <a:lvl7pPr marL="2743200" indent="0">
               <a:buNone/>
-              <a:defRPr sz="1000"/>
+              <a:defRPr sz="900"/>
             </a:lvl7pPr>
             <a:lvl8pPr marL="3200400" indent="0">
               <a:buNone/>
-              <a:defRPr sz="1000"/>
+              <a:defRPr sz="900"/>
             </a:lvl8pPr>
             <a:lvl9pPr marL="3657600" indent="0">
               <a:buNone/>
-              <a:defRPr sz="1000"/>
+              <a:defRPr sz="900"/>
             </a:lvl9pPr>
           </a:lstStyle>
           <a:p>
@@ -2658,13 +4883,7 @@
       </p:sp>
       <p:sp>
         <p:nvSpPr>
-          <p:cNvPr id="5" name="Date Placeholder 4">
-            <a:extLst>
-              <a:ext uri="{FF2B5EF4-FFF2-40B4-BE49-F238E27FC236}">
-                <a16:creationId xmlns:a16="http://schemas.microsoft.com/office/drawing/2014/main" id="{027C04AD-B304-7E92-D9FB-8978124C88FA}"/>
-              </a:ext>
-            </a:extLst>
-          </p:cNvPr>
+          <p:cNvPr id="5" name="Date Placeholder 4"/>
           <p:cNvSpPr>
             <a:spLocks noGrp="1"/>
           </p:cNvSpPr>
@@ -2677,23 +4896,18 @@
           <a:bodyPr/>
           <a:lstStyle/>
           <a:p>
-            <a:fld id="{26AB912F-6D14-4A84-9CE2-7AEFFC63FC83}" type="datetimeFigureOut">
-              <a:rPr lang="en-AU" smtClean="0"/>
-              <a:t>7/07/2025</a:t>
+            <a:fld id="{1D8BD707-D9CF-40AE-B4C6-C98DA3205C09}" type="datetimeFigureOut">
+              <a:rPr lang="en-US" smtClean="0"/>
+              <a:pPr/>
+              <a:t>8/30/2025</a:t>
             </a:fld>
-            <a:endParaRPr lang="en-AU"/>
-          </a:p>
-        </p:txBody>
-      </p:sp>
-      <p:sp>
-        <p:nvSpPr>
-          <p:cNvPr id="6" name="Footer Placeholder 5">
-            <a:extLst>
-              <a:ext uri="{FF2B5EF4-FFF2-40B4-BE49-F238E27FC236}">
-                <a16:creationId xmlns:a16="http://schemas.microsoft.com/office/drawing/2014/main" id="{D032F4BE-2E17-8FCC-976F-0D443763785F}"/>
-              </a:ext>
-            </a:extLst>
-          </p:cNvPr>
+            <a:endParaRPr lang="en-US"/>
+          </a:p>
+        </p:txBody>
+      </p:sp>
+      <p:sp>
+        <p:nvSpPr>
+          <p:cNvPr id="6" name="Footer Placeholder 5"/>
           <p:cNvSpPr>
             <a:spLocks noGrp="1"/>
           </p:cNvSpPr>
@@ -2706,19 +4920,13 @@
           <a:bodyPr/>
           <a:lstStyle/>
           <a:p>
-            <a:endParaRPr lang="en-AU"/>
-          </a:p>
-        </p:txBody>
-      </p:sp>
-      <p:sp>
-        <p:nvSpPr>
-          <p:cNvPr id="7" name="Slide Number Placeholder 6">
-            <a:extLst>
-              <a:ext uri="{FF2B5EF4-FFF2-40B4-BE49-F238E27FC236}">
-                <a16:creationId xmlns:a16="http://schemas.microsoft.com/office/drawing/2014/main" id="{828B318A-92CA-63EF-D52B-7B43CF9DE81F}"/>
-              </a:ext>
-            </a:extLst>
-          </p:cNvPr>
+            <a:endParaRPr lang="en-US"/>
+          </a:p>
+        </p:txBody>
+      </p:sp>
+      <p:sp>
+        <p:nvSpPr>
+          <p:cNvPr id="7" name="Slide Number Placeholder 6"/>
           <p:cNvSpPr>
             <a:spLocks noGrp="1"/>
           </p:cNvSpPr>
@@ -2731,20 +4939,16 @@
           <a:bodyPr/>
           <a:lstStyle/>
           <a:p>
-            <a:fld id="{BCCD1874-5385-43E5-AB73-BDEDB06FD157}" type="slidenum">
-              <a:rPr lang="en-AU" smtClean="0"/>
+            <a:fld id="{B6F15528-21DE-4FAA-801E-634DDDAF4B2B}" type="slidenum">
+              <a:rPr lang="en-US" smtClean="0"/>
+              <a:pPr/>
               <a:t>‹#›</a:t>
             </a:fld>
-            <a:endParaRPr lang="en-AU"/>
+            <a:endParaRPr lang="en-US"/>
           </a:p>
         </p:txBody>
       </p:sp>
     </p:spTree>
-    <p:extLst>
-      <p:ext uri="{BB962C8B-B14F-4D97-AF65-F5344CB8AC3E}">
-        <p14:creationId xmlns:p14="http://schemas.microsoft.com/office/powerpoint/2010/main" val="1967892766"/>
-      </p:ext>
-    </p:extLst>
   </p:cSld>
   <p:clrMapOvr>
     <a:masterClrMapping/>
@@ -2776,13 +4980,7 @@
       </p:grpSpPr>
       <p:sp>
         <p:nvSpPr>
-          <p:cNvPr id="2" name="Title Placeholder 1">
-            <a:extLst>
-              <a:ext uri="{FF2B5EF4-FFF2-40B4-BE49-F238E27FC236}">
-                <a16:creationId xmlns:a16="http://schemas.microsoft.com/office/drawing/2014/main" id="{DE334574-984C-35FB-37D5-30943B3637A8}"/>
-              </a:ext>
-            </a:extLst>
-          </p:cNvPr>
+          <p:cNvPr id="2" name="Title Placeholder 1"/>
           <p:cNvSpPr>
             <a:spLocks noGrp="1"/>
           </p:cNvSpPr>
@@ -2792,8 +4990,8 @@
         </p:nvSpPr>
         <p:spPr>
           <a:xfrm>
-            <a:off x="838200" y="365125"/>
-            <a:ext cx="10515600" cy="1325563"/>
+            <a:off x="457200" y="274638"/>
+            <a:ext cx="8229600" cy="1143000"/>
           </a:xfrm>
           <a:prstGeom prst="rect">
             <a:avLst/>
@@ -2809,19 +5007,12 @@
               <a:rPr lang="en-US"/>
               <a:t>Click to edit Master title style</a:t>
             </a:r>
-            <a:endParaRPr lang="en-AU"/>
-          </a:p>
-        </p:txBody>
-      </p:sp>
-      <p:sp>
-        <p:nvSpPr>
-          <p:cNvPr id="3" name="Text Placeholder 2">
-            <a:extLst>
-              <a:ext uri="{FF2B5EF4-FFF2-40B4-BE49-F238E27FC236}">
-                <a16:creationId xmlns:a16="http://schemas.microsoft.com/office/drawing/2014/main" id="{97D4FDA5-4A97-FAF0-A6B7-A1CAF975A0B9}"/>
-              </a:ext>
-            </a:extLst>
-          </p:cNvPr>
+          </a:p>
+        </p:txBody>
+      </p:sp>
+      <p:sp>
+        <p:nvSpPr>
+          <p:cNvPr id="3" name="Text Placeholder 2"/>
           <p:cNvSpPr>
             <a:spLocks noGrp="1"/>
           </p:cNvSpPr>
@@ -2831,8 +5022,8 @@
         </p:nvSpPr>
         <p:spPr>
           <a:xfrm>
-            <a:off x="838200" y="1825625"/>
-            <a:ext cx="10515600" cy="4351338"/>
+            <a:off x="457200" y="1600200"/>
+            <a:ext cx="8229600" cy="4525963"/>
           </a:xfrm>
           <a:prstGeom prst="rect">
             <a:avLst/>
@@ -2877,19 +5068,12 @@
               <a:rPr lang="en-US"/>
               <a:t>Fifth level</a:t>
             </a:r>
-            <a:endParaRPr lang="en-AU"/>
-          </a:p>
-        </p:txBody>
-      </p:sp>
-      <p:sp>
-        <p:nvSpPr>
-          <p:cNvPr id="4" name="Date Placeholder 3">
-            <a:extLst>
-              <a:ext uri="{FF2B5EF4-FFF2-40B4-BE49-F238E27FC236}">
-                <a16:creationId xmlns:a16="http://schemas.microsoft.com/office/drawing/2014/main" id="{C8AA0FEA-B283-AD30-873D-C23E5F6727CA}"/>
-              </a:ext>
-            </a:extLst>
-          </p:cNvPr>
+          </a:p>
+        </p:txBody>
+      </p:sp>
+      <p:sp>
+        <p:nvSpPr>
+          <p:cNvPr id="4" name="Date Placeholder 3"/>
           <p:cNvSpPr>
             <a:spLocks noGrp="1"/>
           </p:cNvSpPr>
@@ -2899,8 +5083,8 @@
         </p:nvSpPr>
         <p:spPr>
           <a:xfrm>
-            <a:off x="838200" y="6356350"/>
-            <a:ext cx="2743200" cy="365125"/>
+            <a:off x="457200" y="6356350"/>
+            <a:ext cx="2133600" cy="365125"/>
           </a:xfrm>
           <a:prstGeom prst="rect">
             <a:avLst/>
@@ -2913,30 +5097,25 @@
               <a:defRPr sz="1200">
                 <a:solidFill>
                   <a:schemeClr val="tx1">
-                    <a:tint val="82000"/>
+                    <a:tint val="75000"/>
                   </a:schemeClr>
                 </a:solidFill>
               </a:defRPr>
             </a:lvl1pPr>
           </a:lstStyle>
           <a:p>
-            <a:fld id="{26AB912F-6D14-4A84-9CE2-7AEFFC63FC83}" type="datetimeFigureOut">
-              <a:rPr lang="en-AU" smtClean="0"/>
-              <a:t>7/07/2025</a:t>
+            <a:fld id="{1D8BD707-D9CF-40AE-B4C6-C98DA3205C09}" type="datetimeFigureOut">
+              <a:rPr lang="en-US" smtClean="0"/>
+              <a:pPr/>
+              <a:t>8/30/2025</a:t>
             </a:fld>
-            <a:endParaRPr lang="en-AU"/>
-          </a:p>
-        </p:txBody>
-      </p:sp>
-      <p:sp>
-        <p:nvSpPr>
-          <p:cNvPr id="5" name="Footer Placeholder 4">
-            <a:extLst>
-              <a:ext uri="{FF2B5EF4-FFF2-40B4-BE49-F238E27FC236}">
-                <a16:creationId xmlns:a16="http://schemas.microsoft.com/office/drawing/2014/main" id="{4D01FEE1-FC1E-9513-F553-0B8C1EE1066E}"/>
-              </a:ext>
-            </a:extLst>
-          </p:cNvPr>
+            <a:endParaRPr lang="en-US"/>
+          </a:p>
+        </p:txBody>
+      </p:sp>
+      <p:sp>
+        <p:nvSpPr>
+          <p:cNvPr id="5" name="Footer Placeholder 4"/>
           <p:cNvSpPr>
             <a:spLocks noGrp="1"/>
           </p:cNvSpPr>
@@ -2946,8 +5125,8 @@
         </p:nvSpPr>
         <p:spPr>
           <a:xfrm>
-            <a:off x="4038600" y="6356350"/>
-            <a:ext cx="4114800" cy="365125"/>
+            <a:off x="3124200" y="6356350"/>
+            <a:ext cx="2895600" cy="365125"/>
           </a:xfrm>
           <a:prstGeom prst="rect">
             <a:avLst/>
@@ -2960,26 +5139,20 @@
               <a:defRPr sz="1200">
                 <a:solidFill>
                   <a:schemeClr val="tx1">
-                    <a:tint val="82000"/>
+                    <a:tint val="75000"/>
                   </a:schemeClr>
                 </a:solidFill>
               </a:defRPr>
             </a:lvl1pPr>
           </a:lstStyle>
           <a:p>
-            <a:endParaRPr lang="en-AU"/>
-          </a:p>
-        </p:txBody>
-      </p:sp>
-      <p:sp>
-        <p:nvSpPr>
-          <p:cNvPr id="6" name="Slide Number Placeholder 5">
-            <a:extLst>
-              <a:ext uri="{FF2B5EF4-FFF2-40B4-BE49-F238E27FC236}">
-                <a16:creationId xmlns:a16="http://schemas.microsoft.com/office/drawing/2014/main" id="{EC9EC41E-B570-C08F-8C06-670B146D6386}"/>
-              </a:ext>
-            </a:extLst>
-          </p:cNvPr>
+            <a:endParaRPr lang="en-US"/>
+          </a:p>
+        </p:txBody>
+      </p:sp>
+      <p:sp>
+        <p:nvSpPr>
+          <p:cNvPr id="6" name="Slide Number Placeholder 5"/>
           <p:cNvSpPr>
             <a:spLocks noGrp="1"/>
           </p:cNvSpPr>
@@ -2989,8 +5162,8 @@
         </p:nvSpPr>
         <p:spPr>
           <a:xfrm>
-            <a:off x="8610600" y="6356350"/>
-            <a:ext cx="2743200" cy="365125"/>
+            <a:off x="6553200" y="6356350"/>
+            <a:ext cx="2133600" cy="365125"/>
           </a:xfrm>
           <a:prstGeom prst="rect">
             <a:avLst/>
@@ -3003,27 +5176,23 @@
               <a:defRPr sz="1200">
                 <a:solidFill>
                   <a:schemeClr val="tx1">
-                    <a:tint val="82000"/>
+                    <a:tint val="75000"/>
                   </a:schemeClr>
                 </a:solidFill>
               </a:defRPr>
             </a:lvl1pPr>
           </a:lstStyle>
           <a:p>
-            <a:fld id="{BCCD1874-5385-43E5-AB73-BDEDB06FD157}" type="slidenum">
-              <a:rPr lang="en-AU" smtClean="0"/>
+            <a:fld id="{B6F15528-21DE-4FAA-801E-634DDDAF4B2B}" type="slidenum">
+              <a:rPr lang="en-US" smtClean="0"/>
+              <a:pPr/>
               <a:t>‹#›</a:t>
             </a:fld>
-            <a:endParaRPr lang="en-AU"/>
+            <a:endParaRPr lang="en-US"/>
           </a:p>
         </p:txBody>
       </p:sp>
     </p:spTree>
-    <p:extLst>
-      <p:ext uri="{BB962C8B-B14F-4D97-AF65-F5344CB8AC3E}">
-        <p14:creationId xmlns:p14="http://schemas.microsoft.com/office/powerpoint/2010/main" val="3507347339"/>
-      </p:ext>
-    </p:extLst>
   </p:cSld>
   <p:clrMap bg1="lt1" tx1="dk1" bg2="lt2" tx2="dk2" accent1="accent1" accent2="accent2" accent3="accent3" accent4="accent4" accent5="accent5" accent6="accent6" hlink="hlink" folHlink="folHlink"/>
   <p:sldLayoutIdLst>
@@ -3041,10 +5210,7 @@
   </p:sldLayoutIdLst>
   <p:txStyles>
     <p:titleStyle>
-      <a:lvl1pPr algn="l" defTabSz="914400" rtl="0" eaLnBrk="1" latinLnBrk="0" hangingPunct="1">
-        <a:lnSpc>
-          <a:spcPct val="90000"/>
-        </a:lnSpc>
+      <a:lvl1pPr algn="ctr" defTabSz="914400" rtl="0" eaLnBrk="1" latinLnBrk="0" hangingPunct="1">
         <a:spcBef>
           <a:spcPct val="0"/>
         </a:spcBef>
@@ -3060,15 +5226,27 @@
       </a:lvl1pPr>
     </p:titleStyle>
     <p:bodyStyle>
-      <a:lvl1pPr marL="228600" indent="-228600" algn="l" defTabSz="914400" rtl="0" eaLnBrk="1" latinLnBrk="0" hangingPunct="1">
-        <a:lnSpc>
-          <a:spcPct val="90000"/>
-        </a:lnSpc>
+      <a:lvl1pPr marL="342900" indent="-342900" algn="l" defTabSz="914400" rtl="0" eaLnBrk="1" latinLnBrk="0" hangingPunct="1">
         <a:spcBef>
-          <a:spcPts val="1000"/>
+          <a:spcPct val="20000"/>
         </a:spcBef>
-        <a:buFont typeface="Arial" panose="020B0604020202020204" pitchFamily="34" charset="0"/>
+        <a:buFont typeface="Arial" pitchFamily="34" charset="0"/>
         <a:buChar char="•"/>
+        <a:defRPr sz="3200" kern="1200">
+          <a:solidFill>
+            <a:schemeClr val="tx1"/>
+          </a:solidFill>
+          <a:latin typeface="+mn-lt"/>
+          <a:ea typeface="+mn-ea"/>
+          <a:cs typeface="+mn-cs"/>
+        </a:defRPr>
+      </a:lvl1pPr>
+      <a:lvl2pPr marL="742950" indent="-285750" algn="l" defTabSz="914400" rtl="0" eaLnBrk="1" latinLnBrk="0" hangingPunct="1">
+        <a:spcBef>
+          <a:spcPct val="20000"/>
+        </a:spcBef>
+        <a:buFont typeface="Arial" pitchFamily="34" charset="0"/>
+        <a:buChar char="–"/>
         <a:defRPr sz="2800" kern="1200">
           <a:solidFill>
             <a:schemeClr val="tx1"/>
@@ -3077,15 +5255,12 @@
           <a:ea typeface="+mn-ea"/>
           <a:cs typeface="+mn-cs"/>
         </a:defRPr>
-      </a:lvl1pPr>
-      <a:lvl2pPr marL="685800" indent="-228600" algn="l" defTabSz="914400" rtl="0" eaLnBrk="1" latinLnBrk="0" hangingPunct="1">
-        <a:lnSpc>
-          <a:spcPct val="90000"/>
-        </a:lnSpc>
+      </a:lvl2pPr>
+      <a:lvl3pPr marL="1143000" indent="-228600" algn="l" defTabSz="914400" rtl="0" eaLnBrk="1" latinLnBrk="0" hangingPunct="1">
         <a:spcBef>
-          <a:spcPts val="500"/>
+          <a:spcPct val="20000"/>
         </a:spcBef>
-        <a:buFont typeface="Arial" panose="020B0604020202020204" pitchFamily="34" charset="0"/>
+        <a:buFont typeface="Arial" pitchFamily="34" charset="0"/>
         <a:buChar char="•"/>
         <a:defRPr sz="2400" kern="1200">
           <a:solidFill>
@@ -3095,15 +5270,42 @@
           <a:ea typeface="+mn-ea"/>
           <a:cs typeface="+mn-cs"/>
         </a:defRPr>
-      </a:lvl2pPr>
-      <a:lvl3pPr marL="1143000" indent="-228600" algn="l" defTabSz="914400" rtl="0" eaLnBrk="1" latinLnBrk="0" hangingPunct="1">
-        <a:lnSpc>
-          <a:spcPct val="90000"/>
-        </a:lnSpc>
+      </a:lvl3pPr>
+      <a:lvl4pPr marL="1600200" indent="-228600" algn="l" defTabSz="914400" rtl="0" eaLnBrk="1" latinLnBrk="0" hangingPunct="1">
         <a:spcBef>
-          <a:spcPts val="500"/>
+          <a:spcPct val="20000"/>
         </a:spcBef>
-        <a:buFont typeface="Arial" panose="020B0604020202020204" pitchFamily="34" charset="0"/>
+        <a:buFont typeface="Arial" pitchFamily="34" charset="0"/>
+        <a:buChar char="–"/>
+        <a:defRPr sz="2000" kern="1200">
+          <a:solidFill>
+            <a:schemeClr val="tx1"/>
+          </a:solidFill>
+          <a:latin typeface="+mn-lt"/>
+          <a:ea typeface="+mn-ea"/>
+          <a:cs typeface="+mn-cs"/>
+        </a:defRPr>
+      </a:lvl4pPr>
+      <a:lvl5pPr marL="2057400" indent="-228600" algn="l" defTabSz="914400" rtl="0" eaLnBrk="1" latinLnBrk="0" hangingPunct="1">
+        <a:spcBef>
+          <a:spcPct val="20000"/>
+        </a:spcBef>
+        <a:buFont typeface="Arial" pitchFamily="34" charset="0"/>
+        <a:buChar char="»"/>
+        <a:defRPr sz="2000" kern="1200">
+          <a:solidFill>
+            <a:schemeClr val="tx1"/>
+          </a:solidFill>
+          <a:latin typeface="+mn-lt"/>
+          <a:ea typeface="+mn-ea"/>
+          <a:cs typeface="+mn-cs"/>
+        </a:defRPr>
+      </a:lvl5pPr>
+      <a:lvl6pPr marL="2514600" indent="-228600" algn="l" defTabSz="914400" rtl="0" eaLnBrk="1" latinLnBrk="0" hangingPunct="1">
+        <a:spcBef>
+          <a:spcPct val="20000"/>
+        </a:spcBef>
+        <a:buFont typeface="Arial" pitchFamily="34" charset="0"/>
         <a:buChar char="•"/>
         <a:defRPr sz="2000" kern="1200">
           <a:solidFill>
@@ -3113,71 +5315,14 @@
           <a:ea typeface="+mn-ea"/>
           <a:cs typeface="+mn-cs"/>
         </a:defRPr>
-      </a:lvl3pPr>
-      <a:lvl4pPr marL="1600200" indent="-228600" algn="l" defTabSz="914400" rtl="0" eaLnBrk="1" latinLnBrk="0" hangingPunct="1">
-        <a:lnSpc>
-          <a:spcPct val="90000"/>
-        </a:lnSpc>
-        <a:spcBef>
-          <a:spcPts val="500"/>
-        </a:spcBef>
-        <a:buFont typeface="Arial" panose="020B0604020202020204" pitchFamily="34" charset="0"/>
-        <a:buChar char="•"/>
-        <a:defRPr sz="1800" kern="1200">
-          <a:solidFill>
-            <a:schemeClr val="tx1"/>
-          </a:solidFill>
-          <a:latin typeface="+mn-lt"/>
-          <a:ea typeface="+mn-ea"/>
-          <a:cs typeface="+mn-cs"/>
-        </a:defRPr>
-      </a:lvl4pPr>
-      <a:lvl5pPr marL="2057400" indent="-228600" algn="l" defTabSz="914400" rtl="0" eaLnBrk="1" latinLnBrk="0" hangingPunct="1">
-        <a:lnSpc>
-          <a:spcPct val="90000"/>
-        </a:lnSpc>
-        <a:spcBef>
-          <a:spcPts val="500"/>
-        </a:spcBef>
-        <a:buFont typeface="Arial" panose="020B0604020202020204" pitchFamily="34" charset="0"/>
-        <a:buChar char="•"/>
-        <a:defRPr sz="1800" kern="1200">
-          <a:solidFill>
-            <a:schemeClr val="tx1"/>
-          </a:solidFill>
-          <a:latin typeface="+mn-lt"/>
-          <a:ea typeface="+mn-ea"/>
-          <a:cs typeface="+mn-cs"/>
-        </a:defRPr>
-      </a:lvl5pPr>
-      <a:lvl6pPr marL="2514600" indent="-228600" algn="l" defTabSz="914400" rtl="0" eaLnBrk="1" latinLnBrk="0" hangingPunct="1">
-        <a:lnSpc>
-          <a:spcPct val="90000"/>
-        </a:lnSpc>
-        <a:spcBef>
-          <a:spcPts val="500"/>
-        </a:spcBef>
-        <a:buFont typeface="Arial" panose="020B0604020202020204" pitchFamily="34" charset="0"/>
-        <a:buChar char="•"/>
-        <a:defRPr sz="1800" kern="1200">
-          <a:solidFill>
-            <a:schemeClr val="tx1"/>
-          </a:solidFill>
-          <a:latin typeface="+mn-lt"/>
-          <a:ea typeface="+mn-ea"/>
-          <a:cs typeface="+mn-cs"/>
-        </a:defRPr>
       </a:lvl6pPr>
       <a:lvl7pPr marL="2971800" indent="-228600" algn="l" defTabSz="914400" rtl="0" eaLnBrk="1" latinLnBrk="0" hangingPunct="1">
-        <a:lnSpc>
-          <a:spcPct val="90000"/>
-        </a:lnSpc>
         <a:spcBef>
-          <a:spcPts val="500"/>
+          <a:spcPct val="20000"/>
         </a:spcBef>
-        <a:buFont typeface="Arial" panose="020B0604020202020204" pitchFamily="34" charset="0"/>
+        <a:buFont typeface="Arial" pitchFamily="34" charset="0"/>
         <a:buChar char="•"/>
-        <a:defRPr sz="1800" kern="1200">
+        <a:defRPr sz="2000" kern="1200">
           <a:solidFill>
             <a:schemeClr val="tx1"/>
           </a:solidFill>
@@ -3187,15 +5332,12 @@
         </a:defRPr>
       </a:lvl7pPr>
       <a:lvl8pPr marL="3429000" indent="-228600" algn="l" defTabSz="914400" rtl="0" eaLnBrk="1" latinLnBrk="0" hangingPunct="1">
-        <a:lnSpc>
-          <a:spcPct val="90000"/>
-        </a:lnSpc>
         <a:spcBef>
-          <a:spcPts val="500"/>
+          <a:spcPct val="20000"/>
         </a:spcBef>
-        <a:buFont typeface="Arial" panose="020B0604020202020204" pitchFamily="34" charset="0"/>
+        <a:buFont typeface="Arial" pitchFamily="34" charset="0"/>
         <a:buChar char="•"/>
-        <a:defRPr sz="1800" kern="1200">
+        <a:defRPr sz="2000" kern="1200">
           <a:solidFill>
             <a:schemeClr val="tx1"/>
           </a:solidFill>
@@ -3205,15 +5347,12 @@
         </a:defRPr>
       </a:lvl8pPr>
       <a:lvl9pPr marL="3886200" indent="-228600" algn="l" defTabSz="914400" rtl="0" eaLnBrk="1" latinLnBrk="0" hangingPunct="1">
-        <a:lnSpc>
-          <a:spcPct val="90000"/>
-        </a:lnSpc>
         <a:spcBef>
-          <a:spcPts val="500"/>
+          <a:spcPct val="20000"/>
         </a:spcBef>
-        <a:buFont typeface="Arial" panose="020B0604020202020204" pitchFamily="34" charset="0"/>
+        <a:buFont typeface="Arial" pitchFamily="34" charset="0"/>
         <a:buChar char="•"/>
-        <a:defRPr sz="1800" kern="1200">
+        <a:defRPr sz="2000" kern="1200">
           <a:solidFill>
             <a:schemeClr val="tx1"/>
           </a:solidFill>
@@ -3323,6 +5462,289 @@
 </file>
 
 <file path=ppt/theme/theme1.xml><?xml version="1.0" encoding="utf-8"?>
+<a:theme xmlns:a="http://schemas.openxmlformats.org/drawingml/2006/main" name="Office Theme">
+  <a:themeElements>
+    <a:clrScheme name="Office">
+      <a:dk1>
+        <a:sysClr val="windowText" lastClr="000000"/>
+      </a:dk1>
+      <a:lt1>
+        <a:sysClr val="window" lastClr="FFFFFF"/>
+      </a:lt1>
+      <a:dk2>
+        <a:srgbClr val="1F497D"/>
+      </a:dk2>
+      <a:lt2>
+        <a:srgbClr val="EEECE1"/>
+      </a:lt2>
+      <a:accent1>
+        <a:srgbClr val="4F81BD"/>
+      </a:accent1>
+      <a:accent2>
+        <a:srgbClr val="C0504D"/>
+      </a:accent2>
+      <a:accent3>
+        <a:srgbClr val="9BBB59"/>
+      </a:accent3>
+      <a:accent4>
+        <a:srgbClr val="8064A2"/>
+      </a:accent4>
+      <a:accent5>
+        <a:srgbClr val="4BACC6"/>
+      </a:accent5>
+      <a:accent6>
+        <a:srgbClr val="F79646"/>
+      </a:accent6>
+      <a:hlink>
+        <a:srgbClr val="0000FF"/>
+      </a:hlink>
+      <a:folHlink>
+        <a:srgbClr val="800080"/>
+      </a:folHlink>
+    </a:clrScheme>
+    <a:fontScheme name="Office">
+      <a:majorFont>
+        <a:latin typeface="Calibri"/>
+        <a:ea typeface=""/>
+        <a:cs typeface=""/>
+        <a:font script="Jpan" typeface="ＭＳ Ｐゴシック"/>
+        <a:font script="Hang" typeface="맑은 고딕"/>
+        <a:font script="Hans" typeface="宋体"/>
+        <a:font script="Hant" typeface="新細明體"/>
+        <a:font script="Arab" typeface="Times New Roman"/>
+        <a:font script="Hebr" typeface="Times New Roman"/>
+        <a:font script="Thai" typeface="Angsana New"/>
+        <a:font script="Ethi" typeface="Nyala"/>
+        <a:font script="Beng" typeface="Vrinda"/>
+        <a:font script="Gujr" typeface="Shruti"/>
+        <a:font script="Khmr" typeface="MoolBoran"/>
+        <a:font script="Knda" typeface="Tunga"/>
+        <a:font script="Guru" typeface="Raavi"/>
+        <a:font script="Cans" typeface="Euphemia"/>
+        <a:font script="Cher" typeface="Plantagenet Cherokee"/>
+        <a:font script="Yiii" typeface="Microsoft Yi Baiti"/>
+        <a:font script="Tibt" typeface="Microsoft Himalaya"/>
+        <a:font script="Thaa" typeface="MV Boli"/>
+        <a:font script="Deva" typeface="Mangal"/>
+        <a:font script="Telu" typeface="Gautami"/>
+        <a:font script="Taml" typeface="Latha"/>
+        <a:font script="Syrc" typeface="Estrangelo Edessa"/>
+        <a:font script="Orya" typeface="Kalinga"/>
+        <a:font script="Mlym" typeface="Kartika"/>
+        <a:font script="Laoo" typeface="DokChampa"/>
+        <a:font script="Sinh" typeface="Iskoola Pota"/>
+        <a:font script="Mong" typeface="Mongolian Baiti"/>
+        <a:font script="Viet" typeface="Times New Roman"/>
+        <a:font script="Uigh" typeface="Microsoft Uighur"/>
+      </a:majorFont>
+      <a:minorFont>
+        <a:latin typeface="Calibri"/>
+        <a:ea typeface=""/>
+        <a:cs typeface=""/>
+        <a:font script="Jpan" typeface="ＭＳ Ｐゴシック"/>
+        <a:font script="Hang" typeface="맑은 고딕"/>
+        <a:font script="Hans" typeface="宋体"/>
+        <a:font script="Hant" typeface="新細明體"/>
+        <a:font script="Arab" typeface="Arial"/>
+        <a:font script="Hebr" typeface="Arial"/>
+        <a:font script="Thai" typeface="Cordia New"/>
+        <a:font script="Ethi" typeface="Nyala"/>
+        <a:font script="Beng" typeface="Vrinda"/>
+        <a:font script="Gujr" typeface="Shruti"/>
+        <a:font script="Khmr" typeface="DaunPenh"/>
+        <a:font script="Knda" typeface="Tunga"/>
+        <a:font script="Guru" typeface="Raavi"/>
+        <a:font script="Cans" typeface="Euphemia"/>
+        <a:font script="Cher" typeface="Plantagenet Cherokee"/>
+        <a:font script="Yiii" typeface="Microsoft Yi Baiti"/>
+        <a:font script="Tibt" typeface="Microsoft Himalaya"/>
+        <a:font script="Thaa" typeface="MV Boli"/>
+        <a:font script="Deva" typeface="Mangal"/>
+        <a:font script="Telu" typeface="Gautami"/>
+        <a:font script="Taml" typeface="Latha"/>
+        <a:font script="Syrc" typeface="Estrangelo Edessa"/>
+        <a:font script="Orya" typeface="Kalinga"/>
+        <a:font script="Mlym" typeface="Kartika"/>
+        <a:font script="Laoo" typeface="DokChampa"/>
+        <a:font script="Sinh" typeface="Iskoola Pota"/>
+        <a:font script="Mong" typeface="Mongolian Baiti"/>
+        <a:font script="Viet" typeface="Arial"/>
+        <a:font script="Uigh" typeface="Microsoft Uighur"/>
+      </a:minorFont>
+    </a:fontScheme>
+    <a:fmtScheme name="Office">
+      <a:fillStyleLst>
+        <a:solidFill>
+          <a:schemeClr val="phClr"/>
+        </a:solidFill>
+        <a:gradFill rotWithShape="1">
+          <a:gsLst>
+            <a:gs pos="0">
+              <a:schemeClr val="phClr">
+                <a:tint val="50000"/>
+                <a:satMod val="300000"/>
+              </a:schemeClr>
+            </a:gs>
+            <a:gs pos="35000">
+              <a:schemeClr val="phClr">
+                <a:tint val="37000"/>
+                <a:satMod val="300000"/>
+              </a:schemeClr>
+            </a:gs>
+            <a:gs pos="100000">
+              <a:schemeClr val="phClr">
+                <a:tint val="15000"/>
+                <a:satMod val="350000"/>
+              </a:schemeClr>
+            </a:gs>
+          </a:gsLst>
+          <a:lin ang="16200000" scaled="1"/>
+        </a:gradFill>
+        <a:gradFill rotWithShape="1">
+          <a:gsLst>
+            <a:gs pos="0">
+              <a:schemeClr val="phClr">
+                <a:shade val="51000"/>
+                <a:satMod val="130000"/>
+              </a:schemeClr>
+            </a:gs>
+            <a:gs pos="80000">
+              <a:schemeClr val="phClr">
+                <a:shade val="93000"/>
+                <a:satMod val="130000"/>
+              </a:schemeClr>
+            </a:gs>
+            <a:gs pos="100000">
+              <a:schemeClr val="phClr">
+                <a:shade val="94000"/>
+                <a:satMod val="135000"/>
+              </a:schemeClr>
+            </a:gs>
+          </a:gsLst>
+          <a:lin ang="16200000" scaled="0"/>
+        </a:gradFill>
+      </a:fillStyleLst>
+      <a:lnStyleLst>
+        <a:ln w="9525" cap="flat" cmpd="sng" algn="ctr">
+          <a:solidFill>
+            <a:schemeClr val="phClr">
+              <a:shade val="95000"/>
+              <a:satMod val="105000"/>
+            </a:schemeClr>
+          </a:solidFill>
+          <a:prstDash val="solid"/>
+        </a:ln>
+        <a:ln w="25400" cap="flat" cmpd="sng" algn="ctr">
+          <a:solidFill>
+            <a:schemeClr val="phClr"/>
+          </a:solidFill>
+          <a:prstDash val="solid"/>
+        </a:ln>
+        <a:ln w="38100" cap="flat" cmpd="sng" algn="ctr">
+          <a:solidFill>
+            <a:schemeClr val="phClr"/>
+          </a:solidFill>
+          <a:prstDash val="solid"/>
+        </a:ln>
+      </a:lnStyleLst>
+      <a:effectStyleLst>
+        <a:effectStyle>
+          <a:effectLst>
+            <a:outerShdw blurRad="40000" dist="20000" dir="5400000" rotWithShape="0">
+              <a:srgbClr val="000000">
+                <a:alpha val="38000"/>
+              </a:srgbClr>
+            </a:outerShdw>
+          </a:effectLst>
+        </a:effectStyle>
+        <a:effectStyle>
+          <a:effectLst>
+            <a:outerShdw blurRad="40000" dist="23000" dir="5400000" rotWithShape="0">
+              <a:srgbClr val="000000">
+                <a:alpha val="35000"/>
+              </a:srgbClr>
+            </a:outerShdw>
+          </a:effectLst>
+        </a:effectStyle>
+        <a:effectStyle>
+          <a:effectLst>
+            <a:outerShdw blurRad="40000" dist="23000" dir="5400000" rotWithShape="0">
+              <a:srgbClr val="000000">
+                <a:alpha val="35000"/>
+              </a:srgbClr>
+            </a:outerShdw>
+          </a:effectLst>
+          <a:scene3d>
+            <a:camera prst="orthographicFront">
+              <a:rot lat="0" lon="0" rev="0"/>
+            </a:camera>
+            <a:lightRig rig="threePt" dir="t">
+              <a:rot lat="0" lon="0" rev="1200000"/>
+            </a:lightRig>
+          </a:scene3d>
+          <a:sp3d>
+            <a:bevelT w="63500" h="25400"/>
+          </a:sp3d>
+        </a:effectStyle>
+      </a:effectStyleLst>
+      <a:bgFillStyleLst>
+        <a:solidFill>
+          <a:schemeClr val="phClr"/>
+        </a:solidFill>
+        <a:gradFill rotWithShape="1">
+          <a:gsLst>
+            <a:gs pos="0">
+              <a:schemeClr val="phClr">
+                <a:tint val="40000"/>
+                <a:satMod val="350000"/>
+              </a:schemeClr>
+            </a:gs>
+            <a:gs pos="40000">
+              <a:schemeClr val="phClr">
+                <a:tint val="45000"/>
+                <a:shade val="99000"/>
+                <a:satMod val="350000"/>
+              </a:schemeClr>
+            </a:gs>
+            <a:gs pos="100000">
+              <a:schemeClr val="phClr">
+                <a:shade val="20000"/>
+                <a:satMod val="255000"/>
+              </a:schemeClr>
+            </a:gs>
+          </a:gsLst>
+          <a:path path="circle">
+            <a:fillToRect l="50000" t="-80000" r="50000" b="180000"/>
+          </a:path>
+        </a:gradFill>
+        <a:gradFill rotWithShape="1">
+          <a:gsLst>
+            <a:gs pos="0">
+              <a:schemeClr val="phClr">
+                <a:tint val="80000"/>
+                <a:satMod val="300000"/>
+              </a:schemeClr>
+            </a:gs>
+            <a:gs pos="100000">
+              <a:schemeClr val="phClr">
+                <a:shade val="30000"/>
+                <a:satMod val="200000"/>
+              </a:schemeClr>
+            </a:gs>
+          </a:gsLst>
+          <a:path path="circle">
+            <a:fillToRect l="50000" t="50000" r="50000" b="50000"/>
+          </a:path>
+        </a:gradFill>
+      </a:bgFillStyleLst>
+    </a:fmtScheme>
+  </a:themeElements>
+  <a:objectDefaults/>
+  <a:extraClrSchemeLst/>
+</a:theme>
+</file>
+
+<file path=ppt/theme/theme2.xml><?xml version="1.0" encoding="utf-8"?>
 <a:theme xmlns:a="http://schemas.openxmlformats.org/drawingml/2006/main" name="Office Theme">
   <a:themeElements>
     <a:clrScheme name="Office">
